--- a/מצגת.pptx
+++ b/מצגת.pptx
@@ -6,7 +6,7 @@
   </p:sldMasterIdLst>
   <p:sldIdLst>
     <p:sldId id="256" r:id="rId2"/>
-    <p:sldId id="257" r:id="rId3"/>
+    <p:sldId id="282" r:id="rId3"/>
     <p:sldId id="258" r:id="rId4"/>
     <p:sldId id="259" r:id="rId5"/>
     <p:sldId id="260" r:id="rId6"/>
@@ -16,19 +16,22 @@
     <p:sldId id="264" r:id="rId10"/>
     <p:sldId id="265" r:id="rId11"/>
     <p:sldId id="266" r:id="rId12"/>
-    <p:sldId id="267" r:id="rId13"/>
-    <p:sldId id="268" r:id="rId14"/>
-    <p:sldId id="269" r:id="rId15"/>
-    <p:sldId id="270" r:id="rId16"/>
-    <p:sldId id="271" r:id="rId17"/>
-    <p:sldId id="272" r:id="rId18"/>
-    <p:sldId id="273" r:id="rId19"/>
-    <p:sldId id="274" r:id="rId20"/>
-    <p:sldId id="275" r:id="rId21"/>
-    <p:sldId id="276" r:id="rId22"/>
-    <p:sldId id="277" r:id="rId23"/>
-    <p:sldId id="278" r:id="rId24"/>
-    <p:sldId id="279" r:id="rId25"/>
+    <p:sldId id="280" r:id="rId13"/>
+    <p:sldId id="267" r:id="rId14"/>
+    <p:sldId id="281" r:id="rId15"/>
+    <p:sldId id="283" r:id="rId16"/>
+    <p:sldId id="268" r:id="rId17"/>
+    <p:sldId id="269" r:id="rId18"/>
+    <p:sldId id="270" r:id="rId19"/>
+    <p:sldId id="271" r:id="rId20"/>
+    <p:sldId id="272" r:id="rId21"/>
+    <p:sldId id="273" r:id="rId22"/>
+    <p:sldId id="274" r:id="rId23"/>
+    <p:sldId id="275" r:id="rId24"/>
+    <p:sldId id="276" r:id="rId25"/>
+    <p:sldId id="277" r:id="rId26"/>
+    <p:sldId id="278" r:id="rId27"/>
+    <p:sldId id="279" r:id="rId28"/>
   </p:sldIdLst>
   <p:sldSz cx="12192000" cy="6858000"/>
   <p:notesSz cx="6858000" cy="9144000"/>
@@ -127,6 +130,11 @@
       </a:defRPr>
     </a:lvl9pPr>
   </p:defaultTextStyle>
+  <p:extLst>
+    <p:ext uri="{EFAFB233-063F-42B5-8137-9DF3F51BA10A}">
+      <p15:sldGuideLst xmlns:p15="http://schemas.microsoft.com/office/powerpoint/2012/main"/>
+    </p:ext>
+  </p:extLst>
 </p:presentation>
 </file>
 
@@ -277,7 +285,7 @@
           <a:p>
             <a:fld id="{E7F66D08-A57E-40CB-88ED-D27CE462D96E}" type="datetimeFigureOut">
               <a:rPr lang="he-IL" smtClean="0"/>
-              <a:t>י"ג/כסלו/תש"פ</a:t>
+              <a:t>כ'/כסלו/תש"פ</a:t>
             </a:fld>
             <a:endParaRPr lang="he-IL"/>
           </a:p>
@@ -475,7 +483,7 @@
           <a:p>
             <a:fld id="{E7F66D08-A57E-40CB-88ED-D27CE462D96E}" type="datetimeFigureOut">
               <a:rPr lang="he-IL" smtClean="0"/>
-              <a:t>י"ג/כסלו/תש"פ</a:t>
+              <a:t>כ'/כסלו/תש"פ</a:t>
             </a:fld>
             <a:endParaRPr lang="he-IL"/>
           </a:p>
@@ -683,7 +691,7 @@
           <a:p>
             <a:fld id="{E7F66D08-A57E-40CB-88ED-D27CE462D96E}" type="datetimeFigureOut">
               <a:rPr lang="he-IL" smtClean="0"/>
-              <a:t>י"ג/כסלו/תש"פ</a:t>
+              <a:t>כ'/כסלו/תש"פ</a:t>
             </a:fld>
             <a:endParaRPr lang="he-IL"/>
           </a:p>
@@ -881,7 +889,7 @@
           <a:p>
             <a:fld id="{E7F66D08-A57E-40CB-88ED-D27CE462D96E}" type="datetimeFigureOut">
               <a:rPr lang="he-IL" smtClean="0"/>
-              <a:t>י"ג/כסלו/תש"פ</a:t>
+              <a:t>כ'/כסלו/תש"פ</a:t>
             </a:fld>
             <a:endParaRPr lang="he-IL"/>
           </a:p>
@@ -1156,7 +1164,7 @@
           <a:p>
             <a:fld id="{E7F66D08-A57E-40CB-88ED-D27CE462D96E}" type="datetimeFigureOut">
               <a:rPr lang="he-IL" smtClean="0"/>
-              <a:t>י"ג/כסלו/תש"פ</a:t>
+              <a:t>כ'/כסלו/תש"פ</a:t>
             </a:fld>
             <a:endParaRPr lang="he-IL"/>
           </a:p>
@@ -1421,7 +1429,7 @@
           <a:p>
             <a:fld id="{E7F66D08-A57E-40CB-88ED-D27CE462D96E}" type="datetimeFigureOut">
               <a:rPr lang="he-IL" smtClean="0"/>
-              <a:t>י"ג/כסלו/תש"פ</a:t>
+              <a:t>כ'/כסלו/תש"פ</a:t>
             </a:fld>
             <a:endParaRPr lang="he-IL"/>
           </a:p>
@@ -1833,7 +1841,7 @@
           <a:p>
             <a:fld id="{E7F66D08-A57E-40CB-88ED-D27CE462D96E}" type="datetimeFigureOut">
               <a:rPr lang="he-IL" smtClean="0"/>
-              <a:t>י"ג/כסלו/תש"פ</a:t>
+              <a:t>כ'/כסלו/תש"פ</a:t>
             </a:fld>
             <a:endParaRPr lang="he-IL"/>
           </a:p>
@@ -1974,7 +1982,7 @@
           <a:p>
             <a:fld id="{E7F66D08-A57E-40CB-88ED-D27CE462D96E}" type="datetimeFigureOut">
               <a:rPr lang="he-IL" smtClean="0"/>
-              <a:t>י"ג/כסלו/תש"פ</a:t>
+              <a:t>כ'/כסלו/תש"פ</a:t>
             </a:fld>
             <a:endParaRPr lang="he-IL"/>
           </a:p>
@@ -2087,7 +2095,7 @@
           <a:p>
             <a:fld id="{E7F66D08-A57E-40CB-88ED-D27CE462D96E}" type="datetimeFigureOut">
               <a:rPr lang="he-IL" smtClean="0"/>
-              <a:t>י"ג/כסלו/תש"פ</a:t>
+              <a:t>כ'/כסלו/תש"פ</a:t>
             </a:fld>
             <a:endParaRPr lang="he-IL"/>
           </a:p>
@@ -2398,7 +2406,7 @@
           <a:p>
             <a:fld id="{E7F66D08-A57E-40CB-88ED-D27CE462D96E}" type="datetimeFigureOut">
               <a:rPr lang="he-IL" smtClean="0"/>
-              <a:t>י"ג/כסלו/תש"פ</a:t>
+              <a:t>כ'/כסלו/תש"פ</a:t>
             </a:fld>
             <a:endParaRPr lang="he-IL"/>
           </a:p>
@@ -2686,7 +2694,7 @@
           <a:p>
             <a:fld id="{E7F66D08-A57E-40CB-88ED-D27CE462D96E}" type="datetimeFigureOut">
               <a:rPr lang="he-IL" smtClean="0"/>
-              <a:t>י"ג/כסלו/תש"פ</a:t>
+              <a:t>כ'/כסלו/תש"פ</a:t>
             </a:fld>
             <a:endParaRPr lang="he-IL"/>
           </a:p>
@@ -2927,7 +2935,7 @@
           <a:p>
             <a:fld id="{E7F66D08-A57E-40CB-88ED-D27CE462D96E}" type="datetimeFigureOut">
               <a:rPr lang="he-IL" smtClean="0"/>
-              <a:t>י"ג/כסלו/תש"פ</a:t>
+              <a:t>כ'/כסלו/תש"פ</a:t>
             </a:fld>
             <a:endParaRPr lang="he-IL"/>
           </a:p>
@@ -3330,6 +3338,14 @@
 <file path=ppt/slides/slide1.xml><?xml version="1.0" encoding="utf-8"?>
 <p:sld xmlns:a="http://schemas.openxmlformats.org/drawingml/2006/main" xmlns:r="http://schemas.openxmlformats.org/officeDocument/2006/relationships" xmlns:p="http://schemas.openxmlformats.org/presentationml/2006/main">
   <p:cSld>
+    <p:bg>
+      <p:bgPr>
+        <a:solidFill>
+          <a:schemeClr val="bg1"/>
+        </a:solidFill>
+        <a:effectLst/>
+      </p:bgPr>
+    </p:bg>
     <p:spTree>
       <p:nvGrpSpPr>
         <p:cNvPr id="1" name=""/>
@@ -3346,6 +3362,69 @@
       </p:grpSpPr>
       <p:sp>
         <p:nvSpPr>
+          <p:cNvPr id="8" name="Rectangle 7">
+            <a:extLst>
+              <a:ext uri="{FF2B5EF4-FFF2-40B4-BE49-F238E27FC236}">
+                <a16:creationId xmlns:a16="http://schemas.microsoft.com/office/drawing/2014/main" id="{51D98CAC-3EFF-4342-BD5A-6C0E8CAB4C1A}"/>
+              </a:ext>
+              <a:ext uri="{C183D7F6-B498-43B3-948B-1728B52AA6E4}">
+                <adec:decorative xmlns:adec="http://schemas.microsoft.com/office/drawing/2017/decorative" val="1"/>
+              </a:ext>
+            </a:extLst>
+          </p:cNvPr>
+          <p:cNvSpPr>
+            <a:spLocks noGrp="1" noRot="1" noChangeAspect="1" noMove="1" noResize="1" noEditPoints="1" noAdjustHandles="1" noChangeArrowheads="1" noChangeShapeType="1" noTextEdit="1"/>
+          </p:cNvSpPr>
+          <p:nvPr>
+            <p:extLst>
+              <p:ext uri="{386F3935-93C4-4BCD-93E2-E3B085C9AB24}">
+                <p16:designElem xmlns:p16="http://schemas.microsoft.com/office/powerpoint/2015/main" val="1"/>
+              </p:ext>
+            </p:extLst>
+          </p:nvPr>
+        </p:nvSpPr>
+        <p:spPr>
+          <a:xfrm flipV="1">
+            <a:off x="838200" y="520700"/>
+            <a:ext cx="10515600" cy="3486150"/>
+          </a:xfrm>
+          <a:prstGeom prst="rect">
+            <a:avLst/>
+          </a:prstGeom>
+          <a:solidFill>
+            <a:schemeClr val="accent5"/>
+          </a:solidFill>
+          <a:ln>
+            <a:noFill/>
+          </a:ln>
+        </p:spPr>
+        <p:style>
+          <a:lnRef idx="2">
+            <a:schemeClr val="accent1">
+              <a:shade val="50000"/>
+            </a:schemeClr>
+          </a:lnRef>
+          <a:fillRef idx="1">
+            <a:schemeClr val="accent1"/>
+          </a:fillRef>
+          <a:effectRef idx="0">
+            <a:schemeClr val="accent1"/>
+          </a:effectRef>
+          <a:fontRef idx="minor">
+            <a:schemeClr val="lt1"/>
+          </a:fontRef>
+        </p:style>
+        <p:txBody>
+          <a:bodyPr rtlCol="0" anchor="ctr"/>
+          <a:lstStyle/>
+          <a:p>
+            <a:pPr algn="ctr"/>
+            <a:endParaRPr lang="en-US"/>
+          </a:p>
+        </p:txBody>
+      </p:sp>
+      <p:sp>
+        <p:nvSpPr>
           <p:cNvPr id="2" name="כותרת 1">
             <a:extLst>
               <a:ext uri="{FF2B5EF4-FFF2-40B4-BE49-F238E27FC236}">
@@ -3360,23 +3439,46 @@
             <p:ph type="ctrTitle"/>
           </p:nvPr>
         </p:nvSpPr>
-        <p:spPr/>
-        <p:txBody>
-          <a:bodyPr/>
-          <a:lstStyle/>
-          <a:p>
-            <a:r>
-              <a:rPr lang="en-US" dirty="0"/>
+        <p:spPr>
+          <a:xfrm>
+            <a:off x="1330325" y="958852"/>
+            <a:ext cx="9531350" cy="2514597"/>
+          </a:xfrm>
+        </p:spPr>
+        <p:txBody>
+          <a:bodyPr anchor="b">
+            <a:normAutofit/>
+          </a:bodyPr>
+          <a:lstStyle/>
+          <a:p>
+            <a:r>
+              <a:rPr lang="en-US" sz="8000">
+                <a:solidFill>
+                  <a:srgbClr val="FFFFFF"/>
+                </a:solidFill>
+              </a:rPr>
               <a:t>Image processing:</a:t>
             </a:r>
             <a:br>
-              <a:rPr lang="en-US" dirty="0"/>
+              <a:rPr lang="en-US" sz="8000">
+                <a:solidFill>
+                  <a:srgbClr val="FFFFFF"/>
+                </a:solidFill>
+              </a:rPr>
             </a:br>
             <a:r>
-              <a:rPr lang="en-US" dirty="0"/>
+              <a:rPr lang="en-US" sz="8000">
+                <a:solidFill>
+                  <a:srgbClr val="FFFFFF"/>
+                </a:solidFill>
+              </a:rPr>
               <a:t>Edge Detection</a:t>
             </a:r>
-            <a:endParaRPr lang="he-IL" dirty="0"/>
+            <a:endParaRPr lang="he-IL" sz="8000">
+              <a:solidFill>
+                <a:srgbClr val="FFFFFF"/>
+              </a:solidFill>
+            </a:endParaRPr>
           </a:p>
         </p:txBody>
       </p:sp>
@@ -3396,22 +3498,29 @@
             <p:ph type="subTitle" idx="1"/>
           </p:nvPr>
         </p:nvSpPr>
-        <p:spPr/>
-        <p:txBody>
-          <a:bodyPr/>
-          <a:lstStyle/>
-          <a:p>
-            <a:r>
-              <a:rPr lang="en-US" dirty="0"/>
+        <p:spPr>
+          <a:xfrm>
+            <a:off x="1330324" y="4305300"/>
+            <a:ext cx="9585326" cy="1454150"/>
+          </a:xfrm>
+        </p:spPr>
+        <p:txBody>
+          <a:bodyPr>
+            <a:normAutofit/>
+          </a:bodyPr>
+          <a:lstStyle/>
+          <a:p>
+            <a:r>
+              <a:rPr lang="en-US" sz="3200"/>
               <a:t>Benyamin Darmoni</a:t>
             </a:r>
           </a:p>
           <a:p>
             <a:r>
-              <a:rPr lang="en-US" dirty="0"/>
+              <a:rPr lang="en-US" sz="3200"/>
               <a:t>Denis Shapira</a:t>
             </a:r>
-            <a:endParaRPr lang="he-IL" dirty="0"/>
+            <a:endParaRPr lang="he-IL" sz="3200"/>
           </a:p>
         </p:txBody>
       </p:sp>
@@ -3563,10 +3672,13 @@
               <a:buChar char="-"/>
             </a:pPr>
             <a:r>
-              <a:rPr lang="he-IL" sz="3600" dirty="0" err="1"/>
+              <a:rPr lang="he-IL" sz="3600" dirty="0">
+                <a:highlight>
+                  <a:srgbClr val="FFFF00"/>
+                </a:highlight>
+              </a:rPr>
               <a:t>קונבולוציה</a:t>
             </a:r>
-            <a:endParaRPr lang="he-IL" sz="3600" dirty="0"/>
           </a:p>
           <a:p>
             <a:endParaRPr lang="he-IL" sz="3600" dirty="0"/>
@@ -3648,15 +3760,7 @@
             </a:pPr>
             <a:r>
               <a:rPr lang="he-IL" dirty="0"/>
-              <a:t>מה זה </a:t>
-            </a:r>
-            <a:r>
-              <a:rPr lang="he-IL" dirty="0" err="1"/>
-              <a:t>קונבולוציה</a:t>
-            </a:r>
-            <a:r>
-              <a:rPr lang="he-IL" dirty="0"/>
-              <a:t>?</a:t>
+              <a:t>מה זה קונבולוציה?</a:t>
             </a:r>
           </a:p>
           <a:p>
@@ -3664,12 +3768,8 @@
               <a:buNone/>
             </a:pPr>
             <a:r>
-              <a:rPr lang="he-IL" dirty="0" err="1"/>
-              <a:t>קונבולוציה</a:t>
-            </a:r>
-            <a:r>
               <a:rPr lang="he-IL" dirty="0"/>
-              <a:t> זו פעולה בינארית על 2 פונקציות או סדרות איברים, במקרה שלנו נבצע </a:t>
+              <a:t>קונבולוציה זו פעולה בינארית על 2 פונקציות או סדרות איברים, במקרה שלנו נבצע </a:t>
             </a:r>
             <a:r>
               <a:rPr lang="he-IL" dirty="0" err="1"/>
@@ -3684,10 +3784,10 @@
       </p:sp>
       <p:pic>
         <p:nvPicPr>
-          <p:cNvPr id="4" name="תמונה 3">
-            <a:extLst>
-              <a:ext uri="{FF2B5EF4-FFF2-40B4-BE49-F238E27FC236}">
-                <a16:creationId xmlns:a16="http://schemas.microsoft.com/office/drawing/2014/main" id="{4B588D92-BE4B-4521-A446-13AFB4FEAD80}"/>
+          <p:cNvPr id="2" name="תמונה 1">
+            <a:extLst>
+              <a:ext uri="{FF2B5EF4-FFF2-40B4-BE49-F238E27FC236}">
+                <a16:creationId xmlns:a16="http://schemas.microsoft.com/office/drawing/2014/main" id="{6E4E9AC3-7097-4D16-90E1-9EA34F14781F}"/>
               </a:ext>
             </a:extLst>
           </p:cNvPr>
@@ -3704,8 +3804,8 @@
         </p:blipFill>
         <p:spPr>
           <a:xfrm>
-            <a:off x="0" y="2039787"/>
-            <a:ext cx="12192000" cy="5023379"/>
+            <a:off x="0" y="2843924"/>
+            <a:ext cx="12192000" cy="1942312"/>
           </a:xfrm>
           <a:prstGeom prst="rect">
             <a:avLst/>
@@ -3728,6 +3828,14 @@
 <file path=ppt/slides/slide12.xml><?xml version="1.0" encoding="utf-8"?>
 <p:sld xmlns:a="http://schemas.openxmlformats.org/drawingml/2006/main" xmlns:r="http://schemas.openxmlformats.org/officeDocument/2006/relationships" xmlns:p="http://schemas.openxmlformats.org/presentationml/2006/main">
   <p:cSld>
+    <p:bg>
+      <p:bgPr>
+        <a:solidFill>
+          <a:schemeClr val="bg1"/>
+        </a:solidFill>
+        <a:effectLst/>
+      </p:bgPr>
+    </p:bg>
     <p:spTree>
       <p:nvGrpSpPr>
         <p:cNvPr id="1" name=""/>
@@ -3742,12 +3850,1479 @@
           <a:chExt cx="0" cy="0"/>
         </a:xfrm>
       </p:grpSpPr>
+      <p:grpSp>
+        <p:nvGrpSpPr>
+          <p:cNvPr id="8" name="Group 7">
+            <a:extLst>
+              <a:ext uri="{FF2B5EF4-FFF2-40B4-BE49-F238E27FC236}">
+                <a16:creationId xmlns:a16="http://schemas.microsoft.com/office/drawing/2014/main" id="{84860832-27F3-4D30-9288-7521D2491514}"/>
+              </a:ext>
+              <a:ext uri="{C183D7F6-B498-43B3-948B-1728B52AA6E4}">
+                <adec:decorative xmlns:adec="http://schemas.microsoft.com/office/drawing/2017/decorative" val="1"/>
+              </a:ext>
+            </a:extLst>
+          </p:cNvPr>
+          <p:cNvGrpSpPr>
+            <a:grpSpLocks noGrp="1" noUngrp="1" noRot="1" noChangeAspect="1" noMove="1" noResize="1"/>
+          </p:cNvGrpSpPr>
+          <p:nvPr>
+            <p:extLst>
+              <p:ext uri="{386F3935-93C4-4BCD-93E2-E3B085C9AB24}">
+                <p16:designElem xmlns:p16="http://schemas.microsoft.com/office/powerpoint/2015/main" val="1"/>
+              </p:ext>
+            </p:extLst>
+          </p:nvPr>
+        </p:nvGrpSpPr>
+        <p:grpSpPr>
+          <a:xfrm>
+            <a:off x="-417513" y="0"/>
+            <a:ext cx="12584114" cy="6853238"/>
+            <a:chOff x="-417513" y="0"/>
+            <a:chExt cx="12584114" cy="6853238"/>
+          </a:xfrm>
+        </p:grpSpPr>
+        <p:sp>
+          <p:nvSpPr>
+            <p:cNvPr id="9" name="Freeform 5">
+              <a:extLst>
+                <a:ext uri="{FF2B5EF4-FFF2-40B4-BE49-F238E27FC236}">
+                  <a16:creationId xmlns:a16="http://schemas.microsoft.com/office/drawing/2014/main" id="{6DAAD4DA-AA9F-4A4D-AD0B-0FB2286B3DF5}"/>
+                </a:ext>
+                <a:ext uri="{C183D7F6-B498-43B3-948B-1728B52AA6E4}">
+                  <adec:decorative xmlns:adec="http://schemas.microsoft.com/office/drawing/2017/decorative" val="1"/>
+                </a:ext>
+              </a:extLst>
+            </p:cNvPr>
+            <p:cNvSpPr/>
+            <p:nvPr>
+              <p:extLst>
+                <p:ext uri="{386F3935-93C4-4BCD-93E2-E3B085C9AB24}">
+                  <p16:designElem xmlns:p16="http://schemas.microsoft.com/office/powerpoint/2015/main" val="1"/>
+                </p:ext>
+              </p:extLst>
+            </p:nvPr>
+          </p:nvSpPr>
+          <p:spPr bwMode="auto">
+            <a:xfrm>
+              <a:off x="1306513" y="0"/>
+              <a:ext cx="3862388" cy="6843713"/>
+            </a:xfrm>
+            <a:custGeom>
+              <a:avLst/>
+              <a:gdLst/>
+              <a:ahLst/>
+              <a:cxnLst/>
+              <a:rect l="0" t="0" r="r" b="b"/>
+              <a:pathLst>
+                <a:path w="813" h="1440">
+                  <a:moveTo>
+                    <a:pt x="813" y="0"/>
+                  </a:moveTo>
+                  <a:cubicBezTo>
+                    <a:pt x="331" y="221"/>
+                    <a:pt x="0" y="1039"/>
+                    <a:pt x="435" y="1440"/>
+                  </a:cubicBezTo>
+                </a:path>
+              </a:pathLst>
+            </a:custGeom>
+            <a:noFill/>
+            <a:ln w="9525" cap="flat">
+              <a:solidFill>
+                <a:schemeClr val="accent1">
+                  <a:alpha val="20000"/>
+                </a:schemeClr>
+              </a:solidFill>
+              <a:prstDash val="solid"/>
+              <a:miter lim="800000"/>
+              <a:headEnd/>
+              <a:tailEnd/>
+            </a:ln>
+            <a:extLst>
+              <a:ext uri="{909E8E84-426E-40DD-AFC4-6F175D3DCCD1}">
+                <a14:hiddenFill xmlns:a14="http://schemas.microsoft.com/office/drawing/2010/main">
+                  <a:solidFill>
+                    <a:srgbClr val="FFFFFF"/>
+                  </a:solidFill>
+                </a14:hiddenFill>
+              </a:ext>
+            </a:extLst>
+          </p:spPr>
+          <p:txBody>
+            <a:bodyPr/>
+            <a:lstStyle/>
+            <a:p>
+              <a:endParaRPr lang="en-US" dirty="0"/>
+            </a:p>
+          </p:txBody>
+        </p:sp>
+        <p:sp>
+          <p:nvSpPr>
+            <p:cNvPr id="10" name="Freeform 6">
+              <a:extLst>
+                <a:ext uri="{FF2B5EF4-FFF2-40B4-BE49-F238E27FC236}">
+                  <a16:creationId xmlns:a16="http://schemas.microsoft.com/office/drawing/2014/main" id="{A4F5EC98-FDFD-4158-9C16-CD770B1F2A4A}"/>
+                </a:ext>
+                <a:ext uri="{C183D7F6-B498-43B3-948B-1728B52AA6E4}">
+                  <adec:decorative xmlns:adec="http://schemas.microsoft.com/office/drawing/2017/decorative" val="1"/>
+                </a:ext>
+              </a:extLst>
+            </p:cNvPr>
+            <p:cNvSpPr/>
+            <p:nvPr>
+              <p:extLst>
+                <p:ext uri="{386F3935-93C4-4BCD-93E2-E3B085C9AB24}">
+                  <p16:designElem xmlns:p16="http://schemas.microsoft.com/office/powerpoint/2015/main" val="1"/>
+                </p:ext>
+              </p:extLst>
+            </p:nvPr>
+          </p:nvSpPr>
+          <p:spPr bwMode="auto">
+            <a:xfrm>
+              <a:off x="10626725" y="9525"/>
+              <a:ext cx="1539875" cy="555625"/>
+            </a:xfrm>
+            <a:custGeom>
+              <a:avLst/>
+              <a:gdLst/>
+              <a:ahLst/>
+              <a:cxnLst/>
+              <a:rect l="0" t="0" r="r" b="b"/>
+              <a:pathLst>
+                <a:path w="324" h="117">
+                  <a:moveTo>
+                    <a:pt x="324" y="117"/>
+                  </a:moveTo>
+                  <a:cubicBezTo>
+                    <a:pt x="223" y="64"/>
+                    <a:pt x="107" y="28"/>
+                    <a:pt x="0" y="0"/>
+                  </a:cubicBezTo>
+                </a:path>
+              </a:pathLst>
+            </a:custGeom>
+            <a:noFill/>
+            <a:ln w="9525" cap="flat">
+              <a:solidFill>
+                <a:schemeClr val="accent1">
+                  <a:alpha val="20000"/>
+                </a:schemeClr>
+              </a:solidFill>
+              <a:prstDash val="solid"/>
+              <a:miter lim="800000"/>
+              <a:headEnd/>
+              <a:tailEnd/>
+            </a:ln>
+            <a:extLst>
+              <a:ext uri="{909E8E84-426E-40DD-AFC4-6F175D3DCCD1}">
+                <a14:hiddenFill xmlns:a14="http://schemas.microsoft.com/office/drawing/2010/main">
+                  <a:solidFill>
+                    <a:srgbClr val="FFFFFF"/>
+                  </a:solidFill>
+                </a14:hiddenFill>
+              </a:ext>
+            </a:extLst>
+          </p:spPr>
+        </p:sp>
+        <p:sp>
+          <p:nvSpPr>
+            <p:cNvPr id="11" name="Freeform 7">
+              <a:extLst>
+                <a:ext uri="{FF2B5EF4-FFF2-40B4-BE49-F238E27FC236}">
+                  <a16:creationId xmlns:a16="http://schemas.microsoft.com/office/drawing/2014/main" id="{26D1C0DA-68C2-40A2-BCCA-D14FB5EF2B4B}"/>
+                </a:ext>
+                <a:ext uri="{C183D7F6-B498-43B3-948B-1728B52AA6E4}">
+                  <adec:decorative xmlns:adec="http://schemas.microsoft.com/office/drawing/2017/decorative" val="1"/>
+                </a:ext>
+              </a:extLst>
+            </p:cNvPr>
+            <p:cNvSpPr/>
+            <p:nvPr>
+              <p:extLst>
+                <p:ext uri="{386F3935-93C4-4BCD-93E2-E3B085C9AB24}">
+                  <p16:designElem xmlns:p16="http://schemas.microsoft.com/office/powerpoint/2015/main" val="1"/>
+                </p:ext>
+              </p:extLst>
+            </p:nvPr>
+          </p:nvSpPr>
+          <p:spPr bwMode="auto">
+            <a:xfrm>
+              <a:off x="10247313" y="5013325"/>
+              <a:ext cx="1919288" cy="1830388"/>
+            </a:xfrm>
+            <a:custGeom>
+              <a:avLst/>
+              <a:gdLst/>
+              <a:ahLst/>
+              <a:cxnLst/>
+              <a:rect l="0" t="0" r="r" b="b"/>
+              <a:pathLst>
+                <a:path w="404" h="385">
+                  <a:moveTo>
+                    <a:pt x="0" y="385"/>
+                  </a:moveTo>
+                  <a:cubicBezTo>
+                    <a:pt x="146" y="272"/>
+                    <a:pt x="285" y="142"/>
+                    <a:pt x="404" y="0"/>
+                  </a:cubicBezTo>
+                </a:path>
+              </a:pathLst>
+            </a:custGeom>
+            <a:noFill/>
+            <a:ln w="9525" cap="flat">
+              <a:solidFill>
+                <a:schemeClr val="accent1">
+                  <a:alpha val="20000"/>
+                </a:schemeClr>
+              </a:solidFill>
+              <a:prstDash val="solid"/>
+              <a:miter lim="800000"/>
+              <a:headEnd/>
+              <a:tailEnd/>
+            </a:ln>
+            <a:extLst>
+              <a:ext uri="{909E8E84-426E-40DD-AFC4-6F175D3DCCD1}">
+                <a14:hiddenFill xmlns:a14="http://schemas.microsoft.com/office/drawing/2010/main">
+                  <a:solidFill>
+                    <a:srgbClr val="FFFFFF"/>
+                  </a:solidFill>
+                </a14:hiddenFill>
+              </a:ext>
+            </a:extLst>
+          </p:spPr>
+        </p:sp>
+        <p:sp>
+          <p:nvSpPr>
+            <p:cNvPr id="12" name="Freeform 8">
+              <a:extLst>
+                <a:ext uri="{FF2B5EF4-FFF2-40B4-BE49-F238E27FC236}">
+                  <a16:creationId xmlns:a16="http://schemas.microsoft.com/office/drawing/2014/main" id="{1B67FFD7-72F1-4435-9C33-DFFE87F9C8A8}"/>
+                </a:ext>
+                <a:ext uri="{C183D7F6-B498-43B3-948B-1728B52AA6E4}">
+                  <adec:decorative xmlns:adec="http://schemas.microsoft.com/office/drawing/2017/decorative" val="1"/>
+                </a:ext>
+              </a:extLst>
+            </p:cNvPr>
+            <p:cNvSpPr/>
+            <p:nvPr>
+              <p:extLst>
+                <p:ext uri="{386F3935-93C4-4BCD-93E2-E3B085C9AB24}">
+                  <p16:designElem xmlns:p16="http://schemas.microsoft.com/office/powerpoint/2015/main" val="1"/>
+                </p:ext>
+              </p:extLst>
+            </p:nvPr>
+          </p:nvSpPr>
+          <p:spPr bwMode="auto">
+            <a:xfrm>
+              <a:off x="1120775" y="0"/>
+              <a:ext cx="3676650" cy="6843713"/>
+            </a:xfrm>
+            <a:custGeom>
+              <a:avLst/>
+              <a:gdLst/>
+              <a:ahLst/>
+              <a:cxnLst/>
+              <a:rect l="0" t="0" r="r" b="b"/>
+              <a:pathLst>
+                <a:path w="774" h="1440">
+                  <a:moveTo>
+                    <a:pt x="774" y="0"/>
+                  </a:moveTo>
+                  <a:cubicBezTo>
+                    <a:pt x="312" y="240"/>
+                    <a:pt x="0" y="1034"/>
+                    <a:pt x="411" y="1440"/>
+                  </a:cubicBezTo>
+                </a:path>
+              </a:pathLst>
+            </a:custGeom>
+            <a:noFill/>
+            <a:ln w="9525" cap="flat">
+              <a:solidFill>
+                <a:schemeClr val="accent1">
+                  <a:alpha val="18000"/>
+                </a:schemeClr>
+              </a:solidFill>
+              <a:prstDash val="dash"/>
+              <a:miter lim="800000"/>
+              <a:headEnd/>
+              <a:tailEnd/>
+            </a:ln>
+            <a:extLst>
+              <a:ext uri="{909E8E84-426E-40DD-AFC4-6F175D3DCCD1}">
+                <a14:hiddenFill xmlns:a14="http://schemas.microsoft.com/office/drawing/2010/main">
+                  <a:solidFill>
+                    <a:srgbClr val="FFFFFF"/>
+                  </a:solidFill>
+                </a14:hiddenFill>
+              </a:ext>
+            </a:extLst>
+          </p:spPr>
+        </p:sp>
+        <p:sp>
+          <p:nvSpPr>
+            <p:cNvPr id="13" name="Freeform 9">
+              <a:extLst>
+                <a:ext uri="{FF2B5EF4-FFF2-40B4-BE49-F238E27FC236}">
+                  <a16:creationId xmlns:a16="http://schemas.microsoft.com/office/drawing/2014/main" id="{15CE66C6-629F-44D9-A0BC-D2F4E7AF5627}"/>
+                </a:ext>
+                <a:ext uri="{C183D7F6-B498-43B3-948B-1728B52AA6E4}">
+                  <adec:decorative xmlns:adec="http://schemas.microsoft.com/office/drawing/2017/decorative" val="1"/>
+                </a:ext>
+              </a:extLst>
+            </p:cNvPr>
+            <p:cNvSpPr/>
+            <p:nvPr>
+              <p:extLst>
+                <p:ext uri="{386F3935-93C4-4BCD-93E2-E3B085C9AB24}">
+                  <p16:designElem xmlns:p16="http://schemas.microsoft.com/office/powerpoint/2015/main" val="1"/>
+                </p:ext>
+              </p:extLst>
+            </p:nvPr>
+          </p:nvSpPr>
+          <p:spPr bwMode="auto">
+            <a:xfrm>
+              <a:off x="11202988" y="9525"/>
+              <a:ext cx="963613" cy="366713"/>
+            </a:xfrm>
+            <a:custGeom>
+              <a:avLst/>
+              <a:gdLst/>
+              <a:ahLst/>
+              <a:cxnLst/>
+              <a:rect l="0" t="0" r="r" b="b"/>
+              <a:pathLst>
+                <a:path w="203" h="77">
+                  <a:moveTo>
+                    <a:pt x="203" y="77"/>
+                  </a:moveTo>
+                  <a:cubicBezTo>
+                    <a:pt x="138" y="46"/>
+                    <a:pt x="68" y="21"/>
+                    <a:pt x="0" y="0"/>
+                  </a:cubicBezTo>
+                </a:path>
+              </a:pathLst>
+            </a:custGeom>
+            <a:noFill/>
+            <a:ln w="9525" cap="flat">
+              <a:solidFill>
+                <a:schemeClr val="accent1">
+                  <a:alpha val="18000"/>
+                </a:schemeClr>
+              </a:solidFill>
+              <a:prstDash val="dash"/>
+              <a:miter lim="800000"/>
+              <a:headEnd/>
+              <a:tailEnd/>
+            </a:ln>
+            <a:extLst>
+              <a:ext uri="{909E8E84-426E-40DD-AFC4-6F175D3DCCD1}">
+                <a14:hiddenFill xmlns:a14="http://schemas.microsoft.com/office/drawing/2010/main">
+                  <a:solidFill>
+                    <a:srgbClr val="FFFFFF"/>
+                  </a:solidFill>
+                </a14:hiddenFill>
+              </a:ext>
+            </a:extLst>
+          </p:spPr>
+        </p:sp>
+        <p:sp>
+          <p:nvSpPr>
+            <p:cNvPr id="14" name="Freeform 10">
+              <a:extLst>
+                <a:ext uri="{FF2B5EF4-FFF2-40B4-BE49-F238E27FC236}">
+                  <a16:creationId xmlns:a16="http://schemas.microsoft.com/office/drawing/2014/main" id="{FEAAAFC3-1B1C-4F1C-AC4E-ED0ACA4AEE6E}"/>
+                </a:ext>
+                <a:ext uri="{C183D7F6-B498-43B3-948B-1728B52AA6E4}">
+                  <adec:decorative xmlns:adec="http://schemas.microsoft.com/office/drawing/2017/decorative" val="1"/>
+                </a:ext>
+              </a:extLst>
+            </p:cNvPr>
+            <p:cNvSpPr/>
+            <p:nvPr>
+              <p:extLst>
+                <p:ext uri="{386F3935-93C4-4BCD-93E2-E3B085C9AB24}">
+                  <p16:designElem xmlns:p16="http://schemas.microsoft.com/office/powerpoint/2015/main" val="1"/>
+                </p:ext>
+              </p:extLst>
+            </p:nvPr>
+          </p:nvSpPr>
+          <p:spPr bwMode="auto">
+            <a:xfrm>
+              <a:off x="10494963" y="5275263"/>
+              <a:ext cx="1666875" cy="1577975"/>
+            </a:xfrm>
+            <a:custGeom>
+              <a:avLst/>
+              <a:gdLst/>
+              <a:ahLst/>
+              <a:cxnLst/>
+              <a:rect l="0" t="0" r="r" b="b"/>
+              <a:pathLst>
+                <a:path w="351" h="332">
+                  <a:moveTo>
+                    <a:pt x="0" y="332"/>
+                  </a:moveTo>
+                  <a:cubicBezTo>
+                    <a:pt x="125" y="232"/>
+                    <a:pt x="245" y="121"/>
+                    <a:pt x="351" y="0"/>
+                  </a:cubicBezTo>
+                </a:path>
+              </a:pathLst>
+            </a:custGeom>
+            <a:noFill/>
+            <a:ln w="9525" cap="flat">
+              <a:solidFill>
+                <a:schemeClr val="accent1">
+                  <a:alpha val="18000"/>
+                </a:schemeClr>
+              </a:solidFill>
+              <a:prstDash val="dash"/>
+              <a:miter lim="800000"/>
+              <a:headEnd/>
+              <a:tailEnd/>
+            </a:ln>
+            <a:extLst>
+              <a:ext uri="{909E8E84-426E-40DD-AFC4-6F175D3DCCD1}">
+                <a14:hiddenFill xmlns:a14="http://schemas.microsoft.com/office/drawing/2010/main">
+                  <a:solidFill>
+                    <a:srgbClr val="FFFFFF"/>
+                  </a:solidFill>
+                </a14:hiddenFill>
+              </a:ext>
+            </a:extLst>
+          </p:spPr>
+        </p:sp>
+        <p:sp>
+          <p:nvSpPr>
+            <p:cNvPr id="15" name="Freeform 11">
+              <a:extLst>
+                <a:ext uri="{FF2B5EF4-FFF2-40B4-BE49-F238E27FC236}">
+                  <a16:creationId xmlns:a16="http://schemas.microsoft.com/office/drawing/2014/main" id="{E2C81DA9-A0C9-4C54-A2F0-A3EC14F2B84E}"/>
+                </a:ext>
+                <a:ext uri="{C183D7F6-B498-43B3-948B-1728B52AA6E4}">
+                  <adec:decorative xmlns:adec="http://schemas.microsoft.com/office/drawing/2017/decorative" val="1"/>
+                </a:ext>
+              </a:extLst>
+            </p:cNvPr>
+            <p:cNvSpPr/>
+            <p:nvPr>
+              <p:extLst>
+                <p:ext uri="{386F3935-93C4-4BCD-93E2-E3B085C9AB24}">
+                  <p16:designElem xmlns:p16="http://schemas.microsoft.com/office/powerpoint/2015/main" val="1"/>
+                </p:ext>
+              </p:extLst>
+            </p:nvPr>
+          </p:nvSpPr>
+          <p:spPr bwMode="auto">
+            <a:xfrm>
+              <a:off x="1001713" y="0"/>
+              <a:ext cx="3621088" cy="6843713"/>
+            </a:xfrm>
+            <a:custGeom>
+              <a:avLst/>
+              <a:gdLst/>
+              <a:ahLst/>
+              <a:cxnLst/>
+              <a:rect l="0" t="0" r="r" b="b"/>
+              <a:pathLst>
+                <a:path w="762" h="1440">
+                  <a:moveTo>
+                    <a:pt x="762" y="0"/>
+                  </a:moveTo>
+                  <a:cubicBezTo>
+                    <a:pt x="308" y="245"/>
+                    <a:pt x="0" y="1033"/>
+                    <a:pt x="403" y="1440"/>
+                  </a:cubicBezTo>
+                </a:path>
+              </a:pathLst>
+            </a:custGeom>
+            <a:noFill/>
+            <a:ln w="9525" cap="flat">
+              <a:solidFill>
+                <a:schemeClr val="accent1">
+                  <a:alpha val="15000"/>
+                </a:schemeClr>
+              </a:solidFill>
+              <a:prstDash val="solid"/>
+              <a:miter lim="800000"/>
+              <a:headEnd/>
+              <a:tailEnd/>
+            </a:ln>
+            <a:extLst>
+              <a:ext uri="{909E8E84-426E-40DD-AFC4-6F175D3DCCD1}">
+                <a14:hiddenFill xmlns:a14="http://schemas.microsoft.com/office/drawing/2010/main">
+                  <a:solidFill>
+                    <a:srgbClr val="FFFFFF"/>
+                  </a:solidFill>
+                </a14:hiddenFill>
+              </a:ext>
+            </a:extLst>
+          </p:spPr>
+        </p:sp>
+        <p:sp>
+          <p:nvSpPr>
+            <p:cNvPr id="16" name="Freeform 12">
+              <a:extLst>
+                <a:ext uri="{FF2B5EF4-FFF2-40B4-BE49-F238E27FC236}">
+                  <a16:creationId xmlns:a16="http://schemas.microsoft.com/office/drawing/2014/main" id="{B7EA41DD-7957-42FB-BD48-E502F81F6C21}"/>
+                </a:ext>
+                <a:ext uri="{C183D7F6-B498-43B3-948B-1728B52AA6E4}">
+                  <adec:decorative xmlns:adec="http://schemas.microsoft.com/office/drawing/2017/decorative" val="1"/>
+                </a:ext>
+              </a:extLst>
+            </p:cNvPr>
+            <p:cNvSpPr/>
+            <p:nvPr>
+              <p:extLst>
+                <p:ext uri="{386F3935-93C4-4BCD-93E2-E3B085C9AB24}">
+                  <p16:designElem xmlns:p16="http://schemas.microsoft.com/office/powerpoint/2015/main" val="1"/>
+                </p:ext>
+              </p:extLst>
+            </p:nvPr>
+          </p:nvSpPr>
+          <p:spPr bwMode="auto">
+            <a:xfrm>
+              <a:off x="11501438" y="9525"/>
+              <a:ext cx="665163" cy="257175"/>
+            </a:xfrm>
+            <a:custGeom>
+              <a:avLst/>
+              <a:gdLst/>
+              <a:ahLst/>
+              <a:cxnLst/>
+              <a:rect l="0" t="0" r="r" b="b"/>
+              <a:pathLst>
+                <a:path w="140" h="54">
+                  <a:moveTo>
+                    <a:pt x="140" y="54"/>
+                  </a:moveTo>
+                  <a:cubicBezTo>
+                    <a:pt x="95" y="34"/>
+                    <a:pt x="48" y="16"/>
+                    <a:pt x="0" y="0"/>
+                  </a:cubicBezTo>
+                </a:path>
+              </a:pathLst>
+            </a:custGeom>
+            <a:noFill/>
+            <a:ln w="9525" cap="flat">
+              <a:solidFill>
+                <a:schemeClr val="accent1">
+                  <a:alpha val="15000"/>
+                </a:schemeClr>
+              </a:solidFill>
+              <a:prstDash val="solid"/>
+              <a:miter lim="800000"/>
+              <a:headEnd/>
+              <a:tailEnd/>
+            </a:ln>
+            <a:extLst>
+              <a:ext uri="{909E8E84-426E-40DD-AFC4-6F175D3DCCD1}">
+                <a14:hiddenFill xmlns:a14="http://schemas.microsoft.com/office/drawing/2010/main">
+                  <a:solidFill>
+                    <a:srgbClr val="FFFFFF"/>
+                  </a:solidFill>
+                </a14:hiddenFill>
+              </a:ext>
+            </a:extLst>
+          </p:spPr>
+        </p:sp>
+        <p:sp>
+          <p:nvSpPr>
+            <p:cNvPr id="17" name="Freeform 13">
+              <a:extLst>
+                <a:ext uri="{FF2B5EF4-FFF2-40B4-BE49-F238E27FC236}">
+                  <a16:creationId xmlns:a16="http://schemas.microsoft.com/office/drawing/2014/main" id="{E33D6F3E-9CCB-4053-B8C1-5260829C80FF}"/>
+                </a:ext>
+                <a:ext uri="{C183D7F6-B498-43B3-948B-1728B52AA6E4}">
+                  <adec:decorative xmlns:adec="http://schemas.microsoft.com/office/drawing/2017/decorative" val="1"/>
+                </a:ext>
+              </a:extLst>
+            </p:cNvPr>
+            <p:cNvSpPr/>
+            <p:nvPr>
+              <p:extLst>
+                <p:ext uri="{386F3935-93C4-4BCD-93E2-E3B085C9AB24}">
+                  <p16:designElem xmlns:p16="http://schemas.microsoft.com/office/powerpoint/2015/main" val="1"/>
+                </p:ext>
+              </p:extLst>
+            </p:nvPr>
+          </p:nvSpPr>
+          <p:spPr bwMode="auto">
+            <a:xfrm>
+              <a:off x="10641013" y="5408613"/>
+              <a:ext cx="1525588" cy="1435100"/>
+            </a:xfrm>
+            <a:custGeom>
+              <a:avLst/>
+              <a:gdLst/>
+              <a:ahLst/>
+              <a:cxnLst/>
+              <a:rect l="0" t="0" r="r" b="b"/>
+              <a:pathLst>
+                <a:path w="321" h="302">
+                  <a:moveTo>
+                    <a:pt x="0" y="302"/>
+                  </a:moveTo>
+                  <a:cubicBezTo>
+                    <a:pt x="114" y="210"/>
+                    <a:pt x="223" y="109"/>
+                    <a:pt x="321" y="0"/>
+                  </a:cubicBezTo>
+                </a:path>
+              </a:pathLst>
+            </a:custGeom>
+            <a:noFill/>
+            <a:ln w="9525" cap="flat">
+              <a:solidFill>
+                <a:schemeClr val="accent1">
+                  <a:alpha val="15000"/>
+                </a:schemeClr>
+              </a:solidFill>
+              <a:prstDash val="solid"/>
+              <a:miter lim="800000"/>
+              <a:headEnd/>
+              <a:tailEnd/>
+            </a:ln>
+            <a:extLst>
+              <a:ext uri="{909E8E84-426E-40DD-AFC4-6F175D3DCCD1}">
+                <a14:hiddenFill xmlns:a14="http://schemas.microsoft.com/office/drawing/2010/main">
+                  <a:solidFill>
+                    <a:srgbClr val="FFFFFF"/>
+                  </a:solidFill>
+                </a14:hiddenFill>
+              </a:ext>
+            </a:extLst>
+          </p:spPr>
+        </p:sp>
+        <p:sp>
+          <p:nvSpPr>
+            <p:cNvPr id="18" name="Freeform 14">
+              <a:extLst>
+                <a:ext uri="{FF2B5EF4-FFF2-40B4-BE49-F238E27FC236}">
+                  <a16:creationId xmlns:a16="http://schemas.microsoft.com/office/drawing/2014/main" id="{D533B393-4D8F-4FB8-AA9D-BA218F44359C}"/>
+                </a:ext>
+                <a:ext uri="{C183D7F6-B498-43B3-948B-1728B52AA6E4}">
+                  <adec:decorative xmlns:adec="http://schemas.microsoft.com/office/drawing/2017/decorative" val="1"/>
+                </a:ext>
+              </a:extLst>
+            </p:cNvPr>
+            <p:cNvSpPr/>
+            <p:nvPr>
+              <p:extLst>
+                <p:ext uri="{386F3935-93C4-4BCD-93E2-E3B085C9AB24}">
+                  <p16:designElem xmlns:p16="http://schemas.microsoft.com/office/powerpoint/2015/main" val="1"/>
+                </p:ext>
+              </p:extLst>
+            </p:nvPr>
+          </p:nvSpPr>
+          <p:spPr bwMode="auto">
+            <a:xfrm>
+              <a:off x="1001713" y="0"/>
+              <a:ext cx="3244850" cy="6843713"/>
+            </a:xfrm>
+            <a:custGeom>
+              <a:avLst/>
+              <a:gdLst/>
+              <a:ahLst/>
+              <a:cxnLst/>
+              <a:rect l="0" t="0" r="r" b="b"/>
+              <a:pathLst>
+                <a:path w="683" h="1440">
+                  <a:moveTo>
+                    <a:pt x="683" y="0"/>
+                  </a:moveTo>
+                  <a:cubicBezTo>
+                    <a:pt x="258" y="256"/>
+                    <a:pt x="0" y="1041"/>
+                    <a:pt x="355" y="1440"/>
+                  </a:cubicBezTo>
+                </a:path>
+              </a:pathLst>
+            </a:custGeom>
+            <a:noFill/>
+            <a:ln w="9525" cap="flat">
+              <a:solidFill>
+                <a:schemeClr val="accent1">
+                  <a:alpha val="13000"/>
+                </a:schemeClr>
+              </a:solidFill>
+              <a:prstDash val="solid"/>
+              <a:miter lim="800000"/>
+              <a:headEnd/>
+              <a:tailEnd/>
+            </a:ln>
+            <a:extLst>
+              <a:ext uri="{909E8E84-426E-40DD-AFC4-6F175D3DCCD1}">
+                <a14:hiddenFill xmlns:a14="http://schemas.microsoft.com/office/drawing/2010/main">
+                  <a:solidFill>
+                    <a:srgbClr val="FFFFFF"/>
+                  </a:solidFill>
+                </a14:hiddenFill>
+              </a:ext>
+            </a:extLst>
+          </p:spPr>
+        </p:sp>
+        <p:sp>
+          <p:nvSpPr>
+            <p:cNvPr id="19" name="Freeform 15">
+              <a:extLst>
+                <a:ext uri="{FF2B5EF4-FFF2-40B4-BE49-F238E27FC236}">
+                  <a16:creationId xmlns:a16="http://schemas.microsoft.com/office/drawing/2014/main" id="{433765B0-52BC-4442-BC45-8EDFBF593353}"/>
+                </a:ext>
+                <a:ext uri="{C183D7F6-B498-43B3-948B-1728B52AA6E4}">
+                  <adec:decorative xmlns:adec="http://schemas.microsoft.com/office/drawing/2017/decorative" val="1"/>
+                </a:ext>
+              </a:extLst>
+            </p:cNvPr>
+            <p:cNvSpPr/>
+            <p:nvPr>
+              <p:extLst>
+                <p:ext uri="{386F3935-93C4-4BCD-93E2-E3B085C9AB24}">
+                  <p16:designElem xmlns:p16="http://schemas.microsoft.com/office/powerpoint/2015/main" val="1"/>
+                </p:ext>
+              </p:extLst>
+            </p:nvPr>
+          </p:nvSpPr>
+          <p:spPr bwMode="auto">
+            <a:xfrm>
+              <a:off x="10802938" y="5518150"/>
+              <a:ext cx="1363663" cy="1325563"/>
+            </a:xfrm>
+            <a:custGeom>
+              <a:avLst/>
+              <a:gdLst/>
+              <a:ahLst/>
+              <a:cxnLst/>
+              <a:rect l="0" t="0" r="r" b="b"/>
+              <a:pathLst>
+                <a:path w="287" h="279">
+                  <a:moveTo>
+                    <a:pt x="0" y="279"/>
+                  </a:moveTo>
+                  <a:cubicBezTo>
+                    <a:pt x="101" y="193"/>
+                    <a:pt x="198" y="100"/>
+                    <a:pt x="287" y="0"/>
+                  </a:cubicBezTo>
+                </a:path>
+              </a:pathLst>
+            </a:custGeom>
+            <a:noFill/>
+            <a:ln w="9525" cap="flat">
+              <a:solidFill>
+                <a:schemeClr val="accent1">
+                  <a:alpha val="12000"/>
+                </a:schemeClr>
+              </a:solidFill>
+              <a:prstDash val="solid"/>
+              <a:miter lim="800000"/>
+              <a:headEnd/>
+              <a:tailEnd/>
+            </a:ln>
+            <a:extLst>
+              <a:ext uri="{909E8E84-426E-40DD-AFC4-6F175D3DCCD1}">
+                <a14:hiddenFill xmlns:a14="http://schemas.microsoft.com/office/drawing/2010/main">
+                  <a:solidFill>
+                    <a:srgbClr val="FFFFFF"/>
+                  </a:solidFill>
+                </a14:hiddenFill>
+              </a:ext>
+            </a:extLst>
+          </p:spPr>
+        </p:sp>
+        <p:sp>
+          <p:nvSpPr>
+            <p:cNvPr id="20" name="Freeform 16">
+              <a:extLst>
+                <a:ext uri="{FF2B5EF4-FFF2-40B4-BE49-F238E27FC236}">
+                  <a16:creationId xmlns:a16="http://schemas.microsoft.com/office/drawing/2014/main" id="{B911B231-DD22-4BC7-A325-2B68314818FF}"/>
+                </a:ext>
+                <a:ext uri="{C183D7F6-B498-43B3-948B-1728B52AA6E4}">
+                  <adec:decorative xmlns:adec="http://schemas.microsoft.com/office/drawing/2017/decorative" val="1"/>
+                </a:ext>
+              </a:extLst>
+            </p:cNvPr>
+            <p:cNvSpPr/>
+            <p:nvPr>
+              <p:extLst>
+                <p:ext uri="{386F3935-93C4-4BCD-93E2-E3B085C9AB24}">
+                  <p16:designElem xmlns:p16="http://schemas.microsoft.com/office/powerpoint/2015/main" val="1"/>
+                </p:ext>
+              </p:extLst>
+            </p:nvPr>
+          </p:nvSpPr>
+          <p:spPr bwMode="auto">
+            <a:xfrm>
+              <a:off x="889000" y="0"/>
+              <a:ext cx="3230563" cy="6843713"/>
+            </a:xfrm>
+            <a:custGeom>
+              <a:avLst/>
+              <a:gdLst/>
+              <a:ahLst/>
+              <a:cxnLst/>
+              <a:rect l="0" t="0" r="r" b="b"/>
+              <a:pathLst>
+                <a:path w="680" h="1440">
+                  <a:moveTo>
+                    <a:pt x="680" y="0"/>
+                  </a:moveTo>
+                  <a:cubicBezTo>
+                    <a:pt x="257" y="265"/>
+                    <a:pt x="0" y="1026"/>
+                    <a:pt x="337" y="1440"/>
+                  </a:cubicBezTo>
+                </a:path>
+              </a:pathLst>
+            </a:custGeom>
+            <a:noFill/>
+            <a:ln w="9525" cap="flat">
+              <a:solidFill>
+                <a:schemeClr val="accent1">
+                  <a:alpha val="13000"/>
+                </a:schemeClr>
+              </a:solidFill>
+              <a:prstDash val="solid"/>
+              <a:miter lim="800000"/>
+              <a:headEnd/>
+              <a:tailEnd/>
+            </a:ln>
+            <a:extLst>
+              <a:ext uri="{909E8E84-426E-40DD-AFC4-6F175D3DCCD1}">
+                <a14:hiddenFill xmlns:a14="http://schemas.microsoft.com/office/drawing/2010/main">
+                  <a:solidFill>
+                    <a:srgbClr val="FFFFFF"/>
+                  </a:solidFill>
+                </a14:hiddenFill>
+              </a:ext>
+            </a:extLst>
+          </p:spPr>
+        </p:sp>
+        <p:sp>
+          <p:nvSpPr>
+            <p:cNvPr id="21" name="Freeform 17">
+              <a:extLst>
+                <a:ext uri="{FF2B5EF4-FFF2-40B4-BE49-F238E27FC236}">
+                  <a16:creationId xmlns:a16="http://schemas.microsoft.com/office/drawing/2014/main" id="{800DA13B-507D-4901-AF60-F99485FC1B6A}"/>
+                </a:ext>
+                <a:ext uri="{C183D7F6-B498-43B3-948B-1728B52AA6E4}">
+                  <adec:decorative xmlns:adec="http://schemas.microsoft.com/office/drawing/2017/decorative" val="1"/>
+                </a:ext>
+              </a:extLst>
+            </p:cNvPr>
+            <p:cNvSpPr/>
+            <p:nvPr>
+              <p:extLst>
+                <p:ext uri="{386F3935-93C4-4BCD-93E2-E3B085C9AB24}">
+                  <p16:designElem xmlns:p16="http://schemas.microsoft.com/office/powerpoint/2015/main" val="1"/>
+                </p:ext>
+              </p:extLst>
+            </p:nvPr>
+          </p:nvSpPr>
+          <p:spPr bwMode="auto">
+            <a:xfrm>
+              <a:off x="10979150" y="5694363"/>
+              <a:ext cx="1187450" cy="1149350"/>
+            </a:xfrm>
+            <a:custGeom>
+              <a:avLst/>
+              <a:gdLst/>
+              <a:ahLst/>
+              <a:cxnLst/>
+              <a:rect l="0" t="0" r="r" b="b"/>
+              <a:pathLst>
+                <a:path w="250" h="242">
+                  <a:moveTo>
+                    <a:pt x="0" y="242"/>
+                  </a:moveTo>
+                  <a:cubicBezTo>
+                    <a:pt x="88" y="166"/>
+                    <a:pt x="172" y="85"/>
+                    <a:pt x="250" y="0"/>
+                  </a:cubicBezTo>
+                </a:path>
+              </a:pathLst>
+            </a:custGeom>
+            <a:noFill/>
+            <a:ln w="9525" cap="flat">
+              <a:solidFill>
+                <a:schemeClr val="accent1">
+                  <a:alpha val="10000"/>
+                </a:schemeClr>
+              </a:solidFill>
+              <a:prstDash val="solid"/>
+              <a:miter lim="800000"/>
+              <a:headEnd/>
+              <a:tailEnd/>
+            </a:ln>
+            <a:extLst>
+              <a:ext uri="{909E8E84-426E-40DD-AFC4-6F175D3DCCD1}">
+                <a14:hiddenFill xmlns:a14="http://schemas.microsoft.com/office/drawing/2010/main">
+                  <a:solidFill>
+                    <a:srgbClr val="FFFFFF"/>
+                  </a:solidFill>
+                </a14:hiddenFill>
+              </a:ext>
+            </a:extLst>
+          </p:spPr>
+        </p:sp>
+        <p:sp>
+          <p:nvSpPr>
+            <p:cNvPr id="22" name="Freeform 18">
+              <a:extLst>
+                <a:ext uri="{FF2B5EF4-FFF2-40B4-BE49-F238E27FC236}">
+                  <a16:creationId xmlns:a16="http://schemas.microsoft.com/office/drawing/2014/main" id="{DAB727E1-099C-4F62-9ED1-46CD895C6431}"/>
+                </a:ext>
+                <a:ext uri="{C183D7F6-B498-43B3-948B-1728B52AA6E4}">
+                  <adec:decorative xmlns:adec="http://schemas.microsoft.com/office/drawing/2017/decorative" val="1"/>
+                </a:ext>
+              </a:extLst>
+            </p:cNvPr>
+            <p:cNvSpPr/>
+            <p:nvPr>
+              <p:extLst>
+                <p:ext uri="{386F3935-93C4-4BCD-93E2-E3B085C9AB24}">
+                  <p16:designElem xmlns:p16="http://schemas.microsoft.com/office/powerpoint/2015/main" val="1"/>
+                </p:ext>
+              </p:extLst>
+            </p:nvPr>
+          </p:nvSpPr>
+          <p:spPr bwMode="auto">
+            <a:xfrm>
+              <a:off x="484188" y="0"/>
+              <a:ext cx="3421063" cy="6843713"/>
+            </a:xfrm>
+            <a:custGeom>
+              <a:avLst/>
+              <a:gdLst/>
+              <a:ahLst/>
+              <a:cxnLst/>
+              <a:rect l="0" t="0" r="r" b="b"/>
+              <a:pathLst>
+                <a:path w="720" h="1440">
+                  <a:moveTo>
+                    <a:pt x="720" y="0"/>
+                  </a:moveTo>
+                  <a:cubicBezTo>
+                    <a:pt x="316" y="282"/>
+                    <a:pt x="0" y="1018"/>
+                    <a:pt x="362" y="1440"/>
+                  </a:cubicBezTo>
+                </a:path>
+              </a:pathLst>
+            </a:custGeom>
+            <a:noFill/>
+            <a:ln w="9525" cap="flat">
+              <a:solidFill>
+                <a:schemeClr val="accent1">
+                  <a:alpha val="12000"/>
+                </a:schemeClr>
+              </a:solidFill>
+              <a:prstDash val="solid"/>
+              <a:miter lim="800000"/>
+              <a:headEnd/>
+              <a:tailEnd/>
+            </a:ln>
+            <a:extLst>
+              <a:ext uri="{909E8E84-426E-40DD-AFC4-6F175D3DCCD1}">
+                <a14:hiddenFill xmlns:a14="http://schemas.microsoft.com/office/drawing/2010/main">
+                  <a:solidFill>
+                    <a:srgbClr val="FFFFFF"/>
+                  </a:solidFill>
+                </a14:hiddenFill>
+              </a:ext>
+            </a:extLst>
+          </p:spPr>
+        </p:sp>
+        <p:sp>
+          <p:nvSpPr>
+            <p:cNvPr id="23" name="Freeform 19">
+              <a:extLst>
+                <a:ext uri="{FF2B5EF4-FFF2-40B4-BE49-F238E27FC236}">
+                  <a16:creationId xmlns:a16="http://schemas.microsoft.com/office/drawing/2014/main" id="{4D1E585E-A63F-42DE-BF5F-B0B390B29839}"/>
+                </a:ext>
+                <a:ext uri="{C183D7F6-B498-43B3-948B-1728B52AA6E4}">
+                  <adec:decorative xmlns:adec="http://schemas.microsoft.com/office/drawing/2017/decorative" val="1"/>
+                </a:ext>
+              </a:extLst>
+            </p:cNvPr>
+            <p:cNvSpPr/>
+            <p:nvPr>
+              <p:extLst>
+                <p:ext uri="{386F3935-93C4-4BCD-93E2-E3B085C9AB24}">
+                  <p16:designElem xmlns:p16="http://schemas.microsoft.com/office/powerpoint/2015/main" val="1"/>
+                </p:ext>
+              </p:extLst>
+            </p:nvPr>
+          </p:nvSpPr>
+          <p:spPr bwMode="auto">
+            <a:xfrm>
+              <a:off x="11287125" y="6049963"/>
+              <a:ext cx="879475" cy="793750"/>
+            </a:xfrm>
+            <a:custGeom>
+              <a:avLst/>
+              <a:gdLst/>
+              <a:ahLst/>
+              <a:cxnLst/>
+              <a:rect l="0" t="0" r="r" b="b"/>
+              <a:pathLst>
+                <a:path w="185" h="167">
+                  <a:moveTo>
+                    <a:pt x="0" y="167"/>
+                  </a:moveTo>
+                  <a:cubicBezTo>
+                    <a:pt x="63" y="114"/>
+                    <a:pt x="125" y="58"/>
+                    <a:pt x="185" y="0"/>
+                  </a:cubicBezTo>
+                </a:path>
+              </a:pathLst>
+            </a:custGeom>
+            <a:noFill/>
+            <a:ln w="9525" cap="flat">
+              <a:solidFill>
+                <a:schemeClr val="accent1">
+                  <a:alpha val="8000"/>
+                </a:schemeClr>
+              </a:solidFill>
+              <a:prstDash val="solid"/>
+              <a:miter lim="800000"/>
+              <a:headEnd/>
+              <a:tailEnd/>
+            </a:ln>
+            <a:extLst>
+              <a:ext uri="{909E8E84-426E-40DD-AFC4-6F175D3DCCD1}">
+                <a14:hiddenFill xmlns:a14="http://schemas.microsoft.com/office/drawing/2010/main">
+                  <a:solidFill>
+                    <a:srgbClr val="FFFFFF"/>
+                  </a:solidFill>
+                </a14:hiddenFill>
+              </a:ext>
+            </a:extLst>
+          </p:spPr>
+        </p:sp>
+        <p:sp>
+          <p:nvSpPr>
+            <p:cNvPr id="24" name="Freeform 20">
+              <a:extLst>
+                <a:ext uri="{FF2B5EF4-FFF2-40B4-BE49-F238E27FC236}">
+                  <a16:creationId xmlns:a16="http://schemas.microsoft.com/office/drawing/2014/main" id="{D8FCC810-4482-4E43-9102-2B87386E7143}"/>
+                </a:ext>
+                <a:ext uri="{C183D7F6-B498-43B3-948B-1728B52AA6E4}">
+                  <adec:decorative xmlns:adec="http://schemas.microsoft.com/office/drawing/2017/decorative" val="1"/>
+                </a:ext>
+              </a:extLst>
+            </p:cNvPr>
+            <p:cNvSpPr/>
+            <p:nvPr>
+              <p:extLst>
+                <p:ext uri="{386F3935-93C4-4BCD-93E2-E3B085C9AB24}">
+                  <p16:designElem xmlns:p16="http://schemas.microsoft.com/office/powerpoint/2015/main" val="1"/>
+                </p:ext>
+              </p:extLst>
+            </p:nvPr>
+          </p:nvSpPr>
+          <p:spPr bwMode="auto">
+            <a:xfrm>
+              <a:off x="598488" y="0"/>
+              <a:ext cx="2717800" cy="6843713"/>
+            </a:xfrm>
+            <a:custGeom>
+              <a:avLst/>
+              <a:gdLst/>
+              <a:ahLst/>
+              <a:cxnLst/>
+              <a:rect l="0" t="0" r="r" b="b"/>
+              <a:pathLst>
+                <a:path w="572" h="1440">
+                  <a:moveTo>
+                    <a:pt x="572" y="0"/>
+                  </a:moveTo>
+                  <a:cubicBezTo>
+                    <a:pt x="213" y="320"/>
+                    <a:pt x="0" y="979"/>
+                    <a:pt x="164" y="1440"/>
+                  </a:cubicBezTo>
+                </a:path>
+              </a:pathLst>
+            </a:custGeom>
+            <a:noFill/>
+            <a:ln w="12700" cap="flat">
+              <a:solidFill>
+                <a:schemeClr val="accent1">
+                  <a:alpha val="12000"/>
+                </a:schemeClr>
+              </a:solidFill>
+              <a:prstDash val="dashDot"/>
+              <a:miter lim="800000"/>
+              <a:headEnd/>
+              <a:tailEnd/>
+            </a:ln>
+            <a:extLst>
+              <a:ext uri="{909E8E84-426E-40DD-AFC4-6F175D3DCCD1}">
+                <a14:hiddenFill xmlns:a14="http://schemas.microsoft.com/office/drawing/2010/main">
+                  <a:solidFill>
+                    <a:srgbClr val="FFFFFF"/>
+                  </a:solidFill>
+                </a14:hiddenFill>
+              </a:ext>
+            </a:extLst>
+          </p:spPr>
+        </p:sp>
+        <p:sp>
+          <p:nvSpPr>
+            <p:cNvPr id="25" name="Freeform 21">
+              <a:extLst>
+                <a:ext uri="{FF2B5EF4-FFF2-40B4-BE49-F238E27FC236}">
+                  <a16:creationId xmlns:a16="http://schemas.microsoft.com/office/drawing/2014/main" id="{EC977192-4383-4D76-8DB3-B93ADD7397A2}"/>
+                </a:ext>
+                <a:ext uri="{C183D7F6-B498-43B3-948B-1728B52AA6E4}">
+                  <adec:decorative xmlns:adec="http://schemas.microsoft.com/office/drawing/2017/decorative" val="1"/>
+                </a:ext>
+              </a:extLst>
+            </p:cNvPr>
+            <p:cNvSpPr/>
+            <p:nvPr>
+              <p:extLst>
+                <p:ext uri="{386F3935-93C4-4BCD-93E2-E3B085C9AB24}">
+                  <p16:designElem xmlns:p16="http://schemas.microsoft.com/office/powerpoint/2015/main" val="1"/>
+                </p:ext>
+              </p:extLst>
+            </p:nvPr>
+          </p:nvSpPr>
+          <p:spPr bwMode="auto">
+            <a:xfrm>
+              <a:off x="261938" y="0"/>
+              <a:ext cx="2944813" cy="6843713"/>
+            </a:xfrm>
+            <a:custGeom>
+              <a:avLst/>
+              <a:gdLst/>
+              <a:ahLst/>
+              <a:cxnLst/>
+              <a:rect l="0" t="0" r="r" b="b"/>
+              <a:pathLst>
+                <a:path w="620" h="1440">
+                  <a:moveTo>
+                    <a:pt x="620" y="0"/>
+                  </a:moveTo>
+                  <a:cubicBezTo>
+                    <a:pt x="248" y="325"/>
+                    <a:pt x="0" y="960"/>
+                    <a:pt x="186" y="1440"/>
+                  </a:cubicBezTo>
+                </a:path>
+              </a:pathLst>
+            </a:custGeom>
+            <a:noFill/>
+            <a:ln w="9525" cap="flat">
+              <a:solidFill>
+                <a:schemeClr val="accent1">
+                  <a:alpha val="12000"/>
+                </a:schemeClr>
+              </a:solidFill>
+              <a:prstDash val="lgDash"/>
+              <a:miter lim="800000"/>
+              <a:headEnd/>
+              <a:tailEnd/>
+            </a:ln>
+            <a:extLst>
+              <a:ext uri="{909E8E84-426E-40DD-AFC4-6F175D3DCCD1}">
+                <a14:hiddenFill xmlns:a14="http://schemas.microsoft.com/office/drawing/2010/main">
+                  <a:solidFill>
+                    <a:srgbClr val="FFFFFF"/>
+                  </a:solidFill>
+                </a14:hiddenFill>
+              </a:ext>
+            </a:extLst>
+          </p:spPr>
+        </p:sp>
+        <p:sp>
+          <p:nvSpPr>
+            <p:cNvPr id="26" name="Freeform 22">
+              <a:extLst>
+                <a:ext uri="{FF2B5EF4-FFF2-40B4-BE49-F238E27FC236}">
+                  <a16:creationId xmlns:a16="http://schemas.microsoft.com/office/drawing/2014/main" id="{09DCD44A-4779-4898-862E-A220810CA890}"/>
+                </a:ext>
+                <a:ext uri="{C183D7F6-B498-43B3-948B-1728B52AA6E4}">
+                  <adec:decorative xmlns:adec="http://schemas.microsoft.com/office/drawing/2017/decorative" val="1"/>
+                </a:ext>
+              </a:extLst>
+            </p:cNvPr>
+            <p:cNvSpPr/>
+            <p:nvPr>
+              <p:extLst>
+                <p:ext uri="{386F3935-93C4-4BCD-93E2-E3B085C9AB24}">
+                  <p16:designElem xmlns:p16="http://schemas.microsoft.com/office/powerpoint/2015/main" val="1"/>
+                </p:ext>
+              </p:extLst>
+            </p:nvPr>
+          </p:nvSpPr>
+          <p:spPr bwMode="auto">
+            <a:xfrm>
+              <a:off x="-417513" y="0"/>
+              <a:ext cx="2403475" cy="6843713"/>
+            </a:xfrm>
+            <a:custGeom>
+              <a:avLst/>
+              <a:gdLst/>
+              <a:ahLst/>
+              <a:cxnLst/>
+              <a:rect l="0" t="0" r="r" b="b"/>
+              <a:pathLst>
+                <a:path w="506" h="1440">
+                  <a:moveTo>
+                    <a:pt x="506" y="0"/>
+                  </a:moveTo>
+                  <a:cubicBezTo>
+                    <a:pt x="109" y="356"/>
+                    <a:pt x="0" y="943"/>
+                    <a:pt x="171" y="1440"/>
+                  </a:cubicBezTo>
+                </a:path>
+              </a:pathLst>
+            </a:custGeom>
+            <a:noFill/>
+            <a:ln w="9525" cap="flat">
+              <a:solidFill>
+                <a:schemeClr val="accent1">
+                  <a:alpha val="11000"/>
+                </a:schemeClr>
+              </a:solidFill>
+              <a:prstDash val="solid"/>
+              <a:miter lim="800000"/>
+              <a:headEnd/>
+              <a:tailEnd/>
+            </a:ln>
+            <a:extLst>
+              <a:ext uri="{909E8E84-426E-40DD-AFC4-6F175D3DCCD1}">
+                <a14:hiddenFill xmlns:a14="http://schemas.microsoft.com/office/drawing/2010/main">
+                  <a:solidFill>
+                    <a:srgbClr val="FFFFFF"/>
+                  </a:solidFill>
+                </a14:hiddenFill>
+              </a:ext>
+            </a:extLst>
+          </p:spPr>
+        </p:sp>
+        <p:sp>
+          <p:nvSpPr>
+            <p:cNvPr id="27" name="Freeform 23">
+              <a:extLst>
+                <a:ext uri="{FF2B5EF4-FFF2-40B4-BE49-F238E27FC236}">
+                  <a16:creationId xmlns:a16="http://schemas.microsoft.com/office/drawing/2014/main" id="{F7516DF1-08D6-4FF0-A1A1-95A260F1D4CB}"/>
+                </a:ext>
+                <a:ext uri="{C183D7F6-B498-43B3-948B-1728B52AA6E4}">
+                  <adec:decorative xmlns:adec="http://schemas.microsoft.com/office/drawing/2017/decorative" val="1"/>
+                </a:ext>
+              </a:extLst>
+            </p:cNvPr>
+            <p:cNvSpPr/>
+            <p:nvPr>
+              <p:extLst>
+                <p:ext uri="{386F3935-93C4-4BCD-93E2-E3B085C9AB24}">
+                  <p16:designElem xmlns:p16="http://schemas.microsoft.com/office/powerpoint/2015/main" val="1"/>
+                </p:ext>
+              </p:extLst>
+            </p:nvPr>
+          </p:nvSpPr>
+          <p:spPr bwMode="auto">
+            <a:xfrm>
+              <a:off x="14288" y="9525"/>
+              <a:ext cx="1771650" cy="3198813"/>
+            </a:xfrm>
+            <a:custGeom>
+              <a:avLst/>
+              <a:gdLst/>
+              <a:ahLst/>
+              <a:cxnLst/>
+              <a:rect l="0" t="0" r="r" b="b"/>
+              <a:pathLst>
+                <a:path w="373" h="673">
+                  <a:moveTo>
+                    <a:pt x="373" y="0"/>
+                  </a:moveTo>
+                  <a:cubicBezTo>
+                    <a:pt x="175" y="183"/>
+                    <a:pt x="51" y="409"/>
+                    <a:pt x="0" y="673"/>
+                  </a:cubicBezTo>
+                </a:path>
+              </a:pathLst>
+            </a:custGeom>
+            <a:noFill/>
+            <a:ln w="9525" cap="flat">
+              <a:solidFill>
+                <a:schemeClr val="accent1">
+                  <a:alpha val="10000"/>
+                </a:schemeClr>
+              </a:solidFill>
+              <a:prstDash val="solid"/>
+              <a:miter lim="800000"/>
+              <a:headEnd/>
+              <a:tailEnd/>
+            </a:ln>
+            <a:extLst>
+              <a:ext uri="{909E8E84-426E-40DD-AFC4-6F175D3DCCD1}">
+                <a14:hiddenFill xmlns:a14="http://schemas.microsoft.com/office/drawing/2010/main">
+                  <a:solidFill>
+                    <a:srgbClr val="FFFFFF"/>
+                  </a:solidFill>
+                </a14:hiddenFill>
+              </a:ext>
+            </a:extLst>
+          </p:spPr>
+        </p:sp>
+        <p:sp>
+          <p:nvSpPr>
+            <p:cNvPr id="28" name="Freeform 24">
+              <a:extLst>
+                <a:ext uri="{FF2B5EF4-FFF2-40B4-BE49-F238E27FC236}">
+                  <a16:creationId xmlns:a16="http://schemas.microsoft.com/office/drawing/2014/main" id="{F74092EA-F950-4DF2-8646-60F26E81154E}"/>
+                </a:ext>
+                <a:ext uri="{C183D7F6-B498-43B3-948B-1728B52AA6E4}">
+                  <adec:decorative xmlns:adec="http://schemas.microsoft.com/office/drawing/2017/decorative" val="1"/>
+                </a:ext>
+              </a:extLst>
+            </p:cNvPr>
+            <p:cNvSpPr/>
+            <p:nvPr>
+              <p:extLst>
+                <p:ext uri="{386F3935-93C4-4BCD-93E2-E3B085C9AB24}">
+                  <p16:designElem xmlns:p16="http://schemas.microsoft.com/office/powerpoint/2015/main" val="1"/>
+                </p:ext>
+              </p:extLst>
+            </p:nvPr>
+          </p:nvSpPr>
+          <p:spPr bwMode="auto">
+            <a:xfrm>
+              <a:off x="4763" y="6016625"/>
+              <a:ext cx="214313" cy="827088"/>
+            </a:xfrm>
+            <a:custGeom>
+              <a:avLst/>
+              <a:gdLst/>
+              <a:ahLst/>
+              <a:cxnLst/>
+              <a:rect l="0" t="0" r="r" b="b"/>
+              <a:pathLst>
+                <a:path w="45" h="174">
+                  <a:moveTo>
+                    <a:pt x="0" y="0"/>
+                  </a:moveTo>
+                  <a:cubicBezTo>
+                    <a:pt x="11" y="59"/>
+                    <a:pt x="26" y="118"/>
+                    <a:pt x="45" y="174"/>
+                  </a:cubicBezTo>
+                </a:path>
+              </a:pathLst>
+            </a:custGeom>
+            <a:noFill/>
+            <a:ln w="9525" cap="flat">
+              <a:solidFill>
+                <a:schemeClr val="accent1">
+                  <a:alpha val="20000"/>
+                </a:schemeClr>
+              </a:solidFill>
+              <a:prstDash val="solid"/>
+              <a:miter lim="800000"/>
+              <a:headEnd/>
+              <a:tailEnd/>
+            </a:ln>
+            <a:extLst>
+              <a:ext uri="{909E8E84-426E-40DD-AFC4-6F175D3DCCD1}">
+                <a14:hiddenFill xmlns:a14="http://schemas.microsoft.com/office/drawing/2010/main">
+                  <a:solidFill>
+                    <a:srgbClr val="FFFFFF"/>
+                  </a:solidFill>
+                </a14:hiddenFill>
+              </a:ext>
+            </a:extLst>
+          </p:spPr>
+        </p:sp>
+        <p:sp>
+          <p:nvSpPr>
+            <p:cNvPr id="29" name="Freeform 25">
+              <a:extLst>
+                <a:ext uri="{FF2B5EF4-FFF2-40B4-BE49-F238E27FC236}">
+                  <a16:creationId xmlns:a16="http://schemas.microsoft.com/office/drawing/2014/main" id="{09A3177B-1E64-4081-B8C6-3D7C8786D663}"/>
+                </a:ext>
+                <a:ext uri="{C183D7F6-B498-43B3-948B-1728B52AA6E4}">
+                  <adec:decorative xmlns:adec="http://schemas.microsoft.com/office/drawing/2017/decorative" val="1"/>
+                </a:ext>
+              </a:extLst>
+            </p:cNvPr>
+            <p:cNvSpPr/>
+            <p:nvPr>
+              <p:extLst>
+                <p:ext uri="{386F3935-93C4-4BCD-93E2-E3B085C9AB24}">
+                  <p16:designElem xmlns:p16="http://schemas.microsoft.com/office/powerpoint/2015/main" val="1"/>
+                </p:ext>
+              </p:extLst>
+            </p:nvPr>
+          </p:nvSpPr>
+          <p:spPr bwMode="auto">
+            <a:xfrm>
+              <a:off x="14288" y="0"/>
+              <a:ext cx="1562100" cy="2228850"/>
+            </a:xfrm>
+            <a:custGeom>
+              <a:avLst/>
+              <a:gdLst/>
+              <a:ahLst/>
+              <a:cxnLst/>
+              <a:rect l="0" t="0" r="r" b="b"/>
+              <a:pathLst>
+                <a:path w="329" h="469">
+                  <a:moveTo>
+                    <a:pt x="329" y="0"/>
+                  </a:moveTo>
+                  <a:cubicBezTo>
+                    <a:pt x="189" y="133"/>
+                    <a:pt x="69" y="288"/>
+                    <a:pt x="0" y="469"/>
+                  </a:cubicBezTo>
+                </a:path>
+              </a:pathLst>
+            </a:custGeom>
+            <a:noFill/>
+            <a:ln w="9525" cap="flat">
+              <a:solidFill>
+                <a:schemeClr val="accent1">
+                  <a:alpha val="8000"/>
+                </a:schemeClr>
+              </a:solidFill>
+              <a:prstDash val="solid"/>
+              <a:miter lim="800000"/>
+              <a:headEnd/>
+              <a:tailEnd/>
+            </a:ln>
+            <a:extLst>
+              <a:ext uri="{909E8E84-426E-40DD-AFC4-6F175D3DCCD1}">
+                <a14:hiddenFill xmlns:a14="http://schemas.microsoft.com/office/drawing/2010/main">
+                  <a:solidFill>
+                    <a:srgbClr val="FFFFFF"/>
+                  </a:solidFill>
+                </a14:hiddenFill>
+              </a:ext>
+            </a:extLst>
+          </p:spPr>
+        </p:sp>
+      </p:grpSp>
       <p:sp>
         <p:nvSpPr>
           <p:cNvPr id="3" name="מציין מיקום תוכן 2">
             <a:extLst>
               <a:ext uri="{FF2B5EF4-FFF2-40B4-BE49-F238E27FC236}">
-                <a16:creationId xmlns:a16="http://schemas.microsoft.com/office/drawing/2014/main" id="{9F862E28-9A4F-4EF9-91CD-786F30C357C6}"/>
+                <a16:creationId xmlns:a16="http://schemas.microsoft.com/office/drawing/2014/main" id="{6A3EC562-B828-45AA-8F5D-EC0240C20417}"/>
               </a:ext>
             </a:extLst>
           </p:cNvPr>
@@ -3758,31 +5333,58 @@
             <p:ph idx="1"/>
           </p:nvPr>
         </p:nvSpPr>
-        <p:spPr/>
-        <p:txBody>
-          <a:bodyPr/>
-          <a:lstStyle/>
-          <a:p>
-            <a:r>
-              <a:rPr lang="he-IL" dirty="0" err="1"/>
-              <a:t>דוגמאת</a:t>
-            </a:r>
-            <a:r>
-              <a:rPr lang="he-IL" dirty="0"/>
-              <a:t> קוד של </a:t>
-            </a:r>
-            <a:r>
-              <a:rPr lang="he-IL" dirty="0" err="1"/>
-              <a:t>קונבולוציה</a:t>
-            </a:r>
-            <a:endParaRPr lang="he-IL" dirty="0"/>
+        <p:spPr>
+          <a:xfrm>
+            <a:off x="4069080" y="2157984"/>
+            <a:ext cx="6675120" cy="3895344"/>
+          </a:xfrm>
+        </p:spPr>
+        <p:txBody>
+          <a:bodyPr anchor="ctr">
+            <a:normAutofit/>
+          </a:bodyPr>
+          <a:lstStyle/>
+          <a:p>
+            <a:pPr marL="0" indent="0">
+              <a:buNone/>
+            </a:pPr>
+            <a:r>
+              <a:rPr lang="he-IL" sz="2200"/>
+              <a:t>בעיה של קונבולוציה היא קצוות המטריצה.</a:t>
+            </a:r>
+          </a:p>
+          <a:p>
+            <a:pPr marL="0" indent="0">
+              <a:buNone/>
+            </a:pPr>
+            <a:r>
+              <a:rPr lang="he-IL" sz="2200"/>
+              <a:t>כאשר הקונבולוציה  מגיעה לקצוות יש בעיה של חריגה מגבולות המטריצה.</a:t>
+            </a:r>
+          </a:p>
+          <a:p>
+            <a:pPr marL="0" indent="0">
+              <a:buNone/>
+            </a:pPr>
+            <a:r>
+              <a:rPr lang="he-IL" sz="2200"/>
+              <a:t>ישנם מספר דרכים לטיפול בבעיה, אנו נשתמש באמצעות ריפוד או באנגלית </a:t>
+            </a:r>
+            <a:r>
+              <a:rPr lang="en-US" sz="2200"/>
+              <a:t>padding.</a:t>
+            </a:r>
+            <a:endParaRPr lang="he-IL" sz="2200"/>
+          </a:p>
+          <a:p>
+            <a:endParaRPr lang="he-IL" sz="2200"/>
           </a:p>
         </p:txBody>
       </p:sp>
     </p:spTree>
     <p:extLst>
       <p:ext uri="{BB962C8B-B14F-4D97-AF65-F5344CB8AC3E}">
-        <p14:creationId xmlns:p14="http://schemas.microsoft.com/office/powerpoint/2010/main" val="2628176059"/>
+        <p14:creationId xmlns:p14="http://schemas.microsoft.com/office/powerpoint/2010/main" val="2380266068"/>
       </p:ext>
     </p:extLst>
   </p:cSld>
@@ -3811,38 +5413,10 @@
       </p:grpSpPr>
       <p:sp>
         <p:nvSpPr>
-          <p:cNvPr id="2" name="כותרת 1">
-            <a:extLst>
-              <a:ext uri="{FF2B5EF4-FFF2-40B4-BE49-F238E27FC236}">
-                <a16:creationId xmlns:a16="http://schemas.microsoft.com/office/drawing/2014/main" id="{791C6C29-0442-4CE3-A06A-2B70633D36A5}"/>
-              </a:ext>
-            </a:extLst>
-          </p:cNvPr>
-          <p:cNvSpPr>
-            <a:spLocks noGrp="1"/>
-          </p:cNvSpPr>
-          <p:nvPr>
-            <p:ph type="title"/>
-          </p:nvPr>
-        </p:nvSpPr>
-        <p:spPr/>
-        <p:txBody>
-          <a:bodyPr/>
-          <a:lstStyle/>
-          <a:p>
-            <a:r>
-              <a:rPr lang="he-IL" dirty="0"/>
-              <a:t>אלגוריתם ראשון- נגזרת</a:t>
-            </a:r>
-          </a:p>
-        </p:txBody>
-      </p:sp>
-      <p:sp>
-        <p:nvSpPr>
           <p:cNvPr id="3" name="מציין מיקום תוכן 2">
             <a:extLst>
               <a:ext uri="{FF2B5EF4-FFF2-40B4-BE49-F238E27FC236}">
-                <a16:creationId xmlns:a16="http://schemas.microsoft.com/office/drawing/2014/main" id="{E3B2D257-062C-4272-BF46-0FA48EB4BF74}"/>
+                <a16:creationId xmlns:a16="http://schemas.microsoft.com/office/drawing/2014/main" id="{9F862E28-9A4F-4EF9-91CD-786F30C357C6}"/>
               </a:ext>
             </a:extLst>
           </p:cNvPr>
@@ -3853,22 +5427,221 @@
             <p:ph idx="1"/>
           </p:nvPr>
         </p:nvSpPr>
-        <p:spPr/>
-        <p:txBody>
-          <a:bodyPr/>
-          <a:lstStyle/>
-          <a:p>
-            <a:r>
-              <a:rPr lang="he-IL" dirty="0"/>
-              <a:t>הסבר </a:t>
-            </a:r>
+        <p:spPr>
+          <a:xfrm>
+            <a:off x="368967" y="349752"/>
+            <a:ext cx="11614485" cy="6339806"/>
+          </a:xfrm>
+        </p:spPr>
+        <p:txBody>
+          <a:bodyPr>
+            <a:normAutofit lnSpcReduction="10000"/>
+          </a:bodyPr>
+          <a:lstStyle/>
+          <a:p>
+            <a:pPr marL="0" indent="0" algn="l">
+              <a:buNone/>
+            </a:pPr>
+            <a:r>
+              <a:rPr lang="en-US" dirty="0"/>
+              <a:t>Import </a:t>
+            </a:r>
+            <a:r>
+              <a:rPr lang="en-US" dirty="0" err="1"/>
+              <a:t>numpy</a:t>
+            </a:r>
+            <a:r>
+              <a:rPr lang="en-US" dirty="0"/>
+              <a:t> as np</a:t>
+            </a:r>
+          </a:p>
+          <a:p>
+            <a:pPr marL="0" indent="0" algn="l">
+              <a:buNone/>
+            </a:pPr>
+            <a:r>
+              <a:rPr lang="en-US" dirty="0"/>
+              <a:t>def conv2D(</a:t>
+            </a:r>
+            <a:r>
+              <a:rPr lang="en-US" dirty="0" err="1"/>
+              <a:t>Image,kernel</a:t>
+            </a:r>
+            <a:r>
+              <a:rPr lang="en-US" dirty="0"/>
+              <a:t>):</a:t>
+            </a:r>
+          </a:p>
+          <a:p>
+            <a:pPr marL="0" indent="0" algn="l">
+              <a:buNone/>
+            </a:pPr>
+            <a:r>
+              <a:rPr lang="en-US" dirty="0"/>
+              <a:t>    range1=</a:t>
+            </a:r>
+            <a:r>
+              <a:rPr lang="en-US" dirty="0" err="1"/>
+              <a:t>kernel.shape</a:t>
+            </a:r>
+            <a:endParaRPr lang="en-US" dirty="0"/>
+          </a:p>
+          <a:p>
+            <a:pPr marL="0" indent="0" algn="l">
+              <a:buNone/>
+            </a:pPr>
+            <a:r>
+              <a:rPr lang="en-US" dirty="0"/>
+              <a:t>    range2=</a:t>
+            </a:r>
+            <a:r>
+              <a:rPr lang="en-US" dirty="0" err="1"/>
+              <a:t>Image.shape</a:t>
+            </a:r>
+            <a:endParaRPr lang="en-US" dirty="0"/>
+          </a:p>
+          <a:p>
+            <a:pPr marL="0" indent="0" algn="l">
+              <a:buNone/>
+            </a:pPr>
+            <a:r>
+              <a:rPr lang="en-US" dirty="0"/>
+              <a:t>    out=</a:t>
+            </a:r>
+            <a:r>
+              <a:rPr lang="en-US" dirty="0" err="1"/>
+              <a:t>np.zeros</a:t>
+            </a:r>
+            <a:r>
+              <a:rPr lang="en-US" dirty="0"/>
+              <a:t>((range2[0],range2[1]))</a:t>
+            </a:r>
+          </a:p>
+          <a:p>
+            <a:pPr marL="0" indent="0" algn="l">
+              <a:buNone/>
+            </a:pPr>
+            <a:r>
+              <a:rPr lang="en-US" dirty="0"/>
+              <a:t>    </a:t>
+            </a:r>
+            <a:r>
+              <a:rPr lang="en-US" dirty="0" err="1"/>
+              <a:t>img</a:t>
+            </a:r>
+            <a:r>
+              <a:rPr lang="en-US" dirty="0"/>
+              <a:t>=</a:t>
+            </a:r>
+            <a:r>
+              <a:rPr lang="en-US" dirty="0" err="1"/>
+              <a:t>np.pad</a:t>
+            </a:r>
+            <a:r>
+              <a:rPr lang="en-US" dirty="0"/>
+              <a:t>(Image, ((range1[0]//2,range1[0]//2),                                  (range1[1]//2,range1[1]//2)) , 'constant’, </a:t>
+            </a:r>
+            <a:r>
+              <a:rPr lang="en-US" dirty="0" err="1"/>
+              <a:t>constant_values</a:t>
+            </a:r>
+            <a:r>
+              <a:rPr lang="en-US" dirty="0"/>
+              <a:t>=0)</a:t>
+            </a:r>
+          </a:p>
+          <a:p>
+            <a:pPr marL="0" indent="0" algn="l">
+              <a:buNone/>
+            </a:pPr>
+            <a:r>
+              <a:rPr lang="en-US" dirty="0"/>
+              <a:t>    for </a:t>
+            </a:r>
+            <a:r>
+              <a:rPr lang="en-US" dirty="0" err="1"/>
+              <a:t>i</a:t>
+            </a:r>
+            <a:r>
+              <a:rPr lang="en-US" dirty="0"/>
+              <a:t> in range(range1[0]//2,range2[0]+range1[0]//2):</a:t>
+            </a:r>
+          </a:p>
+          <a:p>
+            <a:pPr marL="0" indent="0" algn="l">
+              <a:buNone/>
+            </a:pPr>
+            <a:r>
+              <a:rPr lang="en-US" dirty="0"/>
+              <a:t>        for j in range(range1[1]//2,range2[1]+range1[1]//2):</a:t>
+            </a:r>
+          </a:p>
+          <a:p>
+            <a:pPr marL="0" indent="0" algn="l">
+              <a:buNone/>
+            </a:pPr>
+            <a:r>
+              <a:rPr lang="en-US" dirty="0"/>
+              <a:t>            </a:t>
+            </a:r>
+            <a:r>
+              <a:rPr lang="en-US" dirty="0" err="1"/>
+              <a:t>ans</a:t>
+            </a:r>
+            <a:r>
+              <a:rPr lang="en-US" dirty="0"/>
+              <a:t>=</a:t>
+            </a:r>
+            <a:r>
+              <a:rPr lang="en-US" dirty="0" err="1"/>
+              <a:t>img</a:t>
+            </a:r>
+            <a:r>
+              <a:rPr lang="en-US" dirty="0"/>
+              <a:t>[i-range1[0]//2:i+range1[0]//2,j- range1[1]//2:   	j+range1[1]//2]*kernel2     </a:t>
+            </a:r>
+          </a:p>
+          <a:p>
+            <a:pPr marL="0" indent="0" algn="l">
+              <a:buNone/>
+            </a:pPr>
+            <a:r>
+              <a:rPr lang="en-US" dirty="0"/>
+              <a:t>            out[i-range1[0]//2,j-range1[1]//2]=</a:t>
+            </a:r>
+            <a:r>
+              <a:rPr lang="en-US" dirty="0" err="1"/>
+              <a:t>np.sum</a:t>
+            </a:r>
+            <a:r>
+              <a:rPr lang="en-US" dirty="0"/>
+              <a:t>(</a:t>
+            </a:r>
+            <a:r>
+              <a:rPr lang="en-US" dirty="0" err="1"/>
+              <a:t>ans</a:t>
+            </a:r>
+            <a:r>
+              <a:rPr lang="en-US" dirty="0"/>
+              <a:t>)</a:t>
+            </a:r>
+          </a:p>
+          <a:p>
+            <a:pPr marL="0" indent="0" algn="l">
+              <a:buNone/>
+            </a:pPr>
+            <a:r>
+              <a:rPr lang="en-US" dirty="0"/>
+              <a:t>    return out </a:t>
+            </a:r>
+            <a:endParaRPr lang="he-IL" dirty="0"/>
           </a:p>
         </p:txBody>
       </p:sp>
     </p:spTree>
     <p:extLst>
       <p:ext uri="{BB962C8B-B14F-4D97-AF65-F5344CB8AC3E}">
-        <p14:creationId xmlns:p14="http://schemas.microsoft.com/office/powerpoint/2010/main" val="1620492565"/>
+        <p14:creationId xmlns:p14="http://schemas.microsoft.com/office/powerpoint/2010/main" val="2628176059"/>
       </p:ext>
     </p:extLst>
   </p:cSld>
@@ -3895,12 +5668,42 @@
           <a:chExt cx="0" cy="0"/>
         </a:xfrm>
       </p:grpSpPr>
+      <p:pic>
+        <p:nvPicPr>
+          <p:cNvPr id="7" name="תמונה 6">
+            <a:extLst>
+              <a:ext uri="{FF2B5EF4-FFF2-40B4-BE49-F238E27FC236}">
+                <a16:creationId xmlns:a16="http://schemas.microsoft.com/office/drawing/2014/main" id="{73F8F8ED-D555-4F44-94E3-133B3B6DAFC0}"/>
+              </a:ext>
+            </a:extLst>
+          </p:cNvPr>
+          <p:cNvPicPr>
+            <a:picLocks noChangeAspect="1"/>
+          </p:cNvPicPr>
+          <p:nvPr/>
+        </p:nvPicPr>
+        <p:blipFill>
+          <a:blip r:embed="rId2"/>
+          <a:stretch>
+            <a:fillRect/>
+          </a:stretch>
+        </p:blipFill>
+        <p:spPr>
+          <a:xfrm>
+            <a:off x="3635011" y="2572067"/>
+            <a:ext cx="3581400" cy="2952750"/>
+          </a:xfrm>
+          <a:prstGeom prst="rect">
+            <a:avLst/>
+          </a:prstGeom>
+        </p:spPr>
+      </p:pic>
       <p:sp>
         <p:nvSpPr>
           <p:cNvPr id="2" name="כותרת 1">
             <a:extLst>
               <a:ext uri="{FF2B5EF4-FFF2-40B4-BE49-F238E27FC236}">
-                <a16:creationId xmlns:a16="http://schemas.microsoft.com/office/drawing/2014/main" id="{93B9FC8A-ACA1-41EA-89E9-09E3867BC957}"/>
+                <a16:creationId xmlns:a16="http://schemas.microsoft.com/office/drawing/2014/main" id="{E0542A35-A8BB-4766-818B-95FFBE38821E}"/>
               </a:ext>
             </a:extLst>
           </p:cNvPr>
@@ -3918,40 +5721,145 @@
           <a:p>
             <a:r>
               <a:rPr lang="he-IL" dirty="0"/>
-              <a:t>קטע קוד על נגזרת</a:t>
-            </a:r>
-          </a:p>
-        </p:txBody>
-      </p:sp>
-      <p:sp>
-        <p:nvSpPr>
-          <p:cNvPr id="3" name="מציין מיקום תוכן 2">
-            <a:extLst>
-              <a:ext uri="{FF2B5EF4-FFF2-40B4-BE49-F238E27FC236}">
-                <a16:creationId xmlns:a16="http://schemas.microsoft.com/office/drawing/2014/main" id="{2C1AA7D3-B38D-4EF9-8264-AA5C79DB7791}"/>
-              </a:ext>
-            </a:extLst>
-          </p:cNvPr>
-          <p:cNvSpPr>
-            <a:spLocks noGrp="1"/>
-          </p:cNvSpPr>
-          <p:nvPr>
-            <p:ph idx="1"/>
-          </p:nvPr>
-        </p:nvSpPr>
-        <p:spPr/>
-        <p:txBody>
-          <a:bodyPr/>
-          <a:lstStyle/>
-          <a:p>
-            <a:endParaRPr lang="he-IL"/>
+              <a:t>דוגמא:</a:t>
+            </a:r>
+          </a:p>
+        </p:txBody>
+      </p:sp>
+      <p:pic>
+        <p:nvPicPr>
+          <p:cNvPr id="5" name="תמונה 4">
+            <a:extLst>
+              <a:ext uri="{FF2B5EF4-FFF2-40B4-BE49-F238E27FC236}">
+                <a16:creationId xmlns:a16="http://schemas.microsoft.com/office/drawing/2014/main" id="{1B404A71-9010-4151-A49B-6145FC14639F}"/>
+              </a:ext>
+            </a:extLst>
+          </p:cNvPr>
+          <p:cNvPicPr>
+            <a:picLocks noChangeAspect="1"/>
+          </p:cNvPicPr>
+          <p:nvPr/>
+        </p:nvPicPr>
+        <p:blipFill>
+          <a:blip r:embed="rId3"/>
+          <a:stretch>
+            <a:fillRect/>
+          </a:stretch>
+        </p:blipFill>
+        <p:spPr>
+          <a:xfrm>
+            <a:off x="277638" y="2060341"/>
+            <a:ext cx="3027195" cy="3689575"/>
+          </a:xfrm>
+          <a:prstGeom prst="rect">
+            <a:avLst/>
+          </a:prstGeom>
+        </p:spPr>
+      </p:pic>
+      <p:sp>
+        <p:nvSpPr>
+          <p:cNvPr id="6" name="תיבת טקסט 5">
+            <a:extLst>
+              <a:ext uri="{FF2B5EF4-FFF2-40B4-BE49-F238E27FC236}">
+                <a16:creationId xmlns:a16="http://schemas.microsoft.com/office/drawing/2014/main" id="{6718126A-6F6B-4A8A-AE6B-C5AB0308ACCB}"/>
+              </a:ext>
+            </a:extLst>
+          </p:cNvPr>
+          <p:cNvSpPr txBox="1"/>
+          <p:nvPr/>
+        </p:nvSpPr>
+        <p:spPr>
+          <a:xfrm>
+            <a:off x="2355358" y="3111212"/>
+            <a:ext cx="1503680" cy="1569660"/>
+          </a:xfrm>
+          <a:prstGeom prst="rect">
+            <a:avLst/>
+          </a:prstGeom>
+          <a:noFill/>
+        </p:spPr>
+        <p:txBody>
+          <a:bodyPr wrap="square" rtlCol="1">
+            <a:spAutoFit/>
+          </a:bodyPr>
+          <a:lstStyle/>
+          <a:p>
+            <a:r>
+              <a:rPr lang="he-IL" sz="9600" dirty="0"/>
+              <a:t>*</a:t>
+            </a:r>
+          </a:p>
+        </p:txBody>
+      </p:sp>
+      <p:pic>
+        <p:nvPicPr>
+          <p:cNvPr id="8" name="תמונה 7">
+            <a:extLst>
+              <a:ext uri="{FF2B5EF4-FFF2-40B4-BE49-F238E27FC236}">
+                <a16:creationId xmlns:a16="http://schemas.microsoft.com/office/drawing/2014/main" id="{B7C3C8A1-19BA-45F9-A3D7-087D9EE88057}"/>
+              </a:ext>
+            </a:extLst>
+          </p:cNvPr>
+          <p:cNvPicPr>
+            <a:picLocks noChangeAspect="1"/>
+          </p:cNvPicPr>
+          <p:nvPr/>
+        </p:nvPicPr>
+        <p:blipFill>
+          <a:blip r:embed="rId4"/>
+          <a:stretch>
+            <a:fillRect/>
+          </a:stretch>
+        </p:blipFill>
+        <p:spPr>
+          <a:xfrm>
+            <a:off x="8334739" y="1996614"/>
+            <a:ext cx="3451860" cy="4103656"/>
+          </a:xfrm>
+          <a:prstGeom prst="rect">
+            <a:avLst/>
+          </a:prstGeom>
+        </p:spPr>
+      </p:pic>
+      <p:sp>
+        <p:nvSpPr>
+          <p:cNvPr id="9" name="תיבת טקסט 8">
+            <a:extLst>
+              <a:ext uri="{FF2B5EF4-FFF2-40B4-BE49-F238E27FC236}">
+                <a16:creationId xmlns:a16="http://schemas.microsoft.com/office/drawing/2014/main" id="{360B39B8-1FD2-48A0-ACEE-240D083AD514}"/>
+              </a:ext>
+            </a:extLst>
+          </p:cNvPr>
+          <p:cNvSpPr txBox="1"/>
+          <p:nvPr/>
+        </p:nvSpPr>
+        <p:spPr>
+          <a:xfrm>
+            <a:off x="6986013" y="2804417"/>
+            <a:ext cx="1188720" cy="1569660"/>
+          </a:xfrm>
+          <a:prstGeom prst="rect">
+            <a:avLst/>
+          </a:prstGeom>
+          <a:noFill/>
+        </p:spPr>
+        <p:txBody>
+          <a:bodyPr wrap="square" rtlCol="1">
+            <a:spAutoFit/>
+          </a:bodyPr>
+          <a:lstStyle/>
+          <a:p>
+            <a:r>
+              <a:rPr lang="he-IL" sz="9600" dirty="0"/>
+              <a:t>=</a:t>
+            </a:r>
           </a:p>
         </p:txBody>
       </p:sp>
     </p:spTree>
     <p:extLst>
       <p:ext uri="{BB962C8B-B14F-4D97-AF65-F5344CB8AC3E}">
-        <p14:creationId xmlns:p14="http://schemas.microsoft.com/office/powerpoint/2010/main" val="3459083847"/>
+        <p14:creationId xmlns:p14="http://schemas.microsoft.com/office/powerpoint/2010/main" val="1829256110"/>
       </p:ext>
     </p:extLst>
   </p:cSld>
@@ -3983,7 +5891,7 @@
           <p:cNvPr id="2" name="כותרת 1">
             <a:extLst>
               <a:ext uri="{FF2B5EF4-FFF2-40B4-BE49-F238E27FC236}">
-                <a16:creationId xmlns:a16="http://schemas.microsoft.com/office/drawing/2014/main" id="{5CAC7E95-1E9C-4A28-9BA3-59FF3098BC44}"/>
+                <a16:creationId xmlns:a16="http://schemas.microsoft.com/office/drawing/2014/main" id="{BC0297A6-EEEB-487B-84B9-2F12176C4F03}"/>
               </a:ext>
             </a:extLst>
           </p:cNvPr>
@@ -4001,40 +5909,15 @@
           <a:p>
             <a:r>
               <a:rPr lang="he-IL" dirty="0"/>
-              <a:t>בעיות של שיטת נגזרת</a:t>
-            </a:r>
-          </a:p>
-        </p:txBody>
-      </p:sp>
-      <p:sp>
-        <p:nvSpPr>
-          <p:cNvPr id="3" name="מציין מיקום תוכן 2">
-            <a:extLst>
-              <a:ext uri="{FF2B5EF4-FFF2-40B4-BE49-F238E27FC236}">
-                <a16:creationId xmlns:a16="http://schemas.microsoft.com/office/drawing/2014/main" id="{E9D05C5A-FCDE-42B8-B155-4D865DE50D97}"/>
-              </a:ext>
-            </a:extLst>
-          </p:cNvPr>
-          <p:cNvSpPr>
-            <a:spLocks noGrp="1"/>
-          </p:cNvSpPr>
-          <p:nvPr>
-            <p:ph idx="1"/>
-          </p:nvPr>
-        </p:nvSpPr>
-        <p:spPr/>
-        <p:txBody>
-          <a:bodyPr/>
-          <a:lstStyle/>
-          <a:p>
-            <a:endParaRPr lang="he-IL"/>
+              <a:t>אלגוריתמים למציאת שפות</a:t>
+            </a:r>
           </a:p>
         </p:txBody>
       </p:sp>
     </p:spTree>
     <p:extLst>
       <p:ext uri="{BB962C8B-B14F-4D97-AF65-F5344CB8AC3E}">
-        <p14:creationId xmlns:p14="http://schemas.microsoft.com/office/powerpoint/2010/main" val="335736391"/>
+        <p14:creationId xmlns:p14="http://schemas.microsoft.com/office/powerpoint/2010/main" val="2569830674"/>
       </p:ext>
     </p:extLst>
   </p:cSld>
@@ -4066,7 +5949,7 @@
           <p:cNvPr id="2" name="כותרת 1">
             <a:extLst>
               <a:ext uri="{FF2B5EF4-FFF2-40B4-BE49-F238E27FC236}">
-                <a16:creationId xmlns:a16="http://schemas.microsoft.com/office/drawing/2014/main" id="{5C522977-4D64-41C3-AB8D-7EA3333B784B}"/>
+                <a16:creationId xmlns:a16="http://schemas.microsoft.com/office/drawing/2014/main" id="{791C6C29-0442-4CE3-A06A-2B70633D36A5}"/>
               </a:ext>
             </a:extLst>
           </p:cNvPr>
@@ -4084,7 +5967,7 @@
           <a:p>
             <a:r>
               <a:rPr lang="he-IL" dirty="0"/>
-              <a:t>אלגוריתם שני</a:t>
+              <a:t>אלגוריתם ראשון- נגזרת</a:t>
             </a:r>
           </a:p>
         </p:txBody>
@@ -4094,7 +5977,7 @@
           <p:cNvPr id="3" name="מציין מיקום תוכן 2">
             <a:extLst>
               <a:ext uri="{FF2B5EF4-FFF2-40B4-BE49-F238E27FC236}">
-                <a16:creationId xmlns:a16="http://schemas.microsoft.com/office/drawing/2014/main" id="{3A88EFF4-9C69-4DE6-9887-413ACE78257A}"/>
+                <a16:creationId xmlns:a16="http://schemas.microsoft.com/office/drawing/2014/main" id="{E3B2D257-062C-4272-BF46-0FA48EB4BF74}"/>
               </a:ext>
             </a:extLst>
           </p:cNvPr>
@@ -4110,9 +5993,37 @@
           <a:bodyPr/>
           <a:lstStyle/>
           <a:p>
+            <a:pPr marL="0" indent="0">
+              <a:buNone/>
+            </a:pPr>
             <a:r>
               <a:rPr lang="he-IL" dirty="0"/>
-              <a:t>הסבר</a:t>
+              <a:t>נזכיר ששפה בתמונה היא הפרשים בין רמות בהירות.</a:t>
+            </a:r>
+          </a:p>
+          <a:p>
+            <a:pPr marL="0" indent="0">
+              <a:buNone/>
+            </a:pPr>
+            <a:r>
+              <a:rPr lang="he-IL" dirty="0"/>
+              <a:t>אפשר לתרגם תמונה למודל תלת </a:t>
+            </a:r>
+            <a:r>
+              <a:rPr lang="he-IL" dirty="0" err="1"/>
+              <a:t>מימדי</a:t>
+            </a:r>
+            <a:r>
+              <a:rPr lang="he-IL" dirty="0"/>
+              <a:t>. ולכן, אם ניקח חתך מהמודל נקבל פונקציה המתארת הפרשי </a:t>
+            </a:r>
+            <a:r>
+              <a:rPr lang="he-IL" dirty="0" err="1"/>
+              <a:t>בהירויות</a:t>
+            </a:r>
+            <a:r>
+              <a:rPr lang="he-IL" dirty="0"/>
+              <a:t>,  </a:t>
             </a:r>
           </a:p>
         </p:txBody>
@@ -4120,7 +6031,7 @@
     </p:spTree>
     <p:extLst>
       <p:ext uri="{BB962C8B-B14F-4D97-AF65-F5344CB8AC3E}">
-        <p14:creationId xmlns:p14="http://schemas.microsoft.com/office/powerpoint/2010/main" val="750392419"/>
+        <p14:creationId xmlns:p14="http://schemas.microsoft.com/office/powerpoint/2010/main" val="1620492565"/>
       </p:ext>
     </p:extLst>
   </p:cSld>
@@ -4152,7 +6063,7 @@
           <p:cNvPr id="2" name="כותרת 1">
             <a:extLst>
               <a:ext uri="{FF2B5EF4-FFF2-40B4-BE49-F238E27FC236}">
-                <a16:creationId xmlns:a16="http://schemas.microsoft.com/office/drawing/2014/main" id="{1E0AC292-CCDB-4EA5-B14B-5014B8A0D0EC}"/>
+                <a16:creationId xmlns:a16="http://schemas.microsoft.com/office/drawing/2014/main" id="{93B9FC8A-ACA1-41EA-89E9-09E3867BC957}"/>
               </a:ext>
             </a:extLst>
           </p:cNvPr>
@@ -4170,15 +6081,7 @@
           <a:p>
             <a:r>
               <a:rPr lang="he-IL" dirty="0"/>
-              <a:t>קטע קוד </a:t>
-            </a:r>
-            <a:r>
-              <a:rPr lang="he-IL" dirty="0" err="1"/>
-              <a:t>אלג</a:t>
-            </a:r>
-            <a:r>
-              <a:rPr lang="he-IL" dirty="0"/>
-              <a:t> 2</a:t>
+              <a:t>קטע קוד על נגזרת</a:t>
             </a:r>
           </a:p>
         </p:txBody>
@@ -4188,7 +6091,7 @@
           <p:cNvPr id="3" name="מציין מיקום תוכן 2">
             <a:extLst>
               <a:ext uri="{FF2B5EF4-FFF2-40B4-BE49-F238E27FC236}">
-                <a16:creationId xmlns:a16="http://schemas.microsoft.com/office/drawing/2014/main" id="{7E7677FA-A4A0-44AF-A693-DE93A11C1815}"/>
+                <a16:creationId xmlns:a16="http://schemas.microsoft.com/office/drawing/2014/main" id="{2C1AA7D3-B38D-4EF9-8264-AA5C79DB7791}"/>
               </a:ext>
             </a:extLst>
           </p:cNvPr>
@@ -4211,7 +6114,7 @@
     </p:spTree>
     <p:extLst>
       <p:ext uri="{BB962C8B-B14F-4D97-AF65-F5344CB8AC3E}">
-        <p14:creationId xmlns:p14="http://schemas.microsoft.com/office/powerpoint/2010/main" val="697405815"/>
+        <p14:creationId xmlns:p14="http://schemas.microsoft.com/office/powerpoint/2010/main" val="3459083847"/>
       </p:ext>
     </p:extLst>
   </p:cSld>
@@ -4243,7 +6146,7 @@
           <p:cNvPr id="2" name="כותרת 1">
             <a:extLst>
               <a:ext uri="{FF2B5EF4-FFF2-40B4-BE49-F238E27FC236}">
-                <a16:creationId xmlns:a16="http://schemas.microsoft.com/office/drawing/2014/main" id="{FD2927FB-6632-48AF-A644-B2731A80353D}"/>
+                <a16:creationId xmlns:a16="http://schemas.microsoft.com/office/drawing/2014/main" id="{5CAC7E95-1E9C-4A28-9BA3-59FF3098BC44}"/>
               </a:ext>
             </a:extLst>
           </p:cNvPr>
@@ -4261,7 +6164,7 @@
           <a:p>
             <a:r>
               <a:rPr lang="he-IL" dirty="0"/>
-              <a:t>בעיות</a:t>
+              <a:t>בעיות של שיטת נגזרת</a:t>
             </a:r>
           </a:p>
         </p:txBody>
@@ -4271,7 +6174,7 @@
           <p:cNvPr id="3" name="מציין מיקום תוכן 2">
             <a:extLst>
               <a:ext uri="{FF2B5EF4-FFF2-40B4-BE49-F238E27FC236}">
-                <a16:creationId xmlns:a16="http://schemas.microsoft.com/office/drawing/2014/main" id="{A9FA44D7-CA31-4C0C-9CEF-1C2BEECB7CFC}"/>
+                <a16:creationId xmlns:a16="http://schemas.microsoft.com/office/drawing/2014/main" id="{E9D05C5A-FCDE-42B8-B155-4D865DE50D97}"/>
               </a:ext>
             </a:extLst>
           </p:cNvPr>
@@ -4294,7 +6197,7 @@
     </p:spTree>
     <p:extLst>
       <p:ext uri="{BB962C8B-B14F-4D97-AF65-F5344CB8AC3E}">
-        <p14:creationId xmlns:p14="http://schemas.microsoft.com/office/powerpoint/2010/main" val="3626483675"/>
+        <p14:creationId xmlns:p14="http://schemas.microsoft.com/office/powerpoint/2010/main" val="335736391"/>
       </p:ext>
     </p:extLst>
   </p:cSld>
@@ -4326,7 +6229,7 @@
           <p:cNvPr id="2" name="כותרת 1">
             <a:extLst>
               <a:ext uri="{FF2B5EF4-FFF2-40B4-BE49-F238E27FC236}">
-                <a16:creationId xmlns:a16="http://schemas.microsoft.com/office/drawing/2014/main" id="{B48D60FE-C9C9-4D5B-87CB-2DBCB98BFD7D}"/>
+                <a16:creationId xmlns:a16="http://schemas.microsoft.com/office/drawing/2014/main" id="{5C522977-4D64-41C3-AB8D-7EA3333B784B}"/>
               </a:ext>
             </a:extLst>
           </p:cNvPr>
@@ -4343,12 +6246,8 @@
           <a:lstStyle/>
           <a:p>
             <a:r>
-              <a:rPr lang="he-IL" dirty="0" err="1"/>
-              <a:t>אלג</a:t>
-            </a:r>
-            <a:r>
               <a:rPr lang="he-IL" dirty="0"/>
-              <a:t> שלישי</a:t>
+              <a:t>אלגוריתם שני</a:t>
             </a:r>
           </a:p>
         </p:txBody>
@@ -4358,7 +6257,7 @@
           <p:cNvPr id="3" name="מציין מיקום תוכן 2">
             <a:extLst>
               <a:ext uri="{FF2B5EF4-FFF2-40B4-BE49-F238E27FC236}">
-                <a16:creationId xmlns:a16="http://schemas.microsoft.com/office/drawing/2014/main" id="{92216F72-A5F2-4344-B83B-8840A11F5ACF}"/>
+                <a16:creationId xmlns:a16="http://schemas.microsoft.com/office/drawing/2014/main" id="{3A88EFF4-9C69-4DE6-9887-413ACE78257A}"/>
               </a:ext>
             </a:extLst>
           </p:cNvPr>
@@ -4374,14 +6273,17 @@
           <a:bodyPr/>
           <a:lstStyle/>
           <a:p>
-            <a:endParaRPr lang="he-IL"/>
+            <a:r>
+              <a:rPr lang="he-IL" dirty="0"/>
+              <a:t>הסבר</a:t>
+            </a:r>
           </a:p>
         </p:txBody>
       </p:sp>
     </p:spTree>
     <p:extLst>
       <p:ext uri="{BB962C8B-B14F-4D97-AF65-F5344CB8AC3E}">
-        <p14:creationId xmlns:p14="http://schemas.microsoft.com/office/powerpoint/2010/main" val="4246743940"/>
+        <p14:creationId xmlns:p14="http://schemas.microsoft.com/office/powerpoint/2010/main" val="750392419"/>
       </p:ext>
     </p:extLst>
   </p:cSld>
@@ -4444,28 +6346,56 @@
           <a:p>
             <a:r>
               <a:rPr lang="he-IL" sz="3600" dirty="0"/>
-              <a:t>- תמונה היא מטריצה של פיקסלים אשר כל ערך בתא </a:t>
-            </a:r>
-            <a:r>
-              <a:rPr lang="he-IL" sz="3600" dirty="0" err="1"/>
+              <a:t>- </a:t>
+            </a:r>
+            <a:r>
+              <a:rPr lang="he-IL" sz="3600" dirty="0">
+                <a:highlight>
+                  <a:srgbClr val="FFFF00"/>
+                </a:highlight>
+              </a:rPr>
+              <a:t>תמונה היא מטריצה של פיקסלים אשר כל ערך בתא </a:t>
+            </a:r>
+            <a:r>
+              <a:rPr lang="he-IL" sz="3600" dirty="0" err="1">
+                <a:highlight>
+                  <a:srgbClr val="FFFF00"/>
+                </a:highlight>
+              </a:rPr>
               <a:t>מסויים</a:t>
             </a:r>
             <a:r>
-              <a:rPr lang="he-IL" sz="3600" dirty="0"/>
+              <a:rPr lang="he-IL" sz="3600" dirty="0">
+                <a:highlight>
+                  <a:srgbClr val="FFFF00"/>
+                </a:highlight>
+              </a:rPr>
               <a:t> מייצג חוזק של אור , כאשר 0 זה שחור ו255 זה לבן.*</a:t>
             </a:r>
           </a:p>
           <a:p>
             <a:r>
-              <a:rPr lang="he-IL" sz="3600" dirty="0"/>
+              <a:rPr lang="he-IL" sz="3600" dirty="0">
+                <a:highlight>
+                  <a:srgbClr val="FFFF00"/>
+                </a:highlight>
+              </a:rPr>
               <a:t>כל </a:t>
             </a:r>
             <a:r>
-              <a:rPr lang="he-IL" sz="3600" dirty="0" err="1"/>
+              <a:rPr lang="he-IL" sz="3600" dirty="0" err="1">
+                <a:highlight>
+                  <a:srgbClr val="FFFF00"/>
+                </a:highlight>
+              </a:rPr>
               <a:t>פיסקל</a:t>
             </a:r>
             <a:r>
-              <a:rPr lang="he-IL" sz="3600" dirty="0"/>
+              <a:rPr lang="he-IL" sz="3600" dirty="0">
+                <a:highlight>
+                  <a:srgbClr val="FFFF00"/>
+                </a:highlight>
+              </a:rPr>
               <a:t> מיוצג ע"י 8 ביטים</a:t>
             </a:r>
           </a:p>
@@ -4526,10 +6456,9 @@
               <a:buChar char="-"/>
             </a:pPr>
             <a:r>
-              <a:rPr lang="he-IL" sz="3600" dirty="0" err="1"/>
+              <a:rPr lang="he-IL" sz="3600" dirty="0"/>
               <a:t>קונבולוציה</a:t>
             </a:r>
-            <a:endParaRPr lang="he-IL" sz="3600" dirty="0"/>
           </a:p>
           <a:p>
             <a:endParaRPr lang="he-IL" sz="3600" dirty="0"/>
@@ -4553,7 +6482,7 @@
     </p:spTree>
     <p:extLst>
       <p:ext uri="{BB962C8B-B14F-4D97-AF65-F5344CB8AC3E}">
-        <p14:creationId xmlns:p14="http://schemas.microsoft.com/office/powerpoint/2010/main" val="2178220105"/>
+        <p14:creationId xmlns:p14="http://schemas.microsoft.com/office/powerpoint/2010/main" val="2090131917"/>
       </p:ext>
     </p:extLst>
   </p:cSld>
@@ -4585,7 +6514,7 @@
           <p:cNvPr id="2" name="כותרת 1">
             <a:extLst>
               <a:ext uri="{FF2B5EF4-FFF2-40B4-BE49-F238E27FC236}">
-                <a16:creationId xmlns:a16="http://schemas.microsoft.com/office/drawing/2014/main" id="{960E4BA2-440D-4CEC-985B-896779EABAE4}"/>
+                <a16:creationId xmlns:a16="http://schemas.microsoft.com/office/drawing/2014/main" id="{1E0AC292-CCDB-4EA5-B14B-5014B8A0D0EC}"/>
               </a:ext>
             </a:extLst>
           </p:cNvPr>
@@ -4603,7 +6532,15 @@
           <a:p>
             <a:r>
               <a:rPr lang="he-IL" dirty="0"/>
-              <a:t>קוד</a:t>
+              <a:t>קטע קוד </a:t>
+            </a:r>
+            <a:r>
+              <a:rPr lang="he-IL" dirty="0" err="1"/>
+              <a:t>אלג</a:t>
+            </a:r>
+            <a:r>
+              <a:rPr lang="he-IL" dirty="0"/>
+              <a:t> 2</a:t>
             </a:r>
           </a:p>
         </p:txBody>
@@ -4613,7 +6550,7 @@
           <p:cNvPr id="3" name="מציין מיקום תוכן 2">
             <a:extLst>
               <a:ext uri="{FF2B5EF4-FFF2-40B4-BE49-F238E27FC236}">
-                <a16:creationId xmlns:a16="http://schemas.microsoft.com/office/drawing/2014/main" id="{C6250252-BFFD-42D3-B176-EA73E020DB02}"/>
+                <a16:creationId xmlns:a16="http://schemas.microsoft.com/office/drawing/2014/main" id="{7E7677FA-A4A0-44AF-A693-DE93A11C1815}"/>
               </a:ext>
             </a:extLst>
           </p:cNvPr>
@@ -4636,7 +6573,7 @@
     </p:spTree>
     <p:extLst>
       <p:ext uri="{BB962C8B-B14F-4D97-AF65-F5344CB8AC3E}">
-        <p14:creationId xmlns:p14="http://schemas.microsoft.com/office/powerpoint/2010/main" val="3468793839"/>
+        <p14:creationId xmlns:p14="http://schemas.microsoft.com/office/powerpoint/2010/main" val="697405815"/>
       </p:ext>
     </p:extLst>
   </p:cSld>
@@ -4668,7 +6605,7 @@
           <p:cNvPr id="2" name="כותרת 1">
             <a:extLst>
               <a:ext uri="{FF2B5EF4-FFF2-40B4-BE49-F238E27FC236}">
-                <a16:creationId xmlns:a16="http://schemas.microsoft.com/office/drawing/2014/main" id="{44158B05-7BEE-4351-9857-4DD932F62F63}"/>
+                <a16:creationId xmlns:a16="http://schemas.microsoft.com/office/drawing/2014/main" id="{FD2927FB-6632-48AF-A644-B2731A80353D}"/>
               </a:ext>
             </a:extLst>
           </p:cNvPr>
@@ -4696,7 +6633,7 @@
           <p:cNvPr id="3" name="מציין מיקום תוכן 2">
             <a:extLst>
               <a:ext uri="{FF2B5EF4-FFF2-40B4-BE49-F238E27FC236}">
-                <a16:creationId xmlns:a16="http://schemas.microsoft.com/office/drawing/2014/main" id="{F10AD5B5-1E19-4E8B-8C20-40D638AD2AEF}"/>
+                <a16:creationId xmlns:a16="http://schemas.microsoft.com/office/drawing/2014/main" id="{A9FA44D7-CA31-4C0C-9CEF-1C2BEECB7CFC}"/>
               </a:ext>
             </a:extLst>
           </p:cNvPr>
@@ -4719,7 +6656,7 @@
     </p:spTree>
     <p:extLst>
       <p:ext uri="{BB962C8B-B14F-4D97-AF65-F5344CB8AC3E}">
-        <p14:creationId xmlns:p14="http://schemas.microsoft.com/office/powerpoint/2010/main" val="2984412459"/>
+        <p14:creationId xmlns:p14="http://schemas.microsoft.com/office/powerpoint/2010/main" val="3626483675"/>
       </p:ext>
     </p:extLst>
   </p:cSld>
@@ -4751,7 +6688,7 @@
           <p:cNvPr id="2" name="כותרת 1">
             <a:extLst>
               <a:ext uri="{FF2B5EF4-FFF2-40B4-BE49-F238E27FC236}">
-                <a16:creationId xmlns:a16="http://schemas.microsoft.com/office/drawing/2014/main" id="{CB508316-045E-466F-870A-A55A4BBAF197}"/>
+                <a16:creationId xmlns:a16="http://schemas.microsoft.com/office/drawing/2014/main" id="{B48D60FE-C9C9-4D5B-87CB-2DBCB98BFD7D}"/>
               </a:ext>
             </a:extLst>
           </p:cNvPr>
@@ -4773,7 +6710,7 @@
             </a:r>
             <a:r>
               <a:rPr lang="he-IL" dirty="0"/>
-              <a:t> 4</a:t>
+              <a:t> שלישי</a:t>
             </a:r>
           </a:p>
         </p:txBody>
@@ -4783,7 +6720,7 @@
           <p:cNvPr id="3" name="מציין מיקום תוכן 2">
             <a:extLst>
               <a:ext uri="{FF2B5EF4-FFF2-40B4-BE49-F238E27FC236}">
-                <a16:creationId xmlns:a16="http://schemas.microsoft.com/office/drawing/2014/main" id="{FA41328B-BFEB-42F0-84B0-48D4969D5CEE}"/>
+                <a16:creationId xmlns:a16="http://schemas.microsoft.com/office/drawing/2014/main" id="{92216F72-A5F2-4344-B83B-8840A11F5ACF}"/>
               </a:ext>
             </a:extLst>
           </p:cNvPr>
@@ -4806,7 +6743,7 @@
     </p:spTree>
     <p:extLst>
       <p:ext uri="{BB962C8B-B14F-4D97-AF65-F5344CB8AC3E}">
-        <p14:creationId xmlns:p14="http://schemas.microsoft.com/office/powerpoint/2010/main" val="1225993679"/>
+        <p14:creationId xmlns:p14="http://schemas.microsoft.com/office/powerpoint/2010/main" val="4246743940"/>
       </p:ext>
     </p:extLst>
   </p:cSld>
@@ -4838,6 +6775,259 @@
           <p:cNvPr id="2" name="כותרת 1">
             <a:extLst>
               <a:ext uri="{FF2B5EF4-FFF2-40B4-BE49-F238E27FC236}">
+                <a16:creationId xmlns:a16="http://schemas.microsoft.com/office/drawing/2014/main" id="{960E4BA2-440D-4CEC-985B-896779EABAE4}"/>
+              </a:ext>
+            </a:extLst>
+          </p:cNvPr>
+          <p:cNvSpPr>
+            <a:spLocks noGrp="1"/>
+          </p:cNvSpPr>
+          <p:nvPr>
+            <p:ph type="title"/>
+          </p:nvPr>
+        </p:nvSpPr>
+        <p:spPr/>
+        <p:txBody>
+          <a:bodyPr/>
+          <a:lstStyle/>
+          <a:p>
+            <a:r>
+              <a:rPr lang="he-IL" dirty="0"/>
+              <a:t>קוד</a:t>
+            </a:r>
+          </a:p>
+        </p:txBody>
+      </p:sp>
+      <p:sp>
+        <p:nvSpPr>
+          <p:cNvPr id="3" name="מציין מיקום תוכן 2">
+            <a:extLst>
+              <a:ext uri="{FF2B5EF4-FFF2-40B4-BE49-F238E27FC236}">
+                <a16:creationId xmlns:a16="http://schemas.microsoft.com/office/drawing/2014/main" id="{C6250252-BFFD-42D3-B176-EA73E020DB02}"/>
+              </a:ext>
+            </a:extLst>
+          </p:cNvPr>
+          <p:cNvSpPr>
+            <a:spLocks noGrp="1"/>
+          </p:cNvSpPr>
+          <p:nvPr>
+            <p:ph idx="1"/>
+          </p:nvPr>
+        </p:nvSpPr>
+        <p:spPr/>
+        <p:txBody>
+          <a:bodyPr/>
+          <a:lstStyle/>
+          <a:p>
+            <a:endParaRPr lang="he-IL"/>
+          </a:p>
+        </p:txBody>
+      </p:sp>
+    </p:spTree>
+    <p:extLst>
+      <p:ext uri="{BB962C8B-B14F-4D97-AF65-F5344CB8AC3E}">
+        <p14:creationId xmlns:p14="http://schemas.microsoft.com/office/powerpoint/2010/main" val="3468793839"/>
+      </p:ext>
+    </p:extLst>
+  </p:cSld>
+  <p:clrMapOvr>
+    <a:masterClrMapping/>
+  </p:clrMapOvr>
+</p:sld>
+</file>
+
+<file path=ppt/slides/slide24.xml><?xml version="1.0" encoding="utf-8"?>
+<p:sld xmlns:a="http://schemas.openxmlformats.org/drawingml/2006/main" xmlns:r="http://schemas.openxmlformats.org/officeDocument/2006/relationships" xmlns:p="http://schemas.openxmlformats.org/presentationml/2006/main">
+  <p:cSld>
+    <p:spTree>
+      <p:nvGrpSpPr>
+        <p:cNvPr id="1" name=""/>
+        <p:cNvGrpSpPr/>
+        <p:nvPr/>
+      </p:nvGrpSpPr>
+      <p:grpSpPr>
+        <a:xfrm>
+          <a:off x="0" y="0"/>
+          <a:ext cx="0" cy="0"/>
+          <a:chOff x="0" y="0"/>
+          <a:chExt cx="0" cy="0"/>
+        </a:xfrm>
+      </p:grpSpPr>
+      <p:sp>
+        <p:nvSpPr>
+          <p:cNvPr id="2" name="כותרת 1">
+            <a:extLst>
+              <a:ext uri="{FF2B5EF4-FFF2-40B4-BE49-F238E27FC236}">
+                <a16:creationId xmlns:a16="http://schemas.microsoft.com/office/drawing/2014/main" id="{44158B05-7BEE-4351-9857-4DD932F62F63}"/>
+              </a:ext>
+            </a:extLst>
+          </p:cNvPr>
+          <p:cNvSpPr>
+            <a:spLocks noGrp="1"/>
+          </p:cNvSpPr>
+          <p:nvPr>
+            <p:ph type="title"/>
+          </p:nvPr>
+        </p:nvSpPr>
+        <p:spPr/>
+        <p:txBody>
+          <a:bodyPr/>
+          <a:lstStyle/>
+          <a:p>
+            <a:r>
+              <a:rPr lang="he-IL" dirty="0"/>
+              <a:t>בעיות</a:t>
+            </a:r>
+          </a:p>
+        </p:txBody>
+      </p:sp>
+      <p:sp>
+        <p:nvSpPr>
+          <p:cNvPr id="3" name="מציין מיקום תוכן 2">
+            <a:extLst>
+              <a:ext uri="{FF2B5EF4-FFF2-40B4-BE49-F238E27FC236}">
+                <a16:creationId xmlns:a16="http://schemas.microsoft.com/office/drawing/2014/main" id="{F10AD5B5-1E19-4E8B-8C20-40D638AD2AEF}"/>
+              </a:ext>
+            </a:extLst>
+          </p:cNvPr>
+          <p:cNvSpPr>
+            <a:spLocks noGrp="1"/>
+          </p:cNvSpPr>
+          <p:nvPr>
+            <p:ph idx="1"/>
+          </p:nvPr>
+        </p:nvSpPr>
+        <p:spPr/>
+        <p:txBody>
+          <a:bodyPr/>
+          <a:lstStyle/>
+          <a:p>
+            <a:endParaRPr lang="he-IL"/>
+          </a:p>
+        </p:txBody>
+      </p:sp>
+    </p:spTree>
+    <p:extLst>
+      <p:ext uri="{BB962C8B-B14F-4D97-AF65-F5344CB8AC3E}">
+        <p14:creationId xmlns:p14="http://schemas.microsoft.com/office/powerpoint/2010/main" val="2984412459"/>
+      </p:ext>
+    </p:extLst>
+  </p:cSld>
+  <p:clrMapOvr>
+    <a:masterClrMapping/>
+  </p:clrMapOvr>
+</p:sld>
+</file>
+
+<file path=ppt/slides/slide25.xml><?xml version="1.0" encoding="utf-8"?>
+<p:sld xmlns:a="http://schemas.openxmlformats.org/drawingml/2006/main" xmlns:r="http://schemas.openxmlformats.org/officeDocument/2006/relationships" xmlns:p="http://schemas.openxmlformats.org/presentationml/2006/main">
+  <p:cSld>
+    <p:spTree>
+      <p:nvGrpSpPr>
+        <p:cNvPr id="1" name=""/>
+        <p:cNvGrpSpPr/>
+        <p:nvPr/>
+      </p:nvGrpSpPr>
+      <p:grpSpPr>
+        <a:xfrm>
+          <a:off x="0" y="0"/>
+          <a:ext cx="0" cy="0"/>
+          <a:chOff x="0" y="0"/>
+          <a:chExt cx="0" cy="0"/>
+        </a:xfrm>
+      </p:grpSpPr>
+      <p:sp>
+        <p:nvSpPr>
+          <p:cNvPr id="2" name="כותרת 1">
+            <a:extLst>
+              <a:ext uri="{FF2B5EF4-FFF2-40B4-BE49-F238E27FC236}">
+                <a16:creationId xmlns:a16="http://schemas.microsoft.com/office/drawing/2014/main" id="{CB508316-045E-466F-870A-A55A4BBAF197}"/>
+              </a:ext>
+            </a:extLst>
+          </p:cNvPr>
+          <p:cNvSpPr>
+            <a:spLocks noGrp="1"/>
+          </p:cNvSpPr>
+          <p:nvPr>
+            <p:ph type="title"/>
+          </p:nvPr>
+        </p:nvSpPr>
+        <p:spPr/>
+        <p:txBody>
+          <a:bodyPr/>
+          <a:lstStyle/>
+          <a:p>
+            <a:r>
+              <a:rPr lang="he-IL" dirty="0" err="1"/>
+              <a:t>אלג</a:t>
+            </a:r>
+            <a:r>
+              <a:rPr lang="he-IL" dirty="0"/>
+              <a:t> 4</a:t>
+            </a:r>
+          </a:p>
+        </p:txBody>
+      </p:sp>
+      <p:sp>
+        <p:nvSpPr>
+          <p:cNvPr id="3" name="מציין מיקום תוכן 2">
+            <a:extLst>
+              <a:ext uri="{FF2B5EF4-FFF2-40B4-BE49-F238E27FC236}">
+                <a16:creationId xmlns:a16="http://schemas.microsoft.com/office/drawing/2014/main" id="{FA41328B-BFEB-42F0-84B0-48D4969D5CEE}"/>
+              </a:ext>
+            </a:extLst>
+          </p:cNvPr>
+          <p:cNvSpPr>
+            <a:spLocks noGrp="1"/>
+          </p:cNvSpPr>
+          <p:nvPr>
+            <p:ph idx="1"/>
+          </p:nvPr>
+        </p:nvSpPr>
+        <p:spPr/>
+        <p:txBody>
+          <a:bodyPr/>
+          <a:lstStyle/>
+          <a:p>
+            <a:endParaRPr lang="he-IL"/>
+          </a:p>
+        </p:txBody>
+      </p:sp>
+    </p:spTree>
+    <p:extLst>
+      <p:ext uri="{BB962C8B-B14F-4D97-AF65-F5344CB8AC3E}">
+        <p14:creationId xmlns:p14="http://schemas.microsoft.com/office/powerpoint/2010/main" val="1225993679"/>
+      </p:ext>
+    </p:extLst>
+  </p:cSld>
+  <p:clrMapOvr>
+    <a:masterClrMapping/>
+  </p:clrMapOvr>
+</p:sld>
+</file>
+
+<file path=ppt/slides/slide26.xml><?xml version="1.0" encoding="utf-8"?>
+<p:sld xmlns:a="http://schemas.openxmlformats.org/drawingml/2006/main" xmlns:r="http://schemas.openxmlformats.org/officeDocument/2006/relationships" xmlns:p="http://schemas.openxmlformats.org/presentationml/2006/main">
+  <p:cSld>
+    <p:spTree>
+      <p:nvGrpSpPr>
+        <p:cNvPr id="1" name=""/>
+        <p:cNvGrpSpPr/>
+        <p:nvPr/>
+      </p:nvGrpSpPr>
+      <p:grpSpPr>
+        <a:xfrm>
+          <a:off x="0" y="0"/>
+          <a:ext cx="0" cy="0"/>
+          <a:chOff x="0" y="0"/>
+          <a:chExt cx="0" cy="0"/>
+        </a:xfrm>
+      </p:grpSpPr>
+      <p:sp>
+        <p:nvSpPr>
+          <p:cNvPr id="2" name="כותרת 1">
+            <a:extLst>
+              <a:ext uri="{FF2B5EF4-FFF2-40B4-BE49-F238E27FC236}">
                 <a16:creationId xmlns:a16="http://schemas.microsoft.com/office/drawing/2014/main" id="{C788D30E-0C72-4470-9318-1699DE5E1557}"/>
               </a:ext>
             </a:extLst>
@@ -4899,7 +7089,7 @@
 </p:sld>
 </file>
 
-<file path=ppt/slides/slide24.xml><?xml version="1.0" encoding="utf-8"?>
+<file path=ppt/slides/slide27.xml><?xml version="1.0" encoding="utf-8"?>
 <p:sld xmlns:a="http://schemas.openxmlformats.org/drawingml/2006/main" xmlns:r="http://schemas.openxmlformats.org/officeDocument/2006/relationships" xmlns:p="http://schemas.openxmlformats.org/presentationml/2006/main">
   <p:cSld>
     <p:spTree>
@@ -5013,7 +7203,7 @@
         </p:nvSpPr>
         <p:spPr>
           <a:xfrm>
-            <a:off x="856648" y="269507"/>
+            <a:off x="885524" y="269507"/>
             <a:ext cx="10876548" cy="369332"/>
           </a:xfrm>
           <a:prstGeom prst="rect">
@@ -5039,6 +7229,102 @@
           </a:p>
         </p:txBody>
       </p:sp>
+      <p:sp>
+        <p:nvSpPr>
+          <p:cNvPr id="4" name="תיבת טקסט 3">
+            <a:extLst>
+              <a:ext uri="{FF2B5EF4-FFF2-40B4-BE49-F238E27FC236}">
+                <a16:creationId xmlns:a16="http://schemas.microsoft.com/office/drawing/2014/main" id="{6A44BF56-8C86-44EE-A125-572D3A4E9955}"/>
+              </a:ext>
+            </a:extLst>
+          </p:cNvPr>
+          <p:cNvSpPr txBox="1"/>
+          <p:nvPr/>
+        </p:nvSpPr>
+        <p:spPr>
+          <a:xfrm>
+            <a:off x="4687503" y="2540896"/>
+            <a:ext cx="2294021" cy="1569660"/>
+          </a:xfrm>
+          <a:prstGeom prst="rect">
+            <a:avLst/>
+          </a:prstGeom>
+          <a:noFill/>
+        </p:spPr>
+        <p:txBody>
+          <a:bodyPr wrap="square" rtlCol="1">
+            <a:spAutoFit/>
+          </a:bodyPr>
+          <a:lstStyle/>
+          <a:p>
+            <a:r>
+              <a:rPr lang="en-US" sz="9600" dirty="0"/>
+              <a:t>-&gt;</a:t>
+            </a:r>
+            <a:endParaRPr lang="he-IL" sz="9600" dirty="0"/>
+          </a:p>
+        </p:txBody>
+      </p:sp>
+      <p:pic>
+        <p:nvPicPr>
+          <p:cNvPr id="5" name="תמונה 4">
+            <a:extLst>
+              <a:ext uri="{FF2B5EF4-FFF2-40B4-BE49-F238E27FC236}">
+                <a16:creationId xmlns:a16="http://schemas.microsoft.com/office/drawing/2014/main" id="{F821DC59-D2EC-4FF2-BC20-564C7F4D7A62}"/>
+              </a:ext>
+            </a:extLst>
+          </p:cNvPr>
+          <p:cNvPicPr>
+            <a:picLocks noChangeAspect="1"/>
+          </p:cNvPicPr>
+          <p:nvPr/>
+        </p:nvPicPr>
+        <p:blipFill>
+          <a:blip r:embed="rId2"/>
+          <a:stretch>
+            <a:fillRect/>
+          </a:stretch>
+        </p:blipFill>
+        <p:spPr>
+          <a:xfrm>
+            <a:off x="1953929" y="1913730"/>
+            <a:ext cx="2896402" cy="2823992"/>
+          </a:xfrm>
+          <a:prstGeom prst="rect">
+            <a:avLst/>
+          </a:prstGeom>
+        </p:spPr>
+      </p:pic>
+      <p:pic>
+        <p:nvPicPr>
+          <p:cNvPr id="6" name="תמונה 5">
+            <a:extLst>
+              <a:ext uri="{FF2B5EF4-FFF2-40B4-BE49-F238E27FC236}">
+                <a16:creationId xmlns:a16="http://schemas.microsoft.com/office/drawing/2014/main" id="{737B9769-252B-4B90-91B4-4979BC376276}"/>
+              </a:ext>
+            </a:extLst>
+          </p:cNvPr>
+          <p:cNvPicPr>
+            <a:picLocks noChangeAspect="1"/>
+          </p:cNvPicPr>
+          <p:nvPr/>
+        </p:nvPicPr>
+        <p:blipFill>
+          <a:blip r:embed="rId3"/>
+          <a:stretch>
+            <a:fillRect/>
+          </a:stretch>
+        </p:blipFill>
+        <p:spPr>
+          <a:xfrm>
+            <a:off x="7733494" y="2464067"/>
+            <a:ext cx="4100254" cy="1925053"/>
+          </a:xfrm>
+          <a:prstGeom prst="rect">
+            <a:avLst/>
+          </a:prstGeom>
+        </p:spPr>
+      </p:pic>
     </p:spTree>
     <p:extLst>
       <p:ext uri="{BB962C8B-B14F-4D97-AF65-F5344CB8AC3E}">
@@ -5136,23 +7422,43 @@
               <a:buChar char="-"/>
             </a:pPr>
             <a:r>
-              <a:rPr lang="he-IL" sz="3600" dirty="0"/>
+              <a:rPr lang="he-IL" sz="3600" dirty="0">
+                <a:highlight>
+                  <a:srgbClr val="FFFF00"/>
+                </a:highlight>
+              </a:rPr>
               <a:t>לעיבוד התמונה אנחנו נשתמש בספרייה של </a:t>
             </a:r>
             <a:r>
-              <a:rPr lang="he-IL" sz="3600" dirty="0" err="1"/>
+              <a:rPr lang="he-IL" sz="3600" dirty="0" err="1">
+                <a:highlight>
+                  <a:srgbClr val="FFFF00"/>
+                </a:highlight>
+              </a:rPr>
               <a:t>פייתון</a:t>
             </a:r>
             <a:r>
-              <a:rPr lang="he-IL" sz="3600" dirty="0"/>
+              <a:rPr lang="he-IL" sz="3600" dirty="0">
+                <a:highlight>
+                  <a:srgbClr val="FFFF00"/>
+                </a:highlight>
+              </a:rPr>
               <a:t> בשם </a:t>
             </a:r>
             <a:r>
-              <a:rPr lang="en-US" sz="3600" dirty="0" err="1"/>
+              <a:rPr lang="en-US" sz="3600" dirty="0" err="1">
+                <a:highlight>
+                  <a:srgbClr val="FFFF00"/>
+                </a:highlight>
+              </a:rPr>
               <a:t>numpy</a:t>
             </a:r>
             <a:r>
-              <a:rPr lang="he-IL" sz="3600" dirty="0"/>
+              <a:rPr lang="he-IL" sz="3600" dirty="0">
+                <a:highlight>
+                  <a:srgbClr val="FFFF00"/>
+                </a:highlight>
+              </a:rPr>
               <a:t> *יותר יעיל לבדוק</a:t>
             </a:r>
           </a:p>
@@ -5187,10 +7493,9 @@
               <a:buChar char="-"/>
             </a:pPr>
             <a:r>
-              <a:rPr lang="he-IL" sz="3600" dirty="0" err="1"/>
+              <a:rPr lang="he-IL" sz="3600" dirty="0"/>
               <a:t>קונבולוציה</a:t>
             </a:r>
-            <a:endParaRPr lang="he-IL" sz="3600" dirty="0"/>
           </a:p>
           <a:p>
             <a:endParaRPr lang="he-IL" sz="3600" dirty="0"/>
@@ -5227,6 +7532,14 @@
 <file path=ppt/slides/slide5.xml><?xml version="1.0" encoding="utf-8"?>
 <p:sld xmlns:a="http://schemas.openxmlformats.org/drawingml/2006/main" xmlns:r="http://schemas.openxmlformats.org/officeDocument/2006/relationships" xmlns:p="http://schemas.openxmlformats.org/presentationml/2006/main">
   <p:cSld>
+    <p:bg>
+      <p:bgPr>
+        <a:solidFill>
+          <a:schemeClr val="bg1"/>
+        </a:solidFill>
+        <a:effectLst/>
+      </p:bgPr>
+    </p:bg>
     <p:spTree>
       <p:nvGrpSpPr>
         <p:cNvPr id="1" name=""/>
@@ -5255,101 +7568,256 @@
         </p:nvSpPr>
         <p:spPr>
           <a:xfrm>
-            <a:off x="895149" y="375385"/>
-            <a:ext cx="10693668" cy="1569660"/>
+            <a:off x="4069080" y="2157984"/>
+            <a:ext cx="6675120" cy="3895344"/>
           </a:xfrm>
           <a:prstGeom prst="rect">
             <a:avLst/>
           </a:prstGeom>
-          <a:noFill/>
         </p:spPr>
         <p:txBody>
-          <a:bodyPr wrap="square" rtlCol="1">
-            <a:spAutoFit/>
+          <a:bodyPr vert="horz" lIns="91440" tIns="45720" rIns="91440" bIns="45720" rtlCol="0" anchor="ctr">
+            <a:normAutofit/>
           </a:bodyPr>
           <a:lstStyle/>
           <a:p>
-            <a:r>
-              <a:rPr lang="he-IL" sz="2400" dirty="0"/>
-              <a:t>מה זה </a:t>
-            </a:r>
-            <a:r>
-              <a:rPr lang="en-US" sz="2400" dirty="0" err="1"/>
+            <a:pPr rtl="0">
+              <a:lnSpc>
+                <a:spcPct val="90000"/>
+              </a:lnSpc>
+              <a:spcAft>
+                <a:spcPts val="600"/>
+              </a:spcAft>
+            </a:pPr>
+            <a:r>
+              <a:rPr lang="en-US" sz="2200" dirty="0" err="1"/>
+              <a:t>מה</a:t>
+            </a:r>
+            <a:r>
+              <a:rPr lang="en-US" sz="2200" dirty="0"/>
+              <a:t> </a:t>
+            </a:r>
+            <a:r>
+              <a:rPr lang="en-US" sz="2200" dirty="0" err="1"/>
+              <a:t>זה</a:t>
+            </a:r>
+            <a:r>
+              <a:rPr lang="en-US" sz="2200" dirty="0"/>
+              <a:t> </a:t>
+            </a:r>
+            <a:r>
+              <a:rPr lang="en-US" sz="2200" dirty="0" err="1"/>
               <a:t>numpy</a:t>
             </a:r>
             <a:r>
-              <a:rPr lang="en-US" sz="2400" dirty="0"/>
+              <a:rPr lang="en-US" sz="2200" dirty="0"/>
+              <a:t>   </a:t>
+            </a:r>
+            <a:r>
+              <a:rPr lang="en-US" sz="2200" dirty="0" err="1"/>
+              <a:t>ולמה</a:t>
+            </a:r>
+            <a:r>
+              <a:rPr lang="en-US" sz="2200" dirty="0"/>
+              <a:t> </a:t>
+            </a:r>
+            <a:r>
+              <a:rPr lang="en-US" sz="2200" dirty="0" err="1"/>
+              <a:t>להשתמש</a:t>
+            </a:r>
+            <a:r>
+              <a:rPr lang="en-US" sz="2200" dirty="0"/>
+              <a:t> </a:t>
+            </a:r>
+            <a:r>
+              <a:rPr lang="en-US" sz="2200" dirty="0" err="1"/>
+              <a:t>בה</a:t>
+            </a:r>
+            <a:r>
+              <a:rPr lang="en-US" sz="2200" dirty="0"/>
+              <a:t>?</a:t>
+            </a:r>
+          </a:p>
+          <a:p>
+            <a:pPr rtl="0">
+              <a:lnSpc>
+                <a:spcPct val="90000"/>
+              </a:lnSpc>
+              <a:spcAft>
+                <a:spcPts val="600"/>
+              </a:spcAft>
+            </a:pPr>
+            <a:r>
+              <a:rPr lang="en-US" sz="2200" dirty="0" err="1"/>
+              <a:t>היא</a:t>
+            </a:r>
+            <a:r>
+              <a:rPr lang="en-US" sz="2200" dirty="0"/>
+              <a:t> </a:t>
+            </a:r>
+            <a:r>
+              <a:rPr lang="en-US" sz="2200" dirty="0" err="1"/>
+              <a:t>ספרייה</a:t>
+            </a:r>
+            <a:r>
+              <a:rPr lang="en-US" sz="2200" dirty="0"/>
+              <a:t> </a:t>
+            </a:r>
+            <a:r>
+              <a:rPr lang="en-US" sz="2200" dirty="0" err="1"/>
+              <a:t>בפייתון</a:t>
+            </a:r>
+            <a:r>
+              <a:rPr lang="en-US" sz="2200" dirty="0"/>
+              <a:t> </a:t>
+            </a:r>
+            <a:r>
+              <a:rPr lang="en-US" sz="2200" dirty="0" err="1"/>
+              <a:t>שבאה</a:t>
+            </a:r>
+            <a:r>
+              <a:rPr lang="en-US" sz="2200" dirty="0"/>
+              <a:t> </a:t>
+            </a:r>
+            <a:r>
+              <a:rPr lang="en-US" sz="2200" dirty="0" err="1"/>
+              <a:t>לשפר</a:t>
+            </a:r>
+            <a:r>
+              <a:rPr lang="en-US" sz="2200" dirty="0"/>
+              <a:t> </a:t>
+            </a:r>
+            <a:r>
+              <a:rPr lang="en-US" sz="2200" dirty="0" err="1"/>
+              <a:t>ביצוע</a:t>
+            </a:r>
+            <a:r>
+              <a:rPr lang="en-US" sz="2200" dirty="0"/>
+              <a:t> </a:t>
+            </a:r>
+            <a:r>
+              <a:rPr lang="en-US" sz="2200" dirty="0" err="1"/>
+              <a:t>של</a:t>
+            </a:r>
+            <a:r>
+              <a:rPr lang="en-US" sz="2200" dirty="0"/>
+              <a:t> </a:t>
+            </a:r>
+            <a:r>
+              <a:rPr lang="en-US" sz="2200" dirty="0" err="1"/>
+              <a:t>חישובים</a:t>
+            </a:r>
+            <a:r>
+              <a:rPr lang="en-US" sz="2200" dirty="0"/>
+              <a:t> </a:t>
+            </a:r>
+            <a:r>
+              <a:rPr lang="en-US" sz="2200" dirty="0" err="1"/>
+              <a:t>מתמטים</a:t>
+            </a:r>
+            <a:r>
+              <a:rPr lang="en-US" sz="2200" dirty="0"/>
+              <a:t> </a:t>
+            </a:r>
+            <a:r>
+              <a:rPr lang="en-US" sz="2200" dirty="0" err="1"/>
+              <a:t>בפייתון</a:t>
+            </a:r>
+            <a:r>
+              <a:rPr lang="en-US" sz="2200" dirty="0"/>
+              <a:t>.</a:t>
+            </a:r>
+          </a:p>
+          <a:p>
+            <a:pPr rtl="0">
+              <a:lnSpc>
+                <a:spcPct val="90000"/>
+              </a:lnSpc>
+              <a:spcAft>
+                <a:spcPts val="600"/>
+              </a:spcAft>
+            </a:pPr>
+            <a:r>
+              <a:rPr lang="en-US" sz="2200" dirty="0" err="1"/>
+              <a:t>פייתון</a:t>
+            </a:r>
+            <a:r>
+              <a:rPr lang="en-US" sz="2200" dirty="0"/>
+              <a:t> </a:t>
+            </a:r>
+            <a:r>
+              <a:rPr lang="en-US" sz="2200" dirty="0" err="1"/>
+              <a:t>משתמש</a:t>
+            </a:r>
+            <a:r>
+              <a:rPr lang="en-US" sz="2200" dirty="0"/>
+              <a:t> </a:t>
+            </a:r>
+            <a:r>
+              <a:rPr lang="en-US" sz="2200" dirty="0" err="1"/>
+              <a:t>ברשימה</a:t>
+            </a:r>
+            <a:r>
+              <a:rPr lang="en-US" sz="2200" dirty="0"/>
+              <a:t> </a:t>
+            </a:r>
+            <a:r>
+              <a:rPr lang="en-US" sz="2200" dirty="0" err="1"/>
+              <a:t>בשביל</a:t>
+            </a:r>
+            <a:r>
+              <a:rPr lang="en-US" sz="2200" dirty="0"/>
+              <a:t> </a:t>
+            </a:r>
+            <a:r>
+              <a:rPr lang="en-US" sz="2200" dirty="0" err="1"/>
+              <a:t>לייצג</a:t>
+            </a:r>
+            <a:r>
+              <a:rPr lang="en-US" sz="2200" dirty="0"/>
+              <a:t> </a:t>
+            </a:r>
+            <a:r>
+              <a:rPr lang="en-US" sz="2200" dirty="0" err="1"/>
+              <a:t>מטריצה</a:t>
+            </a:r>
+            <a:r>
+              <a:rPr lang="en-US" sz="2200" dirty="0"/>
+              <a:t> </a:t>
+            </a:r>
+            <a:r>
+              <a:rPr lang="en-US" sz="2200" dirty="0" err="1"/>
+              <a:t>וnumpy</a:t>
+            </a:r>
+            <a:r>
+              <a:rPr lang="en-US" sz="2200" dirty="0"/>
               <a:t>  </a:t>
             </a:r>
             <a:r>
-              <a:rPr lang="he-IL" sz="2400" dirty="0"/>
-              <a:t> ולמה להשתמש בה?</a:t>
-            </a:r>
-          </a:p>
-          <a:p>
-            <a:r>
-              <a:rPr lang="he-IL" sz="2400" dirty="0"/>
-              <a:t>היא ספרייה </a:t>
-            </a:r>
-            <a:r>
-              <a:rPr lang="he-IL" sz="2400" dirty="0" err="1"/>
-              <a:t>בפייתון</a:t>
-            </a:r>
-            <a:r>
-              <a:rPr lang="he-IL" sz="2400" dirty="0"/>
-              <a:t> שבאה לשפר ביצוע של חישובים </a:t>
-            </a:r>
-            <a:r>
-              <a:rPr lang="he-IL" sz="2400" dirty="0" err="1"/>
-              <a:t>מתמטים</a:t>
-            </a:r>
-            <a:r>
-              <a:rPr lang="he-IL" sz="2400" dirty="0"/>
-              <a:t> </a:t>
-            </a:r>
-            <a:r>
-              <a:rPr lang="he-IL" sz="2400" dirty="0" err="1"/>
-              <a:t>בפייתון</a:t>
-            </a:r>
-            <a:r>
-              <a:rPr lang="he-IL" sz="2400" dirty="0"/>
-              <a:t>.</a:t>
-            </a:r>
-          </a:p>
-          <a:p>
-            <a:r>
-              <a:rPr lang="he-IL" sz="2400" dirty="0" err="1"/>
-              <a:t>פייתון</a:t>
-            </a:r>
-            <a:r>
-              <a:rPr lang="he-IL" sz="2400" dirty="0"/>
-              <a:t> משתמש ברשימה בשביל לייצג מטריצה ו</a:t>
-            </a:r>
-            <a:r>
-              <a:rPr lang="en-US" sz="2400" dirty="0" err="1"/>
-              <a:t>numpy</a:t>
-            </a:r>
-            <a:r>
-              <a:rPr lang="en-US" sz="2400" dirty="0"/>
-              <a:t> </a:t>
-            </a:r>
-            <a:r>
-              <a:rPr lang="he-IL" sz="2400" dirty="0"/>
-              <a:t> משתמש ב </a:t>
-            </a:r>
-            <a:r>
-              <a:rPr lang="en-US" sz="2400" dirty="0"/>
-              <a:t>NDARRAY </a:t>
-            </a:r>
-            <a:r>
-              <a:rPr lang="he-IL" sz="2400" dirty="0"/>
-              <a:t> *</a:t>
-            </a:r>
-          </a:p>
-          <a:p>
-            <a:r>
-              <a:rPr lang="he-IL" sz="2400" dirty="0"/>
-              <a:t>יעילות? </a:t>
+              <a:rPr lang="en-US" sz="2200" dirty="0" err="1"/>
+              <a:t>משתמש</a:t>
+            </a:r>
+            <a:r>
+              <a:rPr lang="en-US" sz="2200" dirty="0"/>
+              <a:t> ב NDARRAY  *</a:t>
+            </a:r>
+          </a:p>
+          <a:p>
+            <a:pPr rtl="0">
+              <a:lnSpc>
+                <a:spcPct val="90000"/>
+              </a:lnSpc>
+              <a:spcAft>
+                <a:spcPts val="600"/>
+              </a:spcAft>
+            </a:pPr>
+            <a:r>
+              <a:rPr lang="en-US" sz="2200" dirty="0" err="1"/>
+              <a:t>יעילות</a:t>
+            </a:r>
+            <a:r>
+              <a:rPr lang="en-US" sz="2200" dirty="0"/>
+              <a:t>? </a:t>
             </a:r>
           </a:p>
         </p:txBody>
@@ -5477,11 +7945,19 @@
               <a:buChar char="-"/>
             </a:pPr>
             <a:r>
-              <a:rPr lang="he-IL" sz="3600" dirty="0"/>
+              <a:rPr lang="he-IL" sz="3600" dirty="0">
+                <a:highlight>
+                  <a:srgbClr val="FFFF00"/>
+                </a:highlight>
+              </a:rPr>
               <a:t>מה זה </a:t>
             </a:r>
             <a:r>
-              <a:rPr lang="en-US" sz="3600" dirty="0"/>
+              <a:rPr lang="en-US" sz="3600" dirty="0">
+                <a:highlight>
+                  <a:srgbClr val="FFFF00"/>
+                </a:highlight>
+              </a:rPr>
               <a:t>EDGE DETECTION?</a:t>
             </a:r>
           </a:p>
@@ -5502,10 +7978,9 @@
               <a:buChar char="-"/>
             </a:pPr>
             <a:r>
-              <a:rPr lang="he-IL" sz="3600" dirty="0" err="1"/>
+              <a:rPr lang="he-IL" sz="3600" dirty="0"/>
               <a:t>קונבולוציה</a:t>
             </a:r>
-            <a:endParaRPr lang="he-IL" sz="3600" dirty="0"/>
           </a:p>
           <a:p>
             <a:endParaRPr lang="he-IL" sz="3600" dirty="0"/>
@@ -5808,10 +8283,18 @@
               <a:buChar char="-"/>
             </a:pPr>
             <a:r>
-              <a:rPr lang="he-IL" sz="3600" dirty="0" err="1"/>
+              <a:rPr lang="he-IL" sz="3600" dirty="0" err="1">
+                <a:highlight>
+                  <a:srgbClr val="FFFF00"/>
+                </a:highlight>
+              </a:rPr>
               <a:t>מטיבציה</a:t>
             </a:r>
-            <a:endParaRPr lang="he-IL" sz="3600" dirty="0"/>
+            <a:endParaRPr lang="he-IL" sz="3600" dirty="0">
+              <a:highlight>
+                <a:srgbClr val="FFFF00"/>
+              </a:highlight>
+            </a:endParaRPr>
           </a:p>
           <a:p>
             <a:pPr marL="285750" indent="-285750">
@@ -5819,10 +8302,9 @@
               <a:buChar char="-"/>
             </a:pPr>
             <a:r>
-              <a:rPr lang="he-IL" sz="3600" dirty="0" err="1"/>
+              <a:rPr lang="he-IL" sz="3600" dirty="0"/>
               <a:t>קונבולוציה</a:t>
             </a:r>
-            <a:endParaRPr lang="he-IL" sz="3600" dirty="0"/>
           </a:p>
           <a:p>
             <a:endParaRPr lang="he-IL" sz="3600" dirty="0"/>

--- a/מצגת.pptx
+++ b/מצגת.pptx
@@ -298,7 +298,7 @@
           <a:p>
             <a:fld id="{E7F66D08-A57E-40CB-88ED-D27CE462D96E}" type="datetimeFigureOut">
               <a:rPr lang="he-IL" smtClean="0"/>
-              <a:t>ד'/טבת/תש"פ</a:t>
+              <a:t>י'/טבת/תש"פ</a:t>
             </a:fld>
             <a:endParaRPr lang="he-IL"/>
           </a:p>
@@ -496,7 +496,7 @@
           <a:p>
             <a:fld id="{E7F66D08-A57E-40CB-88ED-D27CE462D96E}" type="datetimeFigureOut">
               <a:rPr lang="he-IL" smtClean="0"/>
-              <a:t>ד'/טבת/תש"פ</a:t>
+              <a:t>י'/טבת/תש"פ</a:t>
             </a:fld>
             <a:endParaRPr lang="he-IL"/>
           </a:p>
@@ -704,7 +704,7 @@
           <a:p>
             <a:fld id="{E7F66D08-A57E-40CB-88ED-D27CE462D96E}" type="datetimeFigureOut">
               <a:rPr lang="he-IL" smtClean="0"/>
-              <a:t>ד'/טבת/תש"פ</a:t>
+              <a:t>י'/טבת/תש"פ</a:t>
             </a:fld>
             <a:endParaRPr lang="he-IL"/>
           </a:p>
@@ -902,7 +902,7 @@
           <a:p>
             <a:fld id="{E7F66D08-A57E-40CB-88ED-D27CE462D96E}" type="datetimeFigureOut">
               <a:rPr lang="he-IL" smtClean="0"/>
-              <a:t>ד'/טבת/תש"פ</a:t>
+              <a:t>י'/טבת/תש"פ</a:t>
             </a:fld>
             <a:endParaRPr lang="he-IL"/>
           </a:p>
@@ -1177,7 +1177,7 @@
           <a:p>
             <a:fld id="{E7F66D08-A57E-40CB-88ED-D27CE462D96E}" type="datetimeFigureOut">
               <a:rPr lang="he-IL" smtClean="0"/>
-              <a:t>ד'/טבת/תש"פ</a:t>
+              <a:t>י'/טבת/תש"פ</a:t>
             </a:fld>
             <a:endParaRPr lang="he-IL"/>
           </a:p>
@@ -1442,7 +1442,7 @@
           <a:p>
             <a:fld id="{E7F66D08-A57E-40CB-88ED-D27CE462D96E}" type="datetimeFigureOut">
               <a:rPr lang="he-IL" smtClean="0"/>
-              <a:t>ד'/טבת/תש"פ</a:t>
+              <a:t>י'/טבת/תש"פ</a:t>
             </a:fld>
             <a:endParaRPr lang="he-IL"/>
           </a:p>
@@ -1854,7 +1854,7 @@
           <a:p>
             <a:fld id="{E7F66D08-A57E-40CB-88ED-D27CE462D96E}" type="datetimeFigureOut">
               <a:rPr lang="he-IL" smtClean="0"/>
-              <a:t>ד'/טבת/תש"פ</a:t>
+              <a:t>י'/טבת/תש"פ</a:t>
             </a:fld>
             <a:endParaRPr lang="he-IL"/>
           </a:p>
@@ -1995,7 +1995,7 @@
           <a:p>
             <a:fld id="{E7F66D08-A57E-40CB-88ED-D27CE462D96E}" type="datetimeFigureOut">
               <a:rPr lang="he-IL" smtClean="0"/>
-              <a:t>ד'/טבת/תש"פ</a:t>
+              <a:t>י'/טבת/תש"פ</a:t>
             </a:fld>
             <a:endParaRPr lang="he-IL"/>
           </a:p>
@@ -2108,7 +2108,7 @@
           <a:p>
             <a:fld id="{E7F66D08-A57E-40CB-88ED-D27CE462D96E}" type="datetimeFigureOut">
               <a:rPr lang="he-IL" smtClean="0"/>
-              <a:t>ד'/טבת/תש"פ</a:t>
+              <a:t>י'/טבת/תש"פ</a:t>
             </a:fld>
             <a:endParaRPr lang="he-IL"/>
           </a:p>
@@ -2419,7 +2419,7 @@
           <a:p>
             <a:fld id="{E7F66D08-A57E-40CB-88ED-D27CE462D96E}" type="datetimeFigureOut">
               <a:rPr lang="he-IL" smtClean="0"/>
-              <a:t>ד'/טבת/תש"פ</a:t>
+              <a:t>י'/טבת/תש"פ</a:t>
             </a:fld>
             <a:endParaRPr lang="he-IL"/>
           </a:p>
@@ -2707,7 +2707,7 @@
           <a:p>
             <a:fld id="{E7F66D08-A57E-40CB-88ED-D27CE462D96E}" type="datetimeFigureOut">
               <a:rPr lang="he-IL" smtClean="0"/>
-              <a:t>ד'/טבת/תש"פ</a:t>
+              <a:t>י'/טבת/תש"פ</a:t>
             </a:fld>
             <a:endParaRPr lang="he-IL"/>
           </a:p>
@@ -2948,7 +2948,7 @@
           <a:p>
             <a:fld id="{E7F66D08-A57E-40CB-88ED-D27CE462D96E}" type="datetimeFigureOut">
               <a:rPr lang="he-IL" smtClean="0"/>
-              <a:t>ד'/טבת/תש"פ</a:t>
+              <a:t>י'/טבת/תש"פ</a:t>
             </a:fld>
             <a:endParaRPr lang="he-IL"/>
           </a:p>
@@ -4594,7 +4594,7 @@
             </a:r>
             <a:r>
               <a:rPr lang="en-US" dirty="0"/>
-              <a:t>(Image, ((range1[0,range1[0]),                                  (range1[1],range1[1])) , 'constant’, </a:t>
+              <a:t>(Image, ((range1[0],range1[0]),                                  (range1[1],range1[1])) , 'constant’, </a:t>
             </a:r>
             <a:r>
               <a:rPr lang="en-US" dirty="0" err="1"/>
@@ -4619,7 +4619,7 @@
             </a:r>
             <a:r>
               <a:rPr lang="en-US" dirty="0"/>
-              <a:t> in range(range1[0],range2[0]+range1[0]):</a:t>
+              <a:t> in range(range1[0],range2[0]+range1[0]):   #out size</a:t>
             </a:r>
           </a:p>
           <a:p>
@@ -4653,7 +4653,7 @@
             </a:r>
             <a:r>
               <a:rPr lang="en-US" dirty="0"/>
-              <a:t>[i-range1[0]:i+range1[0],j- range1[1]:   	j+range1[1]]*kernel     </a:t>
+              <a:t>[i-range1[0]:i+range1[0],j- range1[1]: </a:t>
             </a:r>
           </a:p>
           <a:p>
@@ -4662,11 +4662,16 @@
             </a:pPr>
             <a:r>
               <a:rPr lang="en-US" dirty="0"/>
-              <a:t>            out[</a:t>
-            </a:r>
-            <a:r>
-              <a:rPr lang="en-US"/>
-              <a:t>i-range1[0],j-range1[1]]=</a:t>
+              <a:t>               j+range1[1]]*kernel     </a:t>
+            </a:r>
+          </a:p>
+          <a:p>
+            <a:pPr marL="0" indent="0" algn="l">
+              <a:buNone/>
+            </a:pPr>
+            <a:r>
+              <a:rPr lang="en-US" dirty="0"/>
+              <a:t>            out[i-range1[0],j-range1[1]]=</a:t>
             </a:r>
             <a:r>
               <a:rPr lang="en-US" dirty="0" err="1"/>
@@ -6526,7 +6531,7 @@
         </p:blipFill>
         <p:spPr>
           <a:xfrm>
-            <a:off x="838200" y="4402156"/>
+            <a:off x="1242461" y="3744440"/>
             <a:ext cx="3175622" cy="2226209"/>
           </a:xfrm>
           <a:prstGeom prst="rect">
@@ -6605,45 +6610,24 @@
             </a:r>
             <a:r>
               <a:rPr lang="he-IL" dirty="0" err="1"/>
-              <a:t>גאסואני</a:t>
+              <a:t>גאסואני,ורק</a:t>
             </a:r>
             <a:r>
               <a:rPr lang="he-IL" dirty="0"/>
-              <a:t>. במקום לעשות קונבולוציה על התמונה שלוש פעמים , נבצע קונבולוציה בין </a:t>
-            </a:r>
-            <a:r>
-              <a:rPr lang="he-IL" dirty="0" err="1"/>
-              <a:t>קרנל</a:t>
+              <a:t> לאחר מכן נבצע נגזרת על שני הצירים.</a:t>
+            </a:r>
+          </a:p>
+          <a:p>
+            <a:pPr marL="0" indent="0">
+              <a:buNone/>
+            </a:pPr>
+            <a:r>
+              <a:rPr lang="he-IL" b="1" u="sng" dirty="0"/>
+              <a:t>בעיה</a:t>
             </a:r>
             <a:r>
               <a:rPr lang="he-IL" dirty="0"/>
-              <a:t> הנגזרת לטשטוש. </a:t>
-            </a:r>
-          </a:p>
-          <a:p>
-            <a:pPr marL="0" indent="0">
-              <a:buNone/>
-            </a:pPr>
-            <a:r>
-              <a:rPr lang="he-IL" dirty="0"/>
-              <a:t>ניתן לבצע פעולה זאת בגלל </a:t>
-            </a:r>
-            <a:r>
-              <a:rPr lang="he-IL" dirty="0" err="1"/>
-              <a:t>שקונבולוציה</a:t>
-            </a:r>
-            <a:r>
-              <a:rPr lang="he-IL" dirty="0"/>
-              <a:t> היא פעולה אסוציאטיבית.</a:t>
-            </a:r>
-          </a:p>
-          <a:p>
-            <a:pPr marL="0" indent="0">
-              <a:buNone/>
-            </a:pPr>
-            <a:r>
-              <a:rPr lang="he-IL" dirty="0"/>
-              <a:t>בעיה: ביצוע הטשטוש יכול להעלים גם שפות אמיתיות ביחד עם הרעש של התמונה!</a:t>
+              <a:t>: ביצוע הטשטוש יכול להעלים גם שפות אמיתיות ביחד עם הרעש של התמונה!</a:t>
             </a:r>
           </a:p>
           <a:p>
@@ -6784,7 +6768,7 @@
             </a:pPr>
             <a:r>
               <a:rPr lang="he-IL" dirty="0"/>
-              <a:t>כאשר מצבעים טשטוש על ציר אחד הוא מעלים את הרעש ואת השפות בכיוון שלו אך לא את השפות בציר האורתוגונלי.</a:t>
+              <a:t>כאשר מבצעים טשטוש על ציר אחד הוא מעלים את הרעש ואת השפות בכיוון שלו אך לא את השפות בציר האורתוגונלי.</a:t>
             </a:r>
           </a:p>
           <a:p>

--- a/מצגת.pptx
+++ b/מצגת.pptx
@@ -32,19 +32,21 @@
     <p:sldId id="272" r:id="rId26"/>
     <p:sldId id="273" r:id="rId27"/>
     <p:sldId id="274" r:id="rId28"/>
-    <p:sldId id="275" r:id="rId29"/>
-    <p:sldId id="276" r:id="rId30"/>
-    <p:sldId id="277" r:id="rId31"/>
-    <p:sldId id="290" r:id="rId32"/>
-    <p:sldId id="291" r:id="rId33"/>
-    <p:sldId id="305" r:id="rId34"/>
-    <p:sldId id="278" r:id="rId35"/>
-    <p:sldId id="302" r:id="rId36"/>
-    <p:sldId id="299" r:id="rId37"/>
-    <p:sldId id="303" r:id="rId38"/>
-    <p:sldId id="300" r:id="rId39"/>
-    <p:sldId id="304" r:id="rId40"/>
-    <p:sldId id="289" r:id="rId41"/>
+    <p:sldId id="312" r:id="rId29"/>
+    <p:sldId id="313" r:id="rId30"/>
+    <p:sldId id="275" r:id="rId31"/>
+    <p:sldId id="276" r:id="rId32"/>
+    <p:sldId id="277" r:id="rId33"/>
+    <p:sldId id="290" r:id="rId34"/>
+    <p:sldId id="291" r:id="rId35"/>
+    <p:sldId id="305" r:id="rId36"/>
+    <p:sldId id="278" r:id="rId37"/>
+    <p:sldId id="302" r:id="rId38"/>
+    <p:sldId id="299" r:id="rId39"/>
+    <p:sldId id="303" r:id="rId40"/>
+    <p:sldId id="300" r:id="rId41"/>
+    <p:sldId id="304" r:id="rId42"/>
+    <p:sldId id="289" r:id="rId43"/>
   </p:sldIdLst>
   <p:sldSz cx="12192000" cy="6858000"/>
   <p:notesSz cx="6858000" cy="9144000"/>
@@ -298,7 +300,7 @@
           <a:p>
             <a:fld id="{E7F66D08-A57E-40CB-88ED-D27CE462D96E}" type="datetimeFigureOut">
               <a:rPr lang="he-IL" smtClean="0"/>
-              <a:t>י'/טבת/תש"פ</a:t>
+              <a:t>י"א/טבת/תש"פ</a:t>
             </a:fld>
             <a:endParaRPr lang="he-IL"/>
           </a:p>
@@ -496,7 +498,7 @@
           <a:p>
             <a:fld id="{E7F66D08-A57E-40CB-88ED-D27CE462D96E}" type="datetimeFigureOut">
               <a:rPr lang="he-IL" smtClean="0"/>
-              <a:t>י'/טבת/תש"פ</a:t>
+              <a:t>י"א/טבת/תש"פ</a:t>
             </a:fld>
             <a:endParaRPr lang="he-IL"/>
           </a:p>
@@ -704,7 +706,7 @@
           <a:p>
             <a:fld id="{E7F66D08-A57E-40CB-88ED-D27CE462D96E}" type="datetimeFigureOut">
               <a:rPr lang="he-IL" smtClean="0"/>
-              <a:t>י'/טבת/תש"פ</a:t>
+              <a:t>י"א/טבת/תש"פ</a:t>
             </a:fld>
             <a:endParaRPr lang="he-IL"/>
           </a:p>
@@ -902,7 +904,7 @@
           <a:p>
             <a:fld id="{E7F66D08-A57E-40CB-88ED-D27CE462D96E}" type="datetimeFigureOut">
               <a:rPr lang="he-IL" smtClean="0"/>
-              <a:t>י'/טבת/תש"פ</a:t>
+              <a:t>י"א/טבת/תש"פ</a:t>
             </a:fld>
             <a:endParaRPr lang="he-IL"/>
           </a:p>
@@ -1177,7 +1179,7 @@
           <a:p>
             <a:fld id="{E7F66D08-A57E-40CB-88ED-D27CE462D96E}" type="datetimeFigureOut">
               <a:rPr lang="he-IL" smtClean="0"/>
-              <a:t>י'/טבת/תש"פ</a:t>
+              <a:t>י"א/טבת/תש"פ</a:t>
             </a:fld>
             <a:endParaRPr lang="he-IL"/>
           </a:p>
@@ -1442,7 +1444,7 @@
           <a:p>
             <a:fld id="{E7F66D08-A57E-40CB-88ED-D27CE462D96E}" type="datetimeFigureOut">
               <a:rPr lang="he-IL" smtClean="0"/>
-              <a:t>י'/טבת/תש"פ</a:t>
+              <a:t>י"א/טבת/תש"פ</a:t>
             </a:fld>
             <a:endParaRPr lang="he-IL"/>
           </a:p>
@@ -1854,7 +1856,7 @@
           <a:p>
             <a:fld id="{E7F66D08-A57E-40CB-88ED-D27CE462D96E}" type="datetimeFigureOut">
               <a:rPr lang="he-IL" smtClean="0"/>
-              <a:t>י'/טבת/תש"פ</a:t>
+              <a:t>י"א/טבת/תש"פ</a:t>
             </a:fld>
             <a:endParaRPr lang="he-IL"/>
           </a:p>
@@ -1995,7 +1997,7 @@
           <a:p>
             <a:fld id="{E7F66D08-A57E-40CB-88ED-D27CE462D96E}" type="datetimeFigureOut">
               <a:rPr lang="he-IL" smtClean="0"/>
-              <a:t>י'/טבת/תש"פ</a:t>
+              <a:t>י"א/טבת/תש"פ</a:t>
             </a:fld>
             <a:endParaRPr lang="he-IL"/>
           </a:p>
@@ -2108,7 +2110,7 @@
           <a:p>
             <a:fld id="{E7F66D08-A57E-40CB-88ED-D27CE462D96E}" type="datetimeFigureOut">
               <a:rPr lang="he-IL" smtClean="0"/>
-              <a:t>י'/טבת/תש"פ</a:t>
+              <a:t>י"א/טבת/תש"פ</a:t>
             </a:fld>
             <a:endParaRPr lang="he-IL"/>
           </a:p>
@@ -2419,7 +2421,7 @@
           <a:p>
             <a:fld id="{E7F66D08-A57E-40CB-88ED-D27CE462D96E}" type="datetimeFigureOut">
               <a:rPr lang="he-IL" smtClean="0"/>
-              <a:t>י'/טבת/תש"פ</a:t>
+              <a:t>י"א/טבת/תש"פ</a:t>
             </a:fld>
             <a:endParaRPr lang="he-IL"/>
           </a:p>
@@ -2707,7 +2709,7 @@
           <a:p>
             <a:fld id="{E7F66D08-A57E-40CB-88ED-D27CE462D96E}" type="datetimeFigureOut">
               <a:rPr lang="he-IL" smtClean="0"/>
-              <a:t>י'/טבת/תש"פ</a:t>
+              <a:t>י"א/טבת/תש"פ</a:t>
             </a:fld>
             <a:endParaRPr lang="he-IL"/>
           </a:p>
@@ -2948,7 +2950,7 @@
           <a:p>
             <a:fld id="{E7F66D08-A57E-40CB-88ED-D27CE462D96E}" type="datetimeFigureOut">
               <a:rPr lang="he-IL" smtClean="0"/>
-              <a:t>י'/טבת/תש"פ</a:t>
+              <a:t>י"א/טבת/תש"פ</a:t>
             </a:fld>
             <a:endParaRPr lang="he-IL"/>
           </a:p>
@@ -7532,437 +7534,70 @@
           <a:chExt cx="0" cy="0"/>
         </a:xfrm>
       </p:grpSpPr>
-      <p:sp>
-        <p:nvSpPr>
-          <p:cNvPr id="2" name="כותרת 1">
-            <a:extLst>
-              <a:ext uri="{FF2B5EF4-FFF2-40B4-BE49-F238E27FC236}">
-                <a16:creationId xmlns:a16="http://schemas.microsoft.com/office/drawing/2014/main" id="{960E4BA2-440D-4CEC-985B-896779EABAE4}"/>
-              </a:ext>
-            </a:extLst>
-          </p:cNvPr>
-          <p:cNvSpPr>
-            <a:spLocks noGrp="1"/>
-          </p:cNvSpPr>
-          <p:nvPr>
-            <p:ph type="title"/>
-          </p:nvPr>
-        </p:nvSpPr>
-        <p:spPr/>
-        <p:txBody>
-          <a:bodyPr/>
-          <a:lstStyle/>
-          <a:p>
-            <a:r>
-              <a:rPr lang="he-IL" dirty="0"/>
-              <a:t>קוד</a:t>
-            </a:r>
-          </a:p>
-        </p:txBody>
-      </p:sp>
-      <p:sp>
-        <p:nvSpPr>
-          <p:cNvPr id="3" name="מציין מיקום תוכן 2">
-            <a:extLst>
-              <a:ext uri="{FF2B5EF4-FFF2-40B4-BE49-F238E27FC236}">
-                <a16:creationId xmlns:a16="http://schemas.microsoft.com/office/drawing/2014/main" id="{C6250252-BFFD-42D3-B176-EA73E020DB02}"/>
-              </a:ext>
-            </a:extLst>
-          </p:cNvPr>
-          <p:cNvSpPr>
-            <a:spLocks noGrp="1"/>
-          </p:cNvSpPr>
-          <p:nvPr>
-            <p:ph idx="1"/>
-          </p:nvPr>
-        </p:nvSpPr>
+      <p:pic>
+        <p:nvPicPr>
+          <p:cNvPr id="4" name="תמונה 3">
+            <a:extLst>
+              <a:ext uri="{FF2B5EF4-FFF2-40B4-BE49-F238E27FC236}">
+                <a16:creationId xmlns:a16="http://schemas.microsoft.com/office/drawing/2014/main" id="{97B7B55B-41AC-4160-AEB1-63E799C4805C}"/>
+              </a:ext>
+            </a:extLst>
+          </p:cNvPr>
+          <p:cNvPicPr>
+            <a:picLocks noChangeAspect="1"/>
+          </p:cNvPicPr>
+          <p:nvPr/>
+        </p:nvPicPr>
+        <p:blipFill>
+          <a:blip r:embed="rId2"/>
+          <a:stretch>
+            <a:fillRect/>
+          </a:stretch>
+        </p:blipFill>
         <p:spPr>
           <a:xfrm>
-            <a:off x="838200" y="0"/>
-            <a:ext cx="10515600" cy="6857999"/>
+            <a:off x="1214438" y="309161"/>
+            <a:ext cx="11361918" cy="2915302"/>
           </a:xfrm>
+          <a:prstGeom prst="rect">
+            <a:avLst/>
+          </a:prstGeom>
         </p:spPr>
-        <p:txBody>
-          <a:bodyPr>
-            <a:normAutofit fontScale="70000" lnSpcReduction="20000"/>
-          </a:bodyPr>
-          <a:lstStyle/>
-          <a:p>
-            <a:pPr marL="0" indent="0" algn="l" rtl="0">
-              <a:buNone/>
-            </a:pPr>
-            <a:r>
-              <a:rPr lang="en-US" dirty="0"/>
-              <a:t>#edge detection using LOG</a:t>
-            </a:r>
-          </a:p>
-          <a:p>
-            <a:pPr marL="0" indent="0" algn="l" rtl="0">
-              <a:buNone/>
-            </a:pPr>
-            <a:r>
-              <a:rPr lang="en-US" dirty="0"/>
-              <a:t>def </a:t>
-            </a:r>
-            <a:r>
-              <a:rPr lang="en-US" dirty="0" err="1"/>
-              <a:t>edgeDetectionZeroCrossingLOG</a:t>
-            </a:r>
-            <a:r>
-              <a:rPr lang="en-US" dirty="0"/>
-              <a:t>(</a:t>
-            </a:r>
-            <a:r>
-              <a:rPr lang="en-US" dirty="0" err="1"/>
-              <a:t>Img</a:t>
-            </a:r>
-            <a:r>
-              <a:rPr lang="en-US" dirty="0"/>
-              <a:t>):</a:t>
-            </a:r>
-          </a:p>
-          <a:p>
-            <a:pPr marL="0" indent="0" algn="l" rtl="0">
-              <a:buNone/>
-            </a:pPr>
-            <a:r>
-              <a:rPr lang="en-US" dirty="0"/>
-              <a:t>    size= </a:t>
-            </a:r>
-            <a:r>
-              <a:rPr lang="en-US" dirty="0" err="1"/>
-              <a:t>Img.shape</a:t>
-            </a:r>
-            <a:endParaRPr lang="en-US" dirty="0"/>
-          </a:p>
-          <a:p>
-            <a:pPr marL="0" indent="0" algn="l" rtl="0">
-              <a:buNone/>
-            </a:pPr>
-            <a:r>
-              <a:rPr lang="en-US" dirty="0"/>
-              <a:t>    G=</a:t>
-            </a:r>
-            <a:r>
-              <a:rPr lang="en-US" dirty="0" err="1"/>
-              <a:t>np.array</a:t>
-            </a:r>
-            <a:r>
-              <a:rPr lang="en-US" dirty="0"/>
-              <a:t>([[1,2,1],[2,4,2],[1,2,1]])/16</a:t>
-            </a:r>
-          </a:p>
-          <a:p>
-            <a:pPr marL="0" indent="0" algn="l" rtl="0">
-              <a:buNone/>
-            </a:pPr>
-            <a:r>
-              <a:rPr lang="en-US" dirty="0"/>
-              <a:t>    L=conv2D(</a:t>
-            </a:r>
-            <a:r>
-              <a:rPr lang="en-US" dirty="0" err="1"/>
-              <a:t>G,np.array</a:t>
-            </a:r>
-            <a:r>
-              <a:rPr lang="en-US" dirty="0"/>
-              <a:t>([[0,1,0],[1,-4,1],[0,1,0]]))</a:t>
-            </a:r>
-          </a:p>
-          <a:p>
-            <a:pPr marL="0" indent="0" algn="l" rtl="0">
-              <a:buNone/>
-            </a:pPr>
-            <a:r>
-              <a:rPr lang="en-US" dirty="0"/>
-              <a:t>    </a:t>
-            </a:r>
-            <a:r>
-              <a:rPr lang="en-US" dirty="0" err="1"/>
-              <a:t>LoGI</a:t>
-            </a:r>
-            <a:r>
-              <a:rPr lang="en-US" dirty="0"/>
-              <a:t>=conv2D(</a:t>
-            </a:r>
-            <a:r>
-              <a:rPr lang="en-US" dirty="0" err="1"/>
-              <a:t>Img,L</a:t>
-            </a:r>
-            <a:r>
-              <a:rPr lang="en-US" dirty="0"/>
-              <a:t>)</a:t>
-            </a:r>
-          </a:p>
-          <a:p>
-            <a:pPr marL="0" indent="0" algn="l" rtl="0">
-              <a:buNone/>
-            </a:pPr>
-            <a:r>
-              <a:rPr lang="en-US" dirty="0"/>
-              <a:t>    out=</a:t>
-            </a:r>
-            <a:r>
-              <a:rPr lang="en-US" dirty="0" err="1"/>
-              <a:t>np.zeros</a:t>
-            </a:r>
-            <a:r>
-              <a:rPr lang="en-US" dirty="0"/>
-              <a:t>(size)</a:t>
-            </a:r>
-          </a:p>
-          <a:p>
-            <a:pPr marL="0" indent="0" algn="l" rtl="0">
-              <a:buNone/>
-            </a:pPr>
-            <a:r>
-              <a:rPr lang="en-US" dirty="0"/>
-              <a:t>    thresh=</a:t>
-            </a:r>
-            <a:r>
-              <a:rPr lang="en-US" dirty="0" err="1"/>
-              <a:t>np.abs</a:t>
-            </a:r>
-            <a:r>
-              <a:rPr lang="en-US" dirty="0"/>
-              <a:t>(out).min()*0.75</a:t>
-            </a:r>
-          </a:p>
-          <a:p>
-            <a:pPr marL="0" indent="0" algn="l" rtl="0">
-              <a:buNone/>
-            </a:pPr>
-            <a:r>
-              <a:rPr lang="en-US" dirty="0"/>
-              <a:t>    for </a:t>
-            </a:r>
-            <a:r>
-              <a:rPr lang="en-US" dirty="0" err="1"/>
-              <a:t>i</a:t>
-            </a:r>
-            <a:r>
-              <a:rPr lang="en-US" dirty="0"/>
-              <a:t> in range(1,size[0]-1):</a:t>
-            </a:r>
-          </a:p>
-          <a:p>
-            <a:pPr marL="0" indent="0" algn="l" rtl="0">
-              <a:buNone/>
-            </a:pPr>
-            <a:r>
-              <a:rPr lang="en-US" dirty="0"/>
-              <a:t>        for j in range(1,size[1]-1):</a:t>
-            </a:r>
-          </a:p>
-          <a:p>
-            <a:pPr marL="0" indent="0" algn="l" rtl="0">
-              <a:buNone/>
-            </a:pPr>
-            <a:r>
-              <a:rPr lang="en-US" dirty="0"/>
-              <a:t>            patch=</a:t>
-            </a:r>
-            <a:r>
-              <a:rPr lang="en-US" dirty="0" err="1"/>
-              <a:t>LoGI</a:t>
-            </a:r>
-            <a:r>
-              <a:rPr lang="en-US" dirty="0"/>
-              <a:t>[i-1:i+1,j-1:j+1]</a:t>
-            </a:r>
-          </a:p>
-          <a:p>
-            <a:pPr marL="0" indent="0" algn="l" rtl="0">
-              <a:buNone/>
-            </a:pPr>
-            <a:r>
-              <a:rPr lang="en-US" dirty="0"/>
-              <a:t>            </a:t>
-            </a:r>
-            <a:r>
-              <a:rPr lang="en-US" dirty="0" err="1"/>
-              <a:t>minP</a:t>
-            </a:r>
-            <a:r>
-              <a:rPr lang="en-US" dirty="0"/>
-              <a:t>=</a:t>
-            </a:r>
-            <a:r>
-              <a:rPr lang="en-US" dirty="0" err="1"/>
-              <a:t>patch.min</a:t>
-            </a:r>
-            <a:r>
-              <a:rPr lang="en-US" dirty="0"/>
-              <a:t>()</a:t>
-            </a:r>
-          </a:p>
-          <a:p>
-            <a:pPr marL="0" indent="0" algn="l" rtl="0">
-              <a:buNone/>
-            </a:pPr>
-            <a:r>
-              <a:rPr lang="en-US" dirty="0"/>
-              <a:t>            </a:t>
-            </a:r>
-            <a:r>
-              <a:rPr lang="en-US" dirty="0" err="1"/>
-              <a:t>maxP</a:t>
-            </a:r>
-            <a:r>
-              <a:rPr lang="en-US" dirty="0"/>
-              <a:t>=</a:t>
-            </a:r>
-            <a:r>
-              <a:rPr lang="en-US" dirty="0" err="1"/>
-              <a:t>patch.max</a:t>
-            </a:r>
-            <a:r>
-              <a:rPr lang="en-US" dirty="0"/>
-              <a:t>()</a:t>
-            </a:r>
-          </a:p>
-          <a:p>
-            <a:pPr marL="0" indent="0" algn="l" rtl="0">
-              <a:buNone/>
-            </a:pPr>
-            <a:r>
-              <a:rPr lang="en-US" dirty="0"/>
-              <a:t>            if(</a:t>
-            </a:r>
-            <a:r>
-              <a:rPr lang="en-US" dirty="0" err="1"/>
-              <a:t>LoGI</a:t>
-            </a:r>
-            <a:r>
-              <a:rPr lang="en-US" dirty="0"/>
-              <a:t>[</a:t>
-            </a:r>
-            <a:r>
-              <a:rPr lang="en-US" dirty="0" err="1"/>
-              <a:t>i,j</a:t>
-            </a:r>
-            <a:r>
-              <a:rPr lang="en-US" dirty="0"/>
-              <a:t>]&gt;0):</a:t>
-            </a:r>
-          </a:p>
-          <a:p>
-            <a:pPr marL="0" indent="0" algn="l" rtl="0">
-              <a:buNone/>
-            </a:pPr>
-            <a:r>
-              <a:rPr lang="en-US" dirty="0"/>
-              <a:t>                </a:t>
-            </a:r>
-            <a:r>
-              <a:rPr lang="en-US" dirty="0" err="1"/>
-              <a:t>zeroCross</a:t>
-            </a:r>
-            <a:r>
-              <a:rPr lang="en-US" dirty="0"/>
-              <a:t>=True if </a:t>
-            </a:r>
-            <a:r>
-              <a:rPr lang="en-US" dirty="0" err="1"/>
-              <a:t>minP</a:t>
-            </a:r>
-            <a:r>
-              <a:rPr lang="en-US" dirty="0"/>
-              <a:t>&lt;0 else False</a:t>
-            </a:r>
-          </a:p>
-          <a:p>
-            <a:pPr marL="0" indent="0" algn="l" rtl="0">
-              <a:buNone/>
-            </a:pPr>
-            <a:r>
-              <a:rPr lang="en-US" dirty="0"/>
-              <a:t>            else:</a:t>
-            </a:r>
-          </a:p>
-          <a:p>
-            <a:pPr marL="0" indent="0" algn="l" rtl="0">
-              <a:buNone/>
-            </a:pPr>
-            <a:r>
-              <a:rPr lang="en-US" dirty="0"/>
-              <a:t>                </a:t>
-            </a:r>
-            <a:r>
-              <a:rPr lang="en-US" dirty="0" err="1"/>
-              <a:t>zeroCross</a:t>
-            </a:r>
-            <a:r>
-              <a:rPr lang="en-US" dirty="0"/>
-              <a:t>=True if </a:t>
-            </a:r>
-            <a:r>
-              <a:rPr lang="en-US" dirty="0" err="1"/>
-              <a:t>maxP</a:t>
-            </a:r>
-            <a:r>
-              <a:rPr lang="en-US" dirty="0"/>
-              <a:t>&gt;0 else False</a:t>
-            </a:r>
-          </a:p>
-          <a:p>
-            <a:pPr marL="0" indent="0" algn="l" rtl="0">
-              <a:buNone/>
-            </a:pPr>
-            <a:r>
-              <a:rPr lang="en-US" dirty="0"/>
-              <a:t>            if((</a:t>
-            </a:r>
-            <a:r>
-              <a:rPr lang="en-US" dirty="0" err="1"/>
-              <a:t>maxP-minP</a:t>
-            </a:r>
-            <a:r>
-              <a:rPr lang="en-US" dirty="0"/>
-              <a:t>)&gt;thresh)and </a:t>
-            </a:r>
-            <a:r>
-              <a:rPr lang="en-US" dirty="0" err="1"/>
-              <a:t>zeroCross</a:t>
-            </a:r>
-            <a:r>
-              <a:rPr lang="en-US" dirty="0"/>
-              <a:t>:</a:t>
-            </a:r>
-          </a:p>
-          <a:p>
-            <a:pPr marL="0" indent="0" algn="l" rtl="0">
-              <a:buNone/>
-            </a:pPr>
-            <a:r>
-              <a:rPr lang="en-US" dirty="0"/>
-              <a:t>                out[</a:t>
-            </a:r>
-            <a:r>
-              <a:rPr lang="en-US" dirty="0" err="1"/>
-              <a:t>i,j</a:t>
-            </a:r>
-            <a:r>
-              <a:rPr lang="en-US" dirty="0"/>
-              <a:t>]=1</a:t>
-            </a:r>
-          </a:p>
-          <a:p>
-            <a:pPr marL="0" indent="0" algn="l" rtl="0">
-              <a:buNone/>
-            </a:pPr>
-            <a:r>
-              <a:rPr lang="en-US" dirty="0"/>
-              <a:t>    return out</a:t>
-            </a:r>
-            <a:endParaRPr lang="he-IL" dirty="0"/>
-          </a:p>
-        </p:txBody>
-      </p:sp>
+      </p:pic>
+      <p:pic>
+        <p:nvPicPr>
+          <p:cNvPr id="5" name="תמונה 4">
+            <a:extLst>
+              <a:ext uri="{FF2B5EF4-FFF2-40B4-BE49-F238E27FC236}">
+                <a16:creationId xmlns:a16="http://schemas.microsoft.com/office/drawing/2014/main" id="{6435B2DB-1563-4A48-B758-7657F22CD54C}"/>
+              </a:ext>
+            </a:extLst>
+          </p:cNvPr>
+          <p:cNvPicPr>
+            <a:picLocks noChangeAspect="1"/>
+          </p:cNvPicPr>
+          <p:nvPr/>
+        </p:nvPicPr>
+        <p:blipFill>
+          <a:blip r:embed="rId3"/>
+          <a:stretch>
+            <a:fillRect/>
+          </a:stretch>
+        </p:blipFill>
+        <p:spPr>
+          <a:xfrm>
+            <a:off x="1892166" y="3429000"/>
+            <a:ext cx="10086323" cy="2280386"/>
+          </a:xfrm>
+          <a:prstGeom prst="rect">
+            <a:avLst/>
+          </a:prstGeom>
+        </p:spPr>
+      </p:pic>
     </p:spTree>
     <p:extLst>
       <p:ext uri="{BB962C8B-B14F-4D97-AF65-F5344CB8AC3E}">
-        <p14:creationId xmlns:p14="http://schemas.microsoft.com/office/powerpoint/2010/main" val="3468793839"/>
+        <p14:creationId xmlns:p14="http://schemas.microsoft.com/office/powerpoint/2010/main" val="1875938647"/>
       </p:ext>
     </p:extLst>
   </p:cSld>
@@ -7989,77 +7624,12 @@
           <a:chExt cx="0" cy="0"/>
         </a:xfrm>
       </p:grpSpPr>
-      <p:sp>
-        <p:nvSpPr>
-          <p:cNvPr id="2" name="כותרת 1">
-            <a:extLst>
-              <a:ext uri="{FF2B5EF4-FFF2-40B4-BE49-F238E27FC236}">
-                <a16:creationId xmlns:a16="http://schemas.microsoft.com/office/drawing/2014/main" id="{44158B05-7BEE-4351-9857-4DD932F62F63}"/>
-              </a:ext>
-            </a:extLst>
-          </p:cNvPr>
-          <p:cNvSpPr>
-            <a:spLocks noGrp="1"/>
-          </p:cNvSpPr>
-          <p:nvPr>
-            <p:ph type="title"/>
-          </p:nvPr>
-        </p:nvSpPr>
-        <p:spPr/>
-        <p:txBody>
-          <a:bodyPr/>
-          <a:lstStyle/>
-          <a:p>
-            <a:r>
-              <a:rPr lang="he-IL" dirty="0"/>
-              <a:t>בעיה:</a:t>
-            </a:r>
-          </a:p>
-        </p:txBody>
-      </p:sp>
-      <p:sp>
-        <p:nvSpPr>
-          <p:cNvPr id="3" name="מציין מיקום תוכן 2">
-            <a:extLst>
-              <a:ext uri="{FF2B5EF4-FFF2-40B4-BE49-F238E27FC236}">
-                <a16:creationId xmlns:a16="http://schemas.microsoft.com/office/drawing/2014/main" id="{F10AD5B5-1E19-4E8B-8C20-40D638AD2AEF}"/>
-              </a:ext>
-            </a:extLst>
-          </p:cNvPr>
-          <p:cNvSpPr>
-            <a:spLocks noGrp="1"/>
-          </p:cNvSpPr>
-          <p:nvPr>
-            <p:ph idx="1"/>
-          </p:nvPr>
-        </p:nvSpPr>
-        <p:spPr/>
-        <p:txBody>
-          <a:bodyPr/>
-          <a:lstStyle/>
-          <a:p>
-            <a:pPr marL="0" indent="0">
-              <a:buNone/>
-            </a:pPr>
-            <a:r>
-              <a:rPr lang="he-IL" dirty="0"/>
-              <a:t>האלגוריתם אינו עובד טוב בזיהוי השפות שנמצאות בקצוות:</a:t>
-            </a:r>
-          </a:p>
-          <a:p>
-            <a:pPr marL="0" indent="0">
-              <a:buNone/>
-            </a:pPr>
-            <a:endParaRPr lang="he-IL" dirty="0"/>
-          </a:p>
-        </p:txBody>
-      </p:sp>
       <p:pic>
         <p:nvPicPr>
           <p:cNvPr id="4" name="תמונה 3">
             <a:extLst>
               <a:ext uri="{FF2B5EF4-FFF2-40B4-BE49-F238E27FC236}">
-                <a16:creationId xmlns:a16="http://schemas.microsoft.com/office/drawing/2014/main" id="{AED67C0C-BA9F-424E-AEFC-31A937217A5C}"/>
+                <a16:creationId xmlns:a16="http://schemas.microsoft.com/office/drawing/2014/main" id="{AF352653-E90F-4449-8116-06A6DC030734}"/>
               </a:ext>
             </a:extLst>
           </p:cNvPr>
@@ -8076,8 +7646,8 @@
         </p:blipFill>
         <p:spPr>
           <a:xfrm>
-            <a:off x="2254588" y="2836456"/>
-            <a:ext cx="8146148" cy="3340507"/>
+            <a:off x="142875" y="385762"/>
+            <a:ext cx="11906250" cy="6086475"/>
           </a:xfrm>
           <a:prstGeom prst="rect">
             <a:avLst/>
@@ -8087,7 +7657,7 @@
     </p:spTree>
     <p:extLst>
       <p:ext uri="{BB962C8B-B14F-4D97-AF65-F5344CB8AC3E}">
-        <p14:creationId xmlns:p14="http://schemas.microsoft.com/office/powerpoint/2010/main" val="2984412459"/>
+        <p14:creationId xmlns:p14="http://schemas.microsoft.com/office/powerpoint/2010/main" val="379587727"/>
       </p:ext>
     </p:extLst>
   </p:cSld>
@@ -8129,7 +7699,7 @@
         <p:spPr>
           <a:xfrm>
             <a:off x="885524" y="269507"/>
-            <a:ext cx="10876548" cy="1384995"/>
+            <a:ext cx="10876548" cy="1815882"/>
           </a:xfrm>
           <a:prstGeom prst="rect">
             <a:avLst/>
@@ -8152,7 +7722,7 @@
             </a:r>
             <a:r>
               <a:rPr lang="he-IL" sz="2800" dirty="0"/>
-              <a:t> מייצג חוזק של אור , כאשר 0 זה שחור ו255 זה לבן.</a:t>
+              <a:t> מייצג חוזק של אור , כאשר 0 זה שחור ו255 זה לבן, ניתן לנרמל את התמונה שהתווך יהיה בין 0 ל1.</a:t>
             </a:r>
           </a:p>
           <a:p>
@@ -8302,6 +7872,563 @@
           <p:cNvPr id="2" name="כותרת 1">
             <a:extLst>
               <a:ext uri="{FF2B5EF4-FFF2-40B4-BE49-F238E27FC236}">
+                <a16:creationId xmlns:a16="http://schemas.microsoft.com/office/drawing/2014/main" id="{960E4BA2-440D-4CEC-985B-896779EABAE4}"/>
+              </a:ext>
+            </a:extLst>
+          </p:cNvPr>
+          <p:cNvSpPr>
+            <a:spLocks noGrp="1"/>
+          </p:cNvSpPr>
+          <p:nvPr>
+            <p:ph type="title"/>
+          </p:nvPr>
+        </p:nvSpPr>
+        <p:spPr/>
+        <p:txBody>
+          <a:bodyPr/>
+          <a:lstStyle/>
+          <a:p>
+            <a:r>
+              <a:rPr lang="he-IL" dirty="0"/>
+              <a:t>קוד</a:t>
+            </a:r>
+          </a:p>
+        </p:txBody>
+      </p:sp>
+      <p:sp>
+        <p:nvSpPr>
+          <p:cNvPr id="3" name="מציין מיקום תוכן 2">
+            <a:extLst>
+              <a:ext uri="{FF2B5EF4-FFF2-40B4-BE49-F238E27FC236}">
+                <a16:creationId xmlns:a16="http://schemas.microsoft.com/office/drawing/2014/main" id="{C6250252-BFFD-42D3-B176-EA73E020DB02}"/>
+              </a:ext>
+            </a:extLst>
+          </p:cNvPr>
+          <p:cNvSpPr>
+            <a:spLocks noGrp="1"/>
+          </p:cNvSpPr>
+          <p:nvPr>
+            <p:ph idx="1"/>
+          </p:nvPr>
+        </p:nvSpPr>
+        <p:spPr>
+          <a:xfrm>
+            <a:off x="838200" y="0"/>
+            <a:ext cx="10515600" cy="6857999"/>
+          </a:xfrm>
+        </p:spPr>
+        <p:txBody>
+          <a:bodyPr>
+            <a:normAutofit fontScale="77500" lnSpcReduction="20000"/>
+          </a:bodyPr>
+          <a:lstStyle/>
+          <a:p>
+            <a:pPr marL="0" indent="0" algn="l" rtl="0">
+              <a:buNone/>
+            </a:pPr>
+            <a:r>
+              <a:rPr lang="en-US" dirty="0"/>
+              <a:t>#edge detection using LOG</a:t>
+            </a:r>
+          </a:p>
+          <a:p>
+            <a:pPr marL="0" indent="0" algn="l" rtl="0">
+              <a:buNone/>
+            </a:pPr>
+            <a:r>
+              <a:rPr lang="en-US" dirty="0"/>
+              <a:t>def </a:t>
+            </a:r>
+            <a:r>
+              <a:rPr lang="en-US" dirty="0" err="1"/>
+              <a:t>edgeDetectionZeroCrossingLOG</a:t>
+            </a:r>
+            <a:r>
+              <a:rPr lang="en-US" dirty="0"/>
+              <a:t>(</a:t>
+            </a:r>
+            <a:r>
+              <a:rPr lang="en-US" dirty="0" err="1"/>
+              <a:t>Img</a:t>
+            </a:r>
+            <a:r>
+              <a:rPr lang="en-US" dirty="0"/>
+              <a:t>):</a:t>
+            </a:r>
+          </a:p>
+          <a:p>
+            <a:pPr marL="0" indent="0" algn="l" rtl="0">
+              <a:buNone/>
+            </a:pPr>
+            <a:r>
+              <a:rPr lang="en-US" dirty="0"/>
+              <a:t>    size= </a:t>
+            </a:r>
+            <a:r>
+              <a:rPr lang="en-US" dirty="0" err="1"/>
+              <a:t>Img.shape</a:t>
+            </a:r>
+            <a:endParaRPr lang="en-US" dirty="0"/>
+          </a:p>
+          <a:p>
+            <a:pPr marL="0" indent="0" algn="l" rtl="0">
+              <a:buNone/>
+            </a:pPr>
+            <a:r>
+              <a:rPr lang="en-US" dirty="0"/>
+              <a:t>    G=</a:t>
+            </a:r>
+            <a:r>
+              <a:rPr lang="en-US" dirty="0" err="1"/>
+              <a:t>np.array</a:t>
+            </a:r>
+            <a:r>
+              <a:rPr lang="en-US" dirty="0"/>
+              <a:t>([[1,2,1],[2,4,2],[1,2,1]])/16</a:t>
+            </a:r>
+          </a:p>
+          <a:p>
+            <a:pPr marL="0" indent="0" algn="l" rtl="0">
+              <a:buNone/>
+            </a:pPr>
+            <a:r>
+              <a:rPr lang="en-US" dirty="0"/>
+              <a:t>    L=conv2D(</a:t>
+            </a:r>
+            <a:r>
+              <a:rPr lang="en-US" dirty="0" err="1"/>
+              <a:t>G,np.array</a:t>
+            </a:r>
+            <a:r>
+              <a:rPr lang="en-US" dirty="0"/>
+              <a:t>([[0,1,0],[1,-4,1],[0,1,0]]))</a:t>
+            </a:r>
+          </a:p>
+          <a:p>
+            <a:pPr marL="0" indent="0" algn="l" rtl="0">
+              <a:buNone/>
+            </a:pPr>
+            <a:r>
+              <a:rPr lang="en-US" dirty="0"/>
+              <a:t>    </a:t>
+            </a:r>
+            <a:r>
+              <a:rPr lang="en-US" dirty="0" err="1"/>
+              <a:t>LoGI</a:t>
+            </a:r>
+            <a:r>
+              <a:rPr lang="en-US" dirty="0"/>
+              <a:t>=conv2D(</a:t>
+            </a:r>
+            <a:r>
+              <a:rPr lang="en-US" dirty="0" err="1"/>
+              <a:t>Img,L</a:t>
+            </a:r>
+            <a:r>
+              <a:rPr lang="en-US" dirty="0"/>
+              <a:t>)</a:t>
+            </a:r>
+          </a:p>
+          <a:p>
+            <a:pPr marL="0" indent="0" algn="l" rtl="0">
+              <a:buNone/>
+            </a:pPr>
+            <a:r>
+              <a:rPr lang="en-US" dirty="0"/>
+              <a:t>    out=</a:t>
+            </a:r>
+            <a:r>
+              <a:rPr lang="en-US" dirty="0" err="1"/>
+              <a:t>np.zeros</a:t>
+            </a:r>
+            <a:r>
+              <a:rPr lang="en-US" dirty="0"/>
+              <a:t>(size)</a:t>
+            </a:r>
+          </a:p>
+          <a:p>
+            <a:pPr marL="0" indent="0" algn="l" rtl="0">
+              <a:buNone/>
+            </a:pPr>
+            <a:r>
+              <a:rPr lang="en-US" dirty="0"/>
+              <a:t>for </a:t>
+            </a:r>
+            <a:r>
+              <a:rPr lang="en-US" dirty="0" err="1"/>
+              <a:t>i</a:t>
+            </a:r>
+            <a:r>
+              <a:rPr lang="en-US" dirty="0"/>
+              <a:t> in range(1,size[0]-1):</a:t>
+            </a:r>
+          </a:p>
+          <a:p>
+            <a:pPr marL="0" indent="0" algn="l" rtl="0">
+              <a:buNone/>
+            </a:pPr>
+            <a:r>
+              <a:rPr lang="en-US" dirty="0"/>
+              <a:t>        for j in range(1,size[1]-1):</a:t>
+            </a:r>
+          </a:p>
+          <a:p>
+            <a:pPr marL="0" indent="0" algn="l" rtl="0">
+              <a:buNone/>
+            </a:pPr>
+            <a:r>
+              <a:rPr lang="en-US" dirty="0"/>
+              <a:t>            patch=</a:t>
+            </a:r>
+            <a:r>
+              <a:rPr lang="en-US" dirty="0" err="1"/>
+              <a:t>LoGI</a:t>
+            </a:r>
+            <a:r>
+              <a:rPr lang="en-US" dirty="0"/>
+              <a:t>[i-1:i+1,j-1:j+1]</a:t>
+            </a:r>
+          </a:p>
+          <a:p>
+            <a:pPr marL="0" indent="0" algn="l" rtl="0">
+              <a:buNone/>
+            </a:pPr>
+            <a:r>
+              <a:rPr lang="en-US" dirty="0"/>
+              <a:t>            </a:t>
+            </a:r>
+            <a:r>
+              <a:rPr lang="en-US" dirty="0" err="1"/>
+              <a:t>minP</a:t>
+            </a:r>
+            <a:r>
+              <a:rPr lang="en-US" dirty="0"/>
+              <a:t>=</a:t>
+            </a:r>
+            <a:r>
+              <a:rPr lang="en-US" dirty="0" err="1"/>
+              <a:t>patch.min</a:t>
+            </a:r>
+            <a:r>
+              <a:rPr lang="en-US" dirty="0"/>
+              <a:t>()</a:t>
+            </a:r>
+          </a:p>
+          <a:p>
+            <a:pPr marL="0" indent="0" algn="l" rtl="0">
+              <a:buNone/>
+            </a:pPr>
+            <a:r>
+              <a:rPr lang="en-US" dirty="0"/>
+              <a:t>            </a:t>
+            </a:r>
+            <a:r>
+              <a:rPr lang="en-US" dirty="0" err="1"/>
+              <a:t>maxP</a:t>
+            </a:r>
+            <a:r>
+              <a:rPr lang="en-US" dirty="0"/>
+              <a:t>=</a:t>
+            </a:r>
+            <a:r>
+              <a:rPr lang="en-US" dirty="0" err="1"/>
+              <a:t>patch.max</a:t>
+            </a:r>
+            <a:r>
+              <a:rPr lang="en-US" dirty="0"/>
+              <a:t>()</a:t>
+            </a:r>
+          </a:p>
+          <a:p>
+            <a:pPr marL="0" indent="0" algn="l" rtl="0">
+              <a:buNone/>
+            </a:pPr>
+            <a:r>
+              <a:rPr lang="en-US" dirty="0"/>
+              <a:t>            if(</a:t>
+            </a:r>
+            <a:r>
+              <a:rPr lang="en-US" dirty="0" err="1"/>
+              <a:t>LoGI</a:t>
+            </a:r>
+            <a:r>
+              <a:rPr lang="en-US" dirty="0"/>
+              <a:t>[</a:t>
+            </a:r>
+            <a:r>
+              <a:rPr lang="en-US" dirty="0" err="1"/>
+              <a:t>i,j</a:t>
+            </a:r>
+            <a:r>
+              <a:rPr lang="en-US" dirty="0"/>
+              <a:t>]&gt;0):</a:t>
+            </a:r>
+          </a:p>
+          <a:p>
+            <a:pPr marL="0" indent="0" algn="l" rtl="0">
+              <a:buNone/>
+            </a:pPr>
+            <a:r>
+              <a:rPr lang="en-US" dirty="0"/>
+              <a:t>                </a:t>
+            </a:r>
+            <a:r>
+              <a:rPr lang="en-US" dirty="0" err="1"/>
+              <a:t>zeroCross</a:t>
+            </a:r>
+            <a:r>
+              <a:rPr lang="en-US" dirty="0"/>
+              <a:t>=True if </a:t>
+            </a:r>
+            <a:r>
+              <a:rPr lang="en-US" dirty="0" err="1"/>
+              <a:t>minP</a:t>
+            </a:r>
+            <a:r>
+              <a:rPr lang="en-US" dirty="0"/>
+              <a:t>&lt;0 else False</a:t>
+            </a:r>
+          </a:p>
+          <a:p>
+            <a:pPr marL="0" indent="0" algn="l" rtl="0">
+              <a:buNone/>
+            </a:pPr>
+            <a:r>
+              <a:rPr lang="en-US" dirty="0"/>
+              <a:t>            else:</a:t>
+            </a:r>
+          </a:p>
+          <a:p>
+            <a:pPr marL="0" indent="0" algn="l" rtl="0">
+              <a:buNone/>
+            </a:pPr>
+            <a:r>
+              <a:rPr lang="en-US" dirty="0"/>
+              <a:t>                </a:t>
+            </a:r>
+            <a:r>
+              <a:rPr lang="en-US" dirty="0" err="1"/>
+              <a:t>zeroCross</a:t>
+            </a:r>
+            <a:r>
+              <a:rPr lang="en-US" dirty="0"/>
+              <a:t>=True if </a:t>
+            </a:r>
+            <a:r>
+              <a:rPr lang="en-US" dirty="0" err="1"/>
+              <a:t>maxP</a:t>
+            </a:r>
+            <a:r>
+              <a:rPr lang="en-US" dirty="0"/>
+              <a:t>&gt;0 else False</a:t>
+            </a:r>
+          </a:p>
+          <a:p>
+            <a:pPr marL="0" indent="0" algn="l" rtl="0">
+              <a:buNone/>
+            </a:pPr>
+            <a:r>
+              <a:rPr lang="en-US" dirty="0"/>
+              <a:t>            if </a:t>
+            </a:r>
+            <a:r>
+              <a:rPr lang="en-US" dirty="0" err="1"/>
+              <a:t>zeroCross</a:t>
+            </a:r>
+            <a:r>
+              <a:rPr lang="en-US" dirty="0"/>
+              <a:t>:</a:t>
+            </a:r>
+          </a:p>
+          <a:p>
+            <a:pPr marL="0" indent="0" algn="l" rtl="0">
+              <a:buNone/>
+            </a:pPr>
+            <a:r>
+              <a:rPr lang="en-US" dirty="0"/>
+              <a:t>                out[</a:t>
+            </a:r>
+            <a:r>
+              <a:rPr lang="en-US" dirty="0" err="1"/>
+              <a:t>i,j</a:t>
+            </a:r>
+            <a:r>
+              <a:rPr lang="en-US" dirty="0"/>
+              <a:t>]=1</a:t>
+            </a:r>
+          </a:p>
+          <a:p>
+            <a:pPr marL="0" indent="0" algn="l" rtl="0">
+              <a:buNone/>
+            </a:pPr>
+            <a:r>
+              <a:rPr lang="en-US" dirty="0"/>
+              <a:t>    return out</a:t>
+            </a:r>
+            <a:endParaRPr lang="he-IL" dirty="0"/>
+          </a:p>
+        </p:txBody>
+      </p:sp>
+    </p:spTree>
+    <p:extLst>
+      <p:ext uri="{BB962C8B-B14F-4D97-AF65-F5344CB8AC3E}">
+        <p14:creationId xmlns:p14="http://schemas.microsoft.com/office/powerpoint/2010/main" val="3468793839"/>
+      </p:ext>
+    </p:extLst>
+  </p:cSld>
+  <p:clrMapOvr>
+    <a:masterClrMapping/>
+  </p:clrMapOvr>
+</p:sld>
+</file>
+
+<file path=ppt/slides/slide31.xml><?xml version="1.0" encoding="utf-8"?>
+<p:sld xmlns:a="http://schemas.openxmlformats.org/drawingml/2006/main" xmlns:r="http://schemas.openxmlformats.org/officeDocument/2006/relationships" xmlns:p="http://schemas.openxmlformats.org/presentationml/2006/main">
+  <p:cSld>
+    <p:spTree>
+      <p:nvGrpSpPr>
+        <p:cNvPr id="1" name=""/>
+        <p:cNvGrpSpPr/>
+        <p:nvPr/>
+      </p:nvGrpSpPr>
+      <p:grpSpPr>
+        <a:xfrm>
+          <a:off x="0" y="0"/>
+          <a:ext cx="0" cy="0"/>
+          <a:chOff x="0" y="0"/>
+          <a:chExt cx="0" cy="0"/>
+        </a:xfrm>
+      </p:grpSpPr>
+      <p:sp>
+        <p:nvSpPr>
+          <p:cNvPr id="2" name="כותרת 1">
+            <a:extLst>
+              <a:ext uri="{FF2B5EF4-FFF2-40B4-BE49-F238E27FC236}">
+                <a16:creationId xmlns:a16="http://schemas.microsoft.com/office/drawing/2014/main" id="{44158B05-7BEE-4351-9857-4DD932F62F63}"/>
+              </a:ext>
+            </a:extLst>
+          </p:cNvPr>
+          <p:cNvSpPr>
+            <a:spLocks noGrp="1"/>
+          </p:cNvSpPr>
+          <p:nvPr>
+            <p:ph type="title"/>
+          </p:nvPr>
+        </p:nvSpPr>
+        <p:spPr/>
+        <p:txBody>
+          <a:bodyPr/>
+          <a:lstStyle/>
+          <a:p>
+            <a:r>
+              <a:rPr lang="he-IL" dirty="0"/>
+              <a:t>בעיה:</a:t>
+            </a:r>
+          </a:p>
+        </p:txBody>
+      </p:sp>
+      <p:sp>
+        <p:nvSpPr>
+          <p:cNvPr id="3" name="מציין מיקום תוכן 2">
+            <a:extLst>
+              <a:ext uri="{FF2B5EF4-FFF2-40B4-BE49-F238E27FC236}">
+                <a16:creationId xmlns:a16="http://schemas.microsoft.com/office/drawing/2014/main" id="{F10AD5B5-1E19-4E8B-8C20-40D638AD2AEF}"/>
+              </a:ext>
+            </a:extLst>
+          </p:cNvPr>
+          <p:cNvSpPr>
+            <a:spLocks noGrp="1"/>
+          </p:cNvSpPr>
+          <p:nvPr>
+            <p:ph idx="1"/>
+          </p:nvPr>
+        </p:nvSpPr>
+        <p:spPr/>
+        <p:txBody>
+          <a:bodyPr/>
+          <a:lstStyle/>
+          <a:p>
+            <a:pPr marL="0" indent="0">
+              <a:buNone/>
+            </a:pPr>
+            <a:r>
+              <a:rPr lang="he-IL" dirty="0"/>
+              <a:t>האלגוריתם אינו עובד טוב בזיהוי השפות שנמצאות בקצוות:</a:t>
+            </a:r>
+          </a:p>
+          <a:p>
+            <a:pPr marL="0" indent="0">
+              <a:buNone/>
+            </a:pPr>
+            <a:endParaRPr lang="he-IL" dirty="0"/>
+          </a:p>
+        </p:txBody>
+      </p:sp>
+      <p:pic>
+        <p:nvPicPr>
+          <p:cNvPr id="4" name="תמונה 3">
+            <a:extLst>
+              <a:ext uri="{FF2B5EF4-FFF2-40B4-BE49-F238E27FC236}">
+                <a16:creationId xmlns:a16="http://schemas.microsoft.com/office/drawing/2014/main" id="{AED67C0C-BA9F-424E-AEFC-31A937217A5C}"/>
+              </a:ext>
+            </a:extLst>
+          </p:cNvPr>
+          <p:cNvPicPr>
+            <a:picLocks noChangeAspect="1"/>
+          </p:cNvPicPr>
+          <p:nvPr/>
+        </p:nvPicPr>
+        <p:blipFill>
+          <a:blip r:embed="rId2"/>
+          <a:stretch>
+            <a:fillRect/>
+          </a:stretch>
+        </p:blipFill>
+        <p:spPr>
+          <a:xfrm>
+            <a:off x="2254588" y="2836456"/>
+            <a:ext cx="8146148" cy="3340507"/>
+          </a:xfrm>
+          <a:prstGeom prst="rect">
+            <a:avLst/>
+          </a:prstGeom>
+        </p:spPr>
+      </p:pic>
+    </p:spTree>
+    <p:extLst>
+      <p:ext uri="{BB962C8B-B14F-4D97-AF65-F5344CB8AC3E}">
+        <p14:creationId xmlns:p14="http://schemas.microsoft.com/office/powerpoint/2010/main" val="2984412459"/>
+      </p:ext>
+    </p:extLst>
+  </p:cSld>
+  <p:clrMapOvr>
+    <a:masterClrMapping/>
+  </p:clrMapOvr>
+</p:sld>
+</file>
+
+<file path=ppt/slides/slide32.xml><?xml version="1.0" encoding="utf-8"?>
+<p:sld xmlns:a="http://schemas.openxmlformats.org/drawingml/2006/main" xmlns:r="http://schemas.openxmlformats.org/officeDocument/2006/relationships" xmlns:p="http://schemas.openxmlformats.org/presentationml/2006/main">
+  <p:cSld>
+    <p:spTree>
+      <p:nvGrpSpPr>
+        <p:cNvPr id="1" name=""/>
+        <p:cNvGrpSpPr/>
+        <p:nvPr/>
+      </p:nvGrpSpPr>
+      <p:grpSpPr>
+        <a:xfrm>
+          <a:off x="0" y="0"/>
+          <a:ext cx="0" cy="0"/>
+          <a:chOff x="0" y="0"/>
+          <a:chExt cx="0" cy="0"/>
+        </a:xfrm>
+      </p:grpSpPr>
+      <p:sp>
+        <p:nvSpPr>
+          <p:cNvPr id="2" name="כותרת 1">
+            <a:extLst>
+              <a:ext uri="{FF2B5EF4-FFF2-40B4-BE49-F238E27FC236}">
                 <a16:creationId xmlns:a16="http://schemas.microsoft.com/office/drawing/2014/main" id="{CB508316-045E-466F-870A-A55A4BBAF197}"/>
               </a:ext>
             </a:extLst>
@@ -8406,7 +8533,7 @@
 </p:sld>
 </file>
 
-<file path=ppt/slides/slide31.xml><?xml version="1.0" encoding="utf-8"?>
+<file path=ppt/slides/slide33.xml><?xml version="1.0" encoding="utf-8"?>
 <p:sld xmlns:a="http://schemas.openxmlformats.org/drawingml/2006/main" xmlns:r="http://schemas.openxmlformats.org/officeDocument/2006/relationships" xmlns:p="http://schemas.openxmlformats.org/presentationml/2006/main">
   <p:cSld>
     <p:spTree>
@@ -8650,7 +8777,7 @@
 </p:sld>
 </file>
 
-<file path=ppt/slides/slide32.xml><?xml version="1.0" encoding="utf-8"?>
+<file path=ppt/slides/slide34.xml><?xml version="1.0" encoding="utf-8"?>
 <p:sld xmlns:a="http://schemas.openxmlformats.org/drawingml/2006/main" xmlns:r="http://schemas.openxmlformats.org/officeDocument/2006/relationships" xmlns:p="http://schemas.openxmlformats.org/presentationml/2006/main">
   <p:cSld>
     <p:spTree>
@@ -8813,7 +8940,7 @@
 </p:sld>
 </file>
 
-<file path=ppt/slides/slide33.xml><?xml version="1.0" encoding="utf-8"?>
+<file path=ppt/slides/slide35.xml><?xml version="1.0" encoding="utf-8"?>
 <p:sld xmlns:a="http://schemas.openxmlformats.org/drawingml/2006/main" xmlns:r="http://schemas.openxmlformats.org/officeDocument/2006/relationships" xmlns:p="http://schemas.openxmlformats.org/presentationml/2006/main">
   <p:cSld>
     <p:spTree>
@@ -8873,957 +9000,6 @@
 </p:sld>
 </file>
 
-<file path=ppt/slides/slide34.xml><?xml version="1.0" encoding="utf-8"?>
-<p:sld xmlns:a="http://schemas.openxmlformats.org/drawingml/2006/main" xmlns:r="http://schemas.openxmlformats.org/officeDocument/2006/relationships" xmlns:p="http://schemas.openxmlformats.org/presentationml/2006/main">
-  <p:cSld>
-    <p:spTree>
-      <p:nvGrpSpPr>
-        <p:cNvPr id="1" name=""/>
-        <p:cNvGrpSpPr/>
-        <p:nvPr/>
-      </p:nvGrpSpPr>
-      <p:grpSpPr>
-        <a:xfrm>
-          <a:off x="0" y="0"/>
-          <a:ext cx="0" cy="0"/>
-          <a:chOff x="0" y="0"/>
-          <a:chExt cx="0" cy="0"/>
-        </a:xfrm>
-      </p:grpSpPr>
-      <p:sp>
-        <p:nvSpPr>
-          <p:cNvPr id="3" name="מציין מיקום תוכן 2">
-            <a:extLst>
-              <a:ext uri="{FF2B5EF4-FFF2-40B4-BE49-F238E27FC236}">
-                <a16:creationId xmlns:a16="http://schemas.microsoft.com/office/drawing/2014/main" id="{BF9C3255-F55E-4EFB-AB8B-B257307AF053}"/>
-              </a:ext>
-            </a:extLst>
-          </p:cNvPr>
-          <p:cNvSpPr>
-            <a:spLocks noGrp="1"/>
-          </p:cNvSpPr>
-          <p:nvPr>
-            <p:ph idx="1"/>
-          </p:nvPr>
-        </p:nvSpPr>
-        <p:spPr>
-          <a:xfrm>
-            <a:off x="838200" y="1304818"/>
-            <a:ext cx="10515600" cy="5424755"/>
-          </a:xfrm>
-        </p:spPr>
-        <p:txBody>
-          <a:bodyPr/>
-          <a:lstStyle/>
-          <a:p>
-            <a:pPr marL="0" indent="0" algn="l" rtl="0">
-              <a:buNone/>
-            </a:pPr>
-            <a:r>
-              <a:rPr lang="en-US" dirty="0"/>
-              <a:t>def canny(</a:t>
-            </a:r>
-            <a:r>
-              <a:rPr lang="en-US" dirty="0" err="1"/>
-              <a:t>Img</a:t>
-            </a:r>
-            <a:r>
-              <a:rPr lang="en-US" dirty="0"/>
-              <a:t>):</a:t>
-            </a:r>
-          </a:p>
-          <a:p>
-            <a:pPr marL="0" indent="0" algn="l" rtl="0">
-              <a:buNone/>
-            </a:pPr>
-            <a:r>
-              <a:rPr lang="en-US" dirty="0"/>
-              <a:t>    kg=</a:t>
-            </a:r>
-            <a:r>
-              <a:rPr lang="en-US" dirty="0" err="1"/>
-              <a:t>np.array</a:t>
-            </a:r>
-            <a:r>
-              <a:rPr lang="en-US" dirty="0"/>
-              <a:t>([[1,2,1],[2,4,2],[1,2,1]])/16</a:t>
-            </a:r>
-          </a:p>
-          <a:p>
-            <a:pPr marL="0" indent="0" algn="l" rtl="0">
-              <a:buNone/>
-            </a:pPr>
-            <a:r>
-              <a:rPr lang="en-US" dirty="0"/>
-              <a:t>    Img2=conv2D(</a:t>
-            </a:r>
-            <a:r>
-              <a:rPr lang="en-US" dirty="0" err="1"/>
-              <a:t>Img,kg</a:t>
-            </a:r>
-            <a:r>
-              <a:rPr lang="en-US" dirty="0"/>
-              <a:t>)</a:t>
-            </a:r>
-          </a:p>
-          <a:p>
-            <a:pPr marL="0" indent="0" algn="l" rtl="0">
-              <a:buNone/>
-            </a:pPr>
-            <a:r>
-              <a:rPr lang="en-US" dirty="0"/>
-              <a:t>    x=</a:t>
-            </a:r>
-            <a:r>
-              <a:rPr lang="en-US" dirty="0" err="1"/>
-              <a:t>CDhelp</a:t>
-            </a:r>
-            <a:r>
-              <a:rPr lang="en-US" dirty="0"/>
-              <a:t>(</a:t>
-            </a:r>
-            <a:r>
-              <a:rPr lang="en-US" dirty="0" err="1"/>
-              <a:t>Img</a:t>
-            </a:r>
-            <a:r>
-              <a:rPr lang="en-US" dirty="0"/>
-              <a:t>)</a:t>
-            </a:r>
-          </a:p>
-          <a:p>
-            <a:pPr marL="0" indent="0" algn="l" rtl="0">
-              <a:buNone/>
-            </a:pPr>
-            <a:r>
-              <a:rPr lang="en-US" dirty="0"/>
-              <a:t>    y=</a:t>
-            </a:r>
-            <a:r>
-              <a:rPr lang="en-US" dirty="0" err="1"/>
-              <a:t>np.transpose</a:t>
-            </a:r>
-            <a:r>
-              <a:rPr lang="en-US" dirty="0"/>
-              <a:t>(</a:t>
-            </a:r>
-            <a:r>
-              <a:rPr lang="en-US" dirty="0" err="1"/>
-              <a:t>CDhelp</a:t>
-            </a:r>
-            <a:r>
-              <a:rPr lang="en-US" dirty="0"/>
-              <a:t>(</a:t>
-            </a:r>
-            <a:r>
-              <a:rPr lang="en-US" dirty="0" err="1"/>
-              <a:t>np.transpose</a:t>
-            </a:r>
-            <a:r>
-              <a:rPr lang="en-US" dirty="0"/>
-              <a:t>(</a:t>
-            </a:r>
-            <a:r>
-              <a:rPr lang="en-US" dirty="0" err="1"/>
-              <a:t>Img</a:t>
-            </a:r>
-            <a:r>
-              <a:rPr lang="en-US" dirty="0"/>
-              <a:t>)))</a:t>
-            </a:r>
-          </a:p>
-          <a:p>
-            <a:pPr marL="0" indent="0" algn="l" rtl="0">
-              <a:buNone/>
-            </a:pPr>
-            <a:r>
-              <a:rPr lang="en-US" dirty="0"/>
-              <a:t>    </a:t>
-            </a:r>
-            <a:r>
-              <a:rPr lang="en-US" dirty="0" err="1"/>
-              <a:t>mgnt</a:t>
-            </a:r>
-            <a:r>
-              <a:rPr lang="en-US" dirty="0"/>
-              <a:t>=</a:t>
-            </a:r>
-            <a:r>
-              <a:rPr lang="en-US" dirty="0" err="1"/>
-              <a:t>np.sqrt</a:t>
-            </a:r>
-            <a:r>
-              <a:rPr lang="en-US" dirty="0"/>
-              <a:t>(x*</a:t>
-            </a:r>
-            <a:r>
-              <a:rPr lang="en-US" dirty="0" err="1"/>
-              <a:t>x+y</a:t>
-            </a:r>
-            <a:r>
-              <a:rPr lang="en-US" dirty="0"/>
-              <a:t>*y)</a:t>
-            </a:r>
-          </a:p>
-          <a:p>
-            <a:pPr marL="0" indent="0" algn="l" rtl="0">
-              <a:buNone/>
-            </a:pPr>
-            <a:r>
-              <a:rPr lang="en-US" dirty="0"/>
-              <a:t>    angel=np.arctan2(</a:t>
-            </a:r>
-            <a:r>
-              <a:rPr lang="en-US" dirty="0" err="1"/>
-              <a:t>y,x</a:t>
-            </a:r>
-            <a:r>
-              <a:rPr lang="en-US" dirty="0"/>
-              <a:t>)</a:t>
-            </a:r>
-          </a:p>
-          <a:p>
-            <a:pPr marL="0" indent="0" algn="l" rtl="0">
-              <a:buNone/>
-            </a:pPr>
-            <a:r>
-              <a:rPr lang="en-US" dirty="0"/>
-              <a:t>    q=</a:t>
-            </a:r>
-            <a:r>
-              <a:rPr lang="en-US" dirty="0">
-                <a:highlight>
-                  <a:srgbClr val="FFFF00"/>
-                </a:highlight>
-              </a:rPr>
-              <a:t>quantize</a:t>
-            </a:r>
-            <a:r>
-              <a:rPr lang="en-US" dirty="0"/>
-              <a:t>(</a:t>
-            </a:r>
-            <a:r>
-              <a:rPr lang="en-US" dirty="0" err="1"/>
-              <a:t>mgnt,angel</a:t>
-            </a:r>
-            <a:r>
-              <a:rPr lang="en-US" dirty="0"/>
-              <a:t>)</a:t>
-            </a:r>
-          </a:p>
-          <a:p>
-            <a:pPr marL="0" indent="0" algn="l" rtl="0">
-              <a:buNone/>
-            </a:pPr>
-            <a:r>
-              <a:rPr lang="en-US" dirty="0"/>
-              <a:t>    nm=</a:t>
-            </a:r>
-            <a:r>
-              <a:rPr lang="en-US" dirty="0" err="1"/>
-              <a:t>nonMax</a:t>
-            </a:r>
-            <a:r>
-              <a:rPr lang="en-US" dirty="0"/>
-              <a:t>(</a:t>
-            </a:r>
-            <a:r>
-              <a:rPr lang="en-US" dirty="0" err="1"/>
-              <a:t>mgnt,q</a:t>
-            </a:r>
-            <a:r>
-              <a:rPr lang="en-US" dirty="0"/>
-              <a:t>)</a:t>
-            </a:r>
-          </a:p>
-          <a:p>
-            <a:pPr marL="0" indent="0" algn="l" rtl="0">
-              <a:buNone/>
-            </a:pPr>
-            <a:r>
-              <a:rPr lang="en-US" dirty="0"/>
-              <a:t>    return hysteresis(nm)</a:t>
-            </a:r>
-          </a:p>
-          <a:p>
-            <a:pPr marL="0" indent="0" algn="l" rtl="0">
-              <a:buNone/>
-            </a:pPr>
-            <a:endParaRPr lang="he-IL" dirty="0"/>
-          </a:p>
-        </p:txBody>
-      </p:sp>
-    </p:spTree>
-    <p:extLst>
-      <p:ext uri="{BB962C8B-B14F-4D97-AF65-F5344CB8AC3E}">
-        <p14:creationId xmlns:p14="http://schemas.microsoft.com/office/powerpoint/2010/main" val="681221255"/>
-      </p:ext>
-    </p:extLst>
-  </p:cSld>
-  <p:clrMapOvr>
-    <a:masterClrMapping/>
-  </p:clrMapOvr>
-</p:sld>
-</file>
-
-<file path=ppt/slides/slide35.xml><?xml version="1.0" encoding="utf-8"?>
-<p:sld xmlns:a="http://schemas.openxmlformats.org/drawingml/2006/main" xmlns:r="http://schemas.openxmlformats.org/officeDocument/2006/relationships" xmlns:p="http://schemas.openxmlformats.org/presentationml/2006/main">
-  <p:cSld>
-    <p:spTree>
-      <p:nvGrpSpPr>
-        <p:cNvPr id="1" name=""/>
-        <p:cNvGrpSpPr/>
-        <p:nvPr/>
-      </p:nvGrpSpPr>
-      <p:grpSpPr>
-        <a:xfrm>
-          <a:off x="0" y="0"/>
-          <a:ext cx="0" cy="0"/>
-          <a:chOff x="0" y="0"/>
-          <a:chExt cx="0" cy="0"/>
-        </a:xfrm>
-      </p:grpSpPr>
-      <p:sp>
-        <p:nvSpPr>
-          <p:cNvPr id="3" name="מציין מיקום תוכן 2">
-            <a:extLst>
-              <a:ext uri="{FF2B5EF4-FFF2-40B4-BE49-F238E27FC236}">
-                <a16:creationId xmlns:a16="http://schemas.microsoft.com/office/drawing/2014/main" id="{CF744E16-6631-437A-8EA5-DD97CB13EE3B}"/>
-              </a:ext>
-            </a:extLst>
-          </p:cNvPr>
-          <p:cNvSpPr>
-            <a:spLocks noGrp="1"/>
-          </p:cNvSpPr>
-          <p:nvPr>
-            <p:ph idx="1"/>
-          </p:nvPr>
-        </p:nvSpPr>
-        <p:spPr>
-          <a:xfrm>
-            <a:off x="953703" y="0"/>
-            <a:ext cx="10515600" cy="6857999"/>
-          </a:xfrm>
-        </p:spPr>
-        <p:txBody>
-          <a:bodyPr>
-            <a:normAutofit fontScale="55000" lnSpcReduction="20000"/>
-          </a:bodyPr>
-          <a:lstStyle/>
-          <a:p>
-            <a:pPr marL="0" indent="0" algn="l" rtl="0">
-              <a:buNone/>
-            </a:pPr>
-            <a:r>
-              <a:rPr lang="en-US" dirty="0"/>
-              <a:t>def quantize(</a:t>
-            </a:r>
-            <a:r>
-              <a:rPr lang="en-US" dirty="0" err="1"/>
-              <a:t>mag,ang</a:t>
-            </a:r>
-            <a:r>
-              <a:rPr lang="en-US" dirty="0"/>
-              <a:t>):</a:t>
-            </a:r>
-          </a:p>
-          <a:p>
-            <a:pPr marL="0" indent="0" algn="l" rtl="0">
-              <a:buNone/>
-            </a:pPr>
-            <a:r>
-              <a:rPr lang="en-US" dirty="0"/>
-              <a:t>    quant = </a:t>
-            </a:r>
-            <a:r>
-              <a:rPr lang="en-US" dirty="0" err="1"/>
-              <a:t>np.zeros</a:t>
-            </a:r>
-            <a:r>
-              <a:rPr lang="en-US" dirty="0"/>
-              <a:t>((</a:t>
-            </a:r>
-            <a:r>
-              <a:rPr lang="en-US" dirty="0" err="1"/>
-              <a:t>ang.shape</a:t>
-            </a:r>
-            <a:r>
-              <a:rPr lang="en-US" dirty="0"/>
-              <a:t>[0],</a:t>
-            </a:r>
-            <a:r>
-              <a:rPr lang="en-US" dirty="0" err="1"/>
-              <a:t>ang.shape</a:t>
-            </a:r>
-            <a:r>
-              <a:rPr lang="en-US" dirty="0"/>
-              <a:t>[1],3))</a:t>
-            </a:r>
-          </a:p>
-          <a:p>
-            <a:pPr marL="0" indent="0" algn="l" rtl="0">
-              <a:buNone/>
-            </a:pPr>
-            <a:r>
-              <a:rPr lang="en-US" dirty="0"/>
-              <a:t>    for </a:t>
-            </a:r>
-            <a:r>
-              <a:rPr lang="en-US" dirty="0" err="1"/>
-              <a:t>i</a:t>
-            </a:r>
-            <a:r>
-              <a:rPr lang="en-US" dirty="0"/>
-              <a:t> in range(3):</a:t>
-            </a:r>
-          </a:p>
-          <a:p>
-            <a:pPr marL="0" indent="0" algn="l" rtl="0">
-              <a:buNone/>
-            </a:pPr>
-            <a:r>
-              <a:rPr lang="en-US" dirty="0"/>
-              <a:t>        quant[:,:,</a:t>
-            </a:r>
-            <a:r>
-              <a:rPr lang="en-US" dirty="0" err="1"/>
-              <a:t>i</a:t>
-            </a:r>
-            <a:r>
-              <a:rPr lang="en-US" dirty="0"/>
-              <a:t>] = ang</a:t>
-            </a:r>
-          </a:p>
-          <a:p>
-            <a:pPr marL="0" indent="0" algn="l" rtl="0">
-              <a:buNone/>
-            </a:pPr>
-            <a:r>
-              <a:rPr lang="en-US" dirty="0"/>
-              <a:t>    for </a:t>
-            </a:r>
-            <a:r>
-              <a:rPr lang="en-US" dirty="0" err="1"/>
-              <a:t>i</a:t>
-            </a:r>
-            <a:r>
-              <a:rPr lang="en-US" dirty="0"/>
-              <a:t> in range(</a:t>
-            </a:r>
-            <a:r>
-              <a:rPr lang="en-US" dirty="0" err="1"/>
-              <a:t>ang.shape</a:t>
-            </a:r>
-            <a:r>
-              <a:rPr lang="en-US" dirty="0"/>
-              <a:t>[0]):</a:t>
-            </a:r>
-          </a:p>
-          <a:p>
-            <a:pPr marL="0" indent="0" algn="l" rtl="0">
-              <a:buNone/>
-            </a:pPr>
-            <a:r>
-              <a:rPr lang="en-US" dirty="0"/>
-              <a:t>        for j in range(</a:t>
-            </a:r>
-            <a:r>
-              <a:rPr lang="en-US" dirty="0" err="1"/>
-              <a:t>ang.shape</a:t>
-            </a:r>
-            <a:r>
-              <a:rPr lang="en-US" dirty="0"/>
-              <a:t>[1]):</a:t>
-            </a:r>
-          </a:p>
-          <a:p>
-            <a:pPr marL="0" indent="0" algn="l" rtl="0">
-              <a:buNone/>
-            </a:pPr>
-            <a:r>
-              <a:rPr lang="en-US" dirty="0"/>
-              <a:t>            if(mag[</a:t>
-            </a:r>
-            <a:r>
-              <a:rPr lang="en-US" dirty="0" err="1"/>
-              <a:t>i,j</a:t>
-            </a:r>
-            <a:r>
-              <a:rPr lang="en-US" dirty="0"/>
-              <a:t>]!=0):</a:t>
-            </a:r>
-          </a:p>
-          <a:p>
-            <a:pPr marL="0" indent="0" algn="l" rtl="0">
-              <a:buNone/>
-            </a:pPr>
-            <a:r>
-              <a:rPr lang="en-US" dirty="0"/>
-              <a:t>                # Horizontal gradient</a:t>
-            </a:r>
-          </a:p>
-          <a:p>
-            <a:pPr marL="0" indent="0" algn="l" rtl="0">
-              <a:buNone/>
-            </a:pPr>
-            <a:r>
-              <a:rPr lang="en-US" dirty="0"/>
-              <a:t>                if  (-</a:t>
-            </a:r>
-            <a:r>
-              <a:rPr lang="en-US" dirty="0" err="1"/>
-              <a:t>np.pi</a:t>
-            </a:r>
-            <a:r>
-              <a:rPr lang="en-US" dirty="0"/>
-              <a:t> &lt;= ang[</a:t>
-            </a:r>
-            <a:r>
-              <a:rPr lang="en-US" dirty="0" err="1"/>
-              <a:t>i,j</a:t>
-            </a:r>
-            <a:r>
-              <a:rPr lang="en-US" dirty="0"/>
-              <a:t>] &lt; -7*</a:t>
-            </a:r>
-            <a:r>
-              <a:rPr lang="en-US" dirty="0" err="1"/>
-              <a:t>np.pi</a:t>
-            </a:r>
-            <a:r>
-              <a:rPr lang="en-US" dirty="0"/>
-              <a:t>/8) or (-</a:t>
-            </a:r>
-            <a:r>
-              <a:rPr lang="en-US" dirty="0" err="1"/>
-              <a:t>np.pi</a:t>
-            </a:r>
-            <a:r>
-              <a:rPr lang="en-US" dirty="0"/>
-              <a:t>/8 &lt;= ang[</a:t>
-            </a:r>
-            <a:r>
-              <a:rPr lang="en-US" dirty="0" err="1"/>
-              <a:t>i,j</a:t>
-            </a:r>
-            <a:r>
-              <a:rPr lang="en-US" dirty="0"/>
-              <a:t>] &lt; </a:t>
-            </a:r>
-            <a:r>
-              <a:rPr lang="en-US" dirty="0" err="1"/>
-              <a:t>np.pi</a:t>
-            </a:r>
-            <a:r>
-              <a:rPr lang="en-US" dirty="0"/>
-              <a:t>/8) or (7*</a:t>
-            </a:r>
-            <a:r>
-              <a:rPr lang="en-US" dirty="0" err="1"/>
-              <a:t>np.pi</a:t>
-            </a:r>
-            <a:r>
-              <a:rPr lang="en-US" dirty="0"/>
-              <a:t>/8 &lt;= ang[</a:t>
-            </a:r>
-            <a:r>
-              <a:rPr lang="en-US" dirty="0" err="1"/>
-              <a:t>i,j</a:t>
-            </a:r>
-            <a:r>
-              <a:rPr lang="en-US" dirty="0"/>
-              <a:t>] &lt;= </a:t>
-            </a:r>
-            <a:r>
-              <a:rPr lang="en-US" dirty="0" err="1"/>
-              <a:t>np.pi</a:t>
-            </a:r>
-            <a:r>
-              <a:rPr lang="en-US" dirty="0"/>
-              <a:t>):</a:t>
-            </a:r>
-          </a:p>
-          <a:p>
-            <a:pPr marL="0" indent="0" algn="l" rtl="0">
-              <a:buNone/>
-            </a:pPr>
-            <a:r>
-              <a:rPr lang="en-US" dirty="0"/>
-              <a:t>                    quant[</a:t>
-            </a:r>
-            <a:r>
-              <a:rPr lang="en-US" dirty="0" err="1"/>
-              <a:t>i,j</a:t>
-            </a:r>
-            <a:r>
-              <a:rPr lang="en-US" dirty="0"/>
-              <a:t>] = </a:t>
-            </a:r>
-            <a:r>
-              <a:rPr lang="en-US" dirty="0" err="1"/>
-              <a:t>np.array</a:t>
-            </a:r>
-            <a:r>
-              <a:rPr lang="en-US" dirty="0"/>
-              <a:t>([1,0,0])</a:t>
-            </a:r>
-          </a:p>
-          <a:p>
-            <a:pPr marL="0" indent="0" algn="l" rtl="0">
-              <a:buNone/>
-            </a:pPr>
-            <a:r>
-              <a:rPr lang="en-US" dirty="0"/>
-              <a:t>                # Main diagonal gradient</a:t>
-            </a:r>
-          </a:p>
-          <a:p>
-            <a:pPr marL="0" indent="0" algn="l" rtl="0">
-              <a:buNone/>
-            </a:pPr>
-            <a:r>
-              <a:rPr lang="en-US" dirty="0"/>
-              <a:t>                </a:t>
-            </a:r>
-            <a:r>
-              <a:rPr lang="en-US" dirty="0" err="1"/>
-              <a:t>elif</a:t>
-            </a:r>
-            <a:r>
-              <a:rPr lang="en-US" dirty="0"/>
-              <a:t>  (-7*</a:t>
-            </a:r>
-            <a:r>
-              <a:rPr lang="en-US" dirty="0" err="1"/>
-              <a:t>np.pi</a:t>
-            </a:r>
-            <a:r>
-              <a:rPr lang="en-US" dirty="0"/>
-              <a:t>/8 &lt;= ang[</a:t>
-            </a:r>
-            <a:r>
-              <a:rPr lang="en-US" dirty="0" err="1"/>
-              <a:t>i,j</a:t>
-            </a:r>
-            <a:r>
-              <a:rPr lang="en-US" dirty="0"/>
-              <a:t>] &lt; -5*</a:t>
-            </a:r>
-            <a:r>
-              <a:rPr lang="en-US" dirty="0" err="1"/>
-              <a:t>np.pi</a:t>
-            </a:r>
-            <a:r>
-              <a:rPr lang="en-US" dirty="0"/>
-              <a:t>/8) or (</a:t>
-            </a:r>
-            <a:r>
-              <a:rPr lang="en-US" dirty="0" err="1"/>
-              <a:t>np.pi</a:t>
-            </a:r>
-            <a:r>
-              <a:rPr lang="en-US" dirty="0"/>
-              <a:t>/8 &lt;= ang[</a:t>
-            </a:r>
-            <a:r>
-              <a:rPr lang="en-US" dirty="0" err="1"/>
-              <a:t>i,j</a:t>
-            </a:r>
-            <a:r>
-              <a:rPr lang="en-US" dirty="0"/>
-              <a:t>] &lt; 3*</a:t>
-            </a:r>
-            <a:r>
-              <a:rPr lang="en-US" dirty="0" err="1"/>
-              <a:t>np.pi</a:t>
-            </a:r>
-            <a:r>
-              <a:rPr lang="en-US" dirty="0"/>
-              <a:t>/8):</a:t>
-            </a:r>
-          </a:p>
-          <a:p>
-            <a:pPr marL="0" indent="0" algn="l" rtl="0">
-              <a:buNone/>
-            </a:pPr>
-            <a:r>
-              <a:rPr lang="en-US" dirty="0"/>
-              <a:t>                    quant[</a:t>
-            </a:r>
-            <a:r>
-              <a:rPr lang="en-US" dirty="0" err="1"/>
-              <a:t>i,j</a:t>
-            </a:r>
-            <a:r>
-              <a:rPr lang="en-US" dirty="0"/>
-              <a:t>] = </a:t>
-            </a:r>
-            <a:r>
-              <a:rPr lang="en-US" dirty="0" err="1"/>
-              <a:t>np.array</a:t>
-            </a:r>
-            <a:r>
-              <a:rPr lang="en-US" dirty="0"/>
-              <a:t>([0,1,0])</a:t>
-            </a:r>
-          </a:p>
-          <a:p>
-            <a:pPr marL="0" indent="0" algn="l" rtl="0">
-              <a:buNone/>
-            </a:pPr>
-            <a:r>
-              <a:rPr lang="en-US" dirty="0"/>
-              <a:t>                # Vertical gradient</a:t>
-            </a:r>
-          </a:p>
-          <a:p>
-            <a:pPr marL="0" indent="0" algn="l" rtl="0">
-              <a:buNone/>
-            </a:pPr>
-            <a:r>
-              <a:rPr lang="en-US" dirty="0"/>
-              <a:t>                </a:t>
-            </a:r>
-            <a:r>
-              <a:rPr lang="en-US" dirty="0" err="1"/>
-              <a:t>elif</a:t>
-            </a:r>
-            <a:r>
-              <a:rPr lang="en-US" dirty="0"/>
-              <a:t>  (-5*</a:t>
-            </a:r>
-            <a:r>
-              <a:rPr lang="en-US" dirty="0" err="1"/>
-              <a:t>np.pi</a:t>
-            </a:r>
-            <a:r>
-              <a:rPr lang="en-US" dirty="0"/>
-              <a:t>/8 &lt;= ang[</a:t>
-            </a:r>
-            <a:r>
-              <a:rPr lang="en-US" dirty="0" err="1"/>
-              <a:t>i,j</a:t>
-            </a:r>
-            <a:r>
-              <a:rPr lang="en-US" dirty="0"/>
-              <a:t>] &lt; -3*</a:t>
-            </a:r>
-            <a:r>
-              <a:rPr lang="en-US" dirty="0" err="1"/>
-              <a:t>np.pi</a:t>
-            </a:r>
-            <a:r>
-              <a:rPr lang="en-US" dirty="0"/>
-              <a:t>/8) or (3*</a:t>
-            </a:r>
-            <a:r>
-              <a:rPr lang="en-US" dirty="0" err="1"/>
-              <a:t>np.pi</a:t>
-            </a:r>
-            <a:r>
-              <a:rPr lang="en-US" dirty="0"/>
-              <a:t>/8 &lt;= ang[</a:t>
-            </a:r>
-            <a:r>
-              <a:rPr lang="en-US" dirty="0" err="1"/>
-              <a:t>i,j</a:t>
-            </a:r>
-            <a:r>
-              <a:rPr lang="en-US" dirty="0"/>
-              <a:t>] &lt; 5*</a:t>
-            </a:r>
-            <a:r>
-              <a:rPr lang="en-US" dirty="0" err="1"/>
-              <a:t>np.pi</a:t>
-            </a:r>
-            <a:r>
-              <a:rPr lang="en-US" dirty="0"/>
-              <a:t>/8):</a:t>
-            </a:r>
-          </a:p>
-          <a:p>
-            <a:pPr marL="0" indent="0" algn="l" rtl="0">
-              <a:buNone/>
-            </a:pPr>
-            <a:r>
-              <a:rPr lang="en-US" dirty="0"/>
-              <a:t>                    quant[</a:t>
-            </a:r>
-            <a:r>
-              <a:rPr lang="en-US" dirty="0" err="1"/>
-              <a:t>i,j</a:t>
-            </a:r>
-            <a:r>
-              <a:rPr lang="en-US" dirty="0"/>
-              <a:t>] = </a:t>
-            </a:r>
-            <a:r>
-              <a:rPr lang="en-US" dirty="0" err="1"/>
-              <a:t>np.array</a:t>
-            </a:r>
-            <a:r>
-              <a:rPr lang="en-US" dirty="0"/>
-              <a:t>([0,0,1])</a:t>
-            </a:r>
-          </a:p>
-          <a:p>
-            <a:pPr marL="0" indent="0" algn="l" rtl="0">
-              <a:buNone/>
-            </a:pPr>
-            <a:r>
-              <a:rPr lang="en-US" dirty="0"/>
-              <a:t>                # Secondary diagonal gradient</a:t>
-            </a:r>
-          </a:p>
-          <a:p>
-            <a:pPr marL="0" indent="0" algn="l" rtl="0">
-              <a:buNone/>
-            </a:pPr>
-            <a:r>
-              <a:rPr lang="en-US" dirty="0"/>
-              <a:t>                </a:t>
-            </a:r>
-            <a:r>
-              <a:rPr lang="en-US" dirty="0" err="1"/>
-              <a:t>elif</a:t>
-            </a:r>
-            <a:r>
-              <a:rPr lang="en-US" dirty="0"/>
-              <a:t>  (-3*</a:t>
-            </a:r>
-            <a:r>
-              <a:rPr lang="en-US" dirty="0" err="1"/>
-              <a:t>np.pi</a:t>
-            </a:r>
-            <a:r>
-              <a:rPr lang="en-US" dirty="0"/>
-              <a:t>/8 &lt;= ang[</a:t>
-            </a:r>
-            <a:r>
-              <a:rPr lang="en-US" dirty="0" err="1"/>
-              <a:t>i,j</a:t>
-            </a:r>
-            <a:r>
-              <a:rPr lang="en-US" dirty="0"/>
-              <a:t>] &lt; -</a:t>
-            </a:r>
-            <a:r>
-              <a:rPr lang="en-US" dirty="0" err="1"/>
-              <a:t>np.pi</a:t>
-            </a:r>
-            <a:r>
-              <a:rPr lang="en-US" dirty="0"/>
-              <a:t>/8) or (5*</a:t>
-            </a:r>
-            <a:r>
-              <a:rPr lang="en-US" dirty="0" err="1"/>
-              <a:t>np.pi</a:t>
-            </a:r>
-            <a:r>
-              <a:rPr lang="en-US" dirty="0"/>
-              <a:t>/8 &lt;= ang[</a:t>
-            </a:r>
-            <a:r>
-              <a:rPr lang="en-US" dirty="0" err="1"/>
-              <a:t>i,j</a:t>
-            </a:r>
-            <a:r>
-              <a:rPr lang="en-US" dirty="0"/>
-              <a:t>] &lt; 7*</a:t>
-            </a:r>
-            <a:r>
-              <a:rPr lang="en-US" dirty="0" err="1"/>
-              <a:t>np.pi</a:t>
-            </a:r>
-            <a:r>
-              <a:rPr lang="en-US" dirty="0"/>
-              <a:t>/8):</a:t>
-            </a:r>
-          </a:p>
-          <a:p>
-            <a:pPr marL="0" indent="0" algn="l" rtl="0">
-              <a:buNone/>
-            </a:pPr>
-            <a:r>
-              <a:rPr lang="en-US" dirty="0"/>
-              <a:t>                    quant[</a:t>
-            </a:r>
-            <a:r>
-              <a:rPr lang="en-US" dirty="0" err="1"/>
-              <a:t>i,j</a:t>
-            </a:r>
-            <a:r>
-              <a:rPr lang="en-US" dirty="0"/>
-              <a:t>] = </a:t>
-            </a:r>
-            <a:r>
-              <a:rPr lang="en-US" dirty="0" err="1"/>
-              <a:t>np.array</a:t>
-            </a:r>
-            <a:r>
-              <a:rPr lang="en-US" dirty="0"/>
-              <a:t>([1,1,0])</a:t>
-            </a:r>
-          </a:p>
-          <a:p>
-            <a:pPr marL="0" indent="0" algn="l" rtl="0">
-              <a:buNone/>
-            </a:pPr>
-            <a:r>
-              <a:rPr lang="en-US" dirty="0"/>
-              <a:t>            else:</a:t>
-            </a:r>
-          </a:p>
-          <a:p>
-            <a:pPr marL="0" indent="0" algn="l" rtl="0">
-              <a:buNone/>
-            </a:pPr>
-            <a:r>
-              <a:rPr lang="en-US" dirty="0"/>
-              <a:t>                quant[</a:t>
-            </a:r>
-            <a:r>
-              <a:rPr lang="en-US" dirty="0" err="1"/>
-              <a:t>i,j</a:t>
-            </a:r>
-            <a:r>
-              <a:rPr lang="en-US" dirty="0"/>
-              <a:t>] = </a:t>
-            </a:r>
-            <a:r>
-              <a:rPr lang="en-US" dirty="0" err="1"/>
-              <a:t>np.array</a:t>
-            </a:r>
-            <a:r>
-              <a:rPr lang="en-US" dirty="0"/>
-              <a:t>([0,0,0])</a:t>
-            </a:r>
-          </a:p>
-          <a:p>
-            <a:pPr marL="0" indent="0" algn="l" rtl="0">
-              <a:buNone/>
-            </a:pPr>
-            <a:r>
-              <a:rPr lang="en-US" dirty="0"/>
-              <a:t>    return quant</a:t>
-            </a:r>
-            <a:endParaRPr lang="he-IL" dirty="0"/>
-          </a:p>
-        </p:txBody>
-      </p:sp>
-    </p:spTree>
-    <p:extLst>
-      <p:ext uri="{BB962C8B-B14F-4D97-AF65-F5344CB8AC3E}">
-        <p14:creationId xmlns:p14="http://schemas.microsoft.com/office/powerpoint/2010/main" val="3423445338"/>
-      </p:ext>
-    </p:extLst>
-  </p:cSld>
-  <p:clrMapOvr>
-    <a:masterClrMapping/>
-  </p:clrMapOvr>
-</p:sld>
-</file>
-
 <file path=ppt/slides/slide36.xml><?xml version="1.0" encoding="utf-8"?>
 <p:sld xmlns:a="http://schemas.openxmlformats.org/drawingml/2006/main" xmlns:r="http://schemas.openxmlformats.org/officeDocument/2006/relationships" xmlns:p="http://schemas.openxmlformats.org/presentationml/2006/main">
   <p:cSld>
@@ -10039,31 +9215,39 @@
             </a:pPr>
             <a:r>
               <a:rPr lang="en-US" dirty="0"/>
-              <a:t>    q=quantize(</a:t>
-            </a:r>
-            <a:r>
-              <a:rPr lang="en-US" dirty="0" err="1"/>
-              <a:t>mgnt,angel</a:t>
-            </a:r>
-            <a:r>
-              <a:rPr lang="en-US" dirty="0"/>
-              <a:t>)</a:t>
-            </a:r>
-          </a:p>
-          <a:p>
-            <a:pPr marL="0" indent="0" algn="l" rtl="0">
-              <a:buNone/>
-            </a:pPr>
-            <a:r>
-              <a:rPr lang="en-US" dirty="0"/>
-              <a:t>    nm=</a:t>
-            </a:r>
-            <a:r>
-              <a:rPr lang="en-US" dirty="0" err="1">
+              <a:t>    q=</a:t>
+            </a:r>
+            <a:r>
+              <a:rPr lang="en-US" dirty="0">
                 <a:highlight>
                   <a:srgbClr val="FFFF00"/>
                 </a:highlight>
               </a:rPr>
+              <a:t>quantize</a:t>
+            </a:r>
+            <a:r>
+              <a:rPr lang="en-US" dirty="0"/>
+              <a:t>(</a:t>
+            </a:r>
+            <a:r>
+              <a:rPr lang="en-US" dirty="0" err="1"/>
+              <a:t>mgnt,angel</a:t>
+            </a:r>
+            <a:r>
+              <a:rPr lang="en-US" dirty="0"/>
+              <a:t>)</a:t>
+            </a:r>
+          </a:p>
+          <a:p>
+            <a:pPr marL="0" indent="0" algn="l" rtl="0">
+              <a:buNone/>
+            </a:pPr>
+            <a:r>
+              <a:rPr lang="en-US" dirty="0"/>
+              <a:t>    nm=</a:t>
+            </a:r>
+            <a:r>
+              <a:rPr lang="en-US" dirty="0" err="1"/>
               <a:t>nonMax</a:t>
             </a:r>
             <a:r>
@@ -10099,7 +9283,7 @@
     </p:spTree>
     <p:extLst>
       <p:ext uri="{BB962C8B-B14F-4D97-AF65-F5344CB8AC3E}">
-        <p14:creationId xmlns:p14="http://schemas.microsoft.com/office/powerpoint/2010/main" val="3408360037"/>
+        <p14:creationId xmlns:p14="http://schemas.microsoft.com/office/powerpoint/2010/main" val="681221255"/>
       </p:ext>
     </p:extLst>
   </p:cSld>
@@ -10131,7 +9315,7 @@
           <p:cNvPr id="3" name="מציין מיקום תוכן 2">
             <a:extLst>
               <a:ext uri="{FF2B5EF4-FFF2-40B4-BE49-F238E27FC236}">
-                <a16:creationId xmlns:a16="http://schemas.microsoft.com/office/drawing/2014/main" id="{E8E44D66-6036-4B13-BB65-0F5040DD3046}"/>
+                <a16:creationId xmlns:a16="http://schemas.microsoft.com/office/drawing/2014/main" id="{CF744E16-6631-437A-8EA5-DD97CB13EE3B}"/>
               </a:ext>
             </a:extLst>
           </p:cNvPr>
@@ -10144,8 +9328,8 @@
         </p:nvSpPr>
         <p:spPr>
           <a:xfrm>
-            <a:off x="838200" y="0"/>
-            <a:ext cx="10515600" cy="6858000"/>
+            <a:off x="953703" y="0"/>
+            <a:ext cx="10515600" cy="6857999"/>
           </a:xfrm>
         </p:spPr>
         <p:txBody>
@@ -10159,19 +9343,11 @@
             </a:pPr>
             <a:r>
               <a:rPr lang="en-US" dirty="0"/>
-              <a:t>def </a:t>
-            </a:r>
-            <a:r>
-              <a:rPr lang="en-US" dirty="0" err="1"/>
-              <a:t>nonMax</a:t>
-            </a:r>
-            <a:r>
-              <a:rPr lang="en-US" dirty="0"/>
-              <a:t>(</a:t>
-            </a:r>
-            <a:r>
-              <a:rPr lang="en-US" dirty="0" err="1"/>
-              <a:t>mag,quant_ang</a:t>
+              <a:t>def quantize(</a:t>
+            </a:r>
+            <a:r>
+              <a:rPr lang="en-US" dirty="0" err="1"/>
+              <a:t>mag,ang</a:t>
             </a:r>
             <a:r>
               <a:rPr lang="en-US" dirty="0"/>
@@ -10184,29 +9360,7 @@
             </a:pPr>
             <a:r>
               <a:rPr lang="en-US" dirty="0"/>
-              <a:t>    </a:t>
-            </a:r>
-            <a:r>
-              <a:rPr lang="en-US" dirty="0" err="1"/>
-              <a:t>h,w</a:t>
-            </a:r>
-            <a:r>
-              <a:rPr lang="en-US" dirty="0"/>
-              <a:t> = </a:t>
-            </a:r>
-            <a:r>
-              <a:rPr lang="en-US" dirty="0" err="1"/>
-              <a:t>mag.shape</a:t>
-            </a:r>
-            <a:endParaRPr lang="en-US" dirty="0"/>
-          </a:p>
-          <a:p>
-            <a:pPr marL="0" indent="0" algn="l" rtl="0">
-              <a:buNone/>
-            </a:pPr>
-            <a:r>
-              <a:rPr lang="en-US" dirty="0"/>
-              <a:t>    res = </a:t>
+              <a:t>    quant = </a:t>
             </a:r>
             <a:r>
               <a:rPr lang="en-US" dirty="0" err="1"/>
@@ -10214,15 +9368,23 @@
             </a:r>
             <a:r>
               <a:rPr lang="en-US" dirty="0"/>
-              <a:t>(</a:t>
-            </a:r>
-            <a:r>
-              <a:rPr lang="en-US" dirty="0" err="1"/>
-              <a:t>mag.shape</a:t>
-            </a:r>
-            <a:r>
-              <a:rPr lang="en-US" dirty="0"/>
-              <a:t>)</a:t>
+              <a:t>((</a:t>
+            </a:r>
+            <a:r>
+              <a:rPr lang="en-US" dirty="0" err="1"/>
+              <a:t>ang.shape</a:t>
+            </a:r>
+            <a:r>
+              <a:rPr lang="en-US" dirty="0"/>
+              <a:t>[0],</a:t>
+            </a:r>
+            <a:r>
+              <a:rPr lang="en-US" dirty="0" err="1"/>
+              <a:t>ang.shape</a:t>
+            </a:r>
+            <a:r>
+              <a:rPr lang="en-US" dirty="0"/>
+              <a:t>[1],3))</a:t>
             </a:r>
           </a:p>
           <a:p>
@@ -10239,25 +9401,75 @@
             </a:r>
             <a:r>
               <a:rPr lang="en-US" dirty="0"/>
-              <a:t> in range(1,h-1):</a:t>
-            </a:r>
-          </a:p>
-          <a:p>
-            <a:pPr marL="0" indent="0" algn="l" rtl="0">
-              <a:buNone/>
-            </a:pPr>
-            <a:r>
-              <a:rPr lang="en-US" dirty="0"/>
-              <a:t>        for j in range(1,w-1):</a:t>
-            </a:r>
-          </a:p>
-          <a:p>
-            <a:pPr marL="0" indent="0" algn="l" rtl="0">
-              <a:buNone/>
-            </a:pPr>
-            <a:r>
-              <a:rPr lang="en-US" dirty="0"/>
-              <a:t>            if mag[</a:t>
+              <a:t> in range(3):</a:t>
+            </a:r>
+          </a:p>
+          <a:p>
+            <a:pPr marL="0" indent="0" algn="l" rtl="0">
+              <a:buNone/>
+            </a:pPr>
+            <a:r>
+              <a:rPr lang="en-US" dirty="0"/>
+              <a:t>        quant[:,:,</a:t>
+            </a:r>
+            <a:r>
+              <a:rPr lang="en-US" dirty="0" err="1"/>
+              <a:t>i</a:t>
+            </a:r>
+            <a:r>
+              <a:rPr lang="en-US" dirty="0"/>
+              <a:t>] = ang</a:t>
+            </a:r>
+          </a:p>
+          <a:p>
+            <a:pPr marL="0" indent="0" algn="l" rtl="0">
+              <a:buNone/>
+            </a:pPr>
+            <a:r>
+              <a:rPr lang="en-US" dirty="0"/>
+              <a:t>    for </a:t>
+            </a:r>
+            <a:r>
+              <a:rPr lang="en-US" dirty="0" err="1"/>
+              <a:t>i</a:t>
+            </a:r>
+            <a:r>
+              <a:rPr lang="en-US" dirty="0"/>
+              <a:t> in range(</a:t>
+            </a:r>
+            <a:r>
+              <a:rPr lang="en-US" dirty="0" err="1"/>
+              <a:t>ang.shape</a:t>
+            </a:r>
+            <a:r>
+              <a:rPr lang="en-US" dirty="0"/>
+              <a:t>[0]):</a:t>
+            </a:r>
+          </a:p>
+          <a:p>
+            <a:pPr marL="0" indent="0" algn="l" rtl="0">
+              <a:buNone/>
+            </a:pPr>
+            <a:r>
+              <a:rPr lang="en-US" dirty="0"/>
+              <a:t>        for j in range(</a:t>
+            </a:r>
+            <a:r>
+              <a:rPr lang="en-US" dirty="0" err="1"/>
+              <a:t>ang.shape</a:t>
+            </a:r>
+            <a:r>
+              <a:rPr lang="en-US" dirty="0"/>
+              <a:t>[1]):</a:t>
+            </a:r>
+          </a:p>
+          <a:p>
+            <a:pPr marL="0" indent="0" algn="l" rtl="0">
+              <a:buNone/>
+            </a:pPr>
+            <a:r>
+              <a:rPr lang="en-US" dirty="0"/>
+              <a:t>            if(mag[</a:t>
             </a:r>
             <a:r>
               <a:rPr lang="en-US" dirty="0" err="1"/>
@@ -10265,7 +9477,7 @@
             </a:r>
             <a:r>
               <a:rPr lang="en-US" dirty="0"/>
-              <a:t>] != 0:</a:t>
+              <a:t>]!=0):</a:t>
             </a:r>
           </a:p>
           <a:p>
@@ -10283,23 +9495,15 @@
             </a:pPr>
             <a:r>
               <a:rPr lang="en-US" dirty="0"/>
-              <a:t>                if </a:t>
-            </a:r>
-            <a:r>
-              <a:rPr lang="en-US" dirty="0" err="1"/>
-              <a:t>np.array_equal</a:t>
-            </a:r>
-            <a:r>
-              <a:rPr lang="en-US" dirty="0"/>
-              <a:t>(</a:t>
-            </a:r>
-            <a:r>
-              <a:rPr lang="en-US" dirty="0" err="1"/>
-              <a:t>quant_ang</a:t>
-            </a:r>
-            <a:r>
-              <a:rPr lang="en-US" dirty="0"/>
-              <a:t>[</a:t>
+              <a:t>                if  (-</a:t>
+            </a:r>
+            <a:r>
+              <a:rPr lang="en-US" dirty="0" err="1"/>
+              <a:t>np.pi</a:t>
+            </a:r>
+            <a:r>
+              <a:rPr lang="en-US" dirty="0"/>
+              <a:t> &lt;= ang[</a:t>
             </a:r>
             <a:r>
               <a:rPr lang="en-US" dirty="0" err="1"/>
@@ -10307,7 +9511,80 @@
             </a:r>
             <a:r>
               <a:rPr lang="en-US" dirty="0"/>
-              <a:t>],</a:t>
+              <a:t>] &lt; -7*</a:t>
+            </a:r>
+            <a:r>
+              <a:rPr lang="en-US" dirty="0" err="1"/>
+              <a:t>np.pi</a:t>
+            </a:r>
+            <a:r>
+              <a:rPr lang="en-US" dirty="0"/>
+              <a:t>/8) or (-</a:t>
+            </a:r>
+            <a:r>
+              <a:rPr lang="en-US" dirty="0" err="1"/>
+              <a:t>np.pi</a:t>
+            </a:r>
+            <a:r>
+              <a:rPr lang="en-US" dirty="0"/>
+              <a:t>/8 &lt;= ang[</a:t>
+            </a:r>
+            <a:r>
+              <a:rPr lang="en-US" dirty="0" err="1"/>
+              <a:t>i,j</a:t>
+            </a:r>
+            <a:r>
+              <a:rPr lang="en-US" dirty="0"/>
+              <a:t>] &lt; </a:t>
+            </a:r>
+            <a:r>
+              <a:rPr lang="en-US" dirty="0" err="1"/>
+              <a:t>np.pi</a:t>
+            </a:r>
+            <a:r>
+              <a:rPr lang="en-US" dirty="0"/>
+              <a:t>/8) or (7*</a:t>
+            </a:r>
+            <a:r>
+              <a:rPr lang="en-US" dirty="0" err="1"/>
+              <a:t>np.pi</a:t>
+            </a:r>
+            <a:r>
+              <a:rPr lang="en-US" dirty="0"/>
+              <a:t>/8 &lt;= ang[</a:t>
+            </a:r>
+            <a:r>
+              <a:rPr lang="en-US" dirty="0" err="1"/>
+              <a:t>i,j</a:t>
+            </a:r>
+            <a:r>
+              <a:rPr lang="en-US" dirty="0"/>
+              <a:t>] &lt;= </a:t>
+            </a:r>
+            <a:r>
+              <a:rPr lang="en-US" dirty="0" err="1"/>
+              <a:t>np.pi</a:t>
+            </a:r>
+            <a:r>
+              <a:rPr lang="en-US" dirty="0"/>
+              <a:t>):</a:t>
+            </a:r>
+          </a:p>
+          <a:p>
+            <a:pPr marL="0" indent="0" algn="l" rtl="0">
+              <a:buNone/>
+            </a:pPr>
+            <a:r>
+              <a:rPr lang="en-US" dirty="0"/>
+              <a:t>                    quant[</a:t>
+            </a:r>
+            <a:r>
+              <a:rPr lang="en-US" dirty="0" err="1"/>
+              <a:t>i,j</a:t>
+            </a:r>
+            <a:r>
+              <a:rPr lang="en-US" dirty="0"/>
+              <a:t>] = </a:t>
             </a:r>
             <a:r>
               <a:rPr lang="en-US" dirty="0" err="1"/>
@@ -10315,16 +9592,41 @@
             </a:r>
             <a:r>
               <a:rPr lang="en-US" dirty="0"/>
-              <a:t>([1,0,0])):</a:t>
-            </a:r>
-          </a:p>
-          <a:p>
-            <a:pPr marL="0" indent="0" algn="l" rtl="0">
-              <a:buNone/>
-            </a:pPr>
-            <a:r>
-              <a:rPr lang="en-US" dirty="0"/>
-              <a:t>                    if mag[</a:t>
+              <a:t>([1,0,0])</a:t>
+            </a:r>
+          </a:p>
+          <a:p>
+            <a:pPr marL="0" indent="0" algn="l" rtl="0">
+              <a:buNone/>
+            </a:pPr>
+            <a:r>
+              <a:rPr lang="en-US" dirty="0"/>
+              <a:t>                # Main diagonal gradient</a:t>
+            </a:r>
+          </a:p>
+          <a:p>
+            <a:pPr marL="0" indent="0" algn="l" rtl="0">
+              <a:buNone/>
+            </a:pPr>
+            <a:r>
+              <a:rPr lang="en-US" dirty="0"/>
+              <a:t>                </a:t>
+            </a:r>
+            <a:r>
+              <a:rPr lang="en-US" dirty="0" err="1"/>
+              <a:t>elif</a:t>
+            </a:r>
+            <a:r>
+              <a:rPr lang="en-US" dirty="0"/>
+              <a:t>  (-7*</a:t>
+            </a:r>
+            <a:r>
+              <a:rPr lang="en-US" dirty="0" err="1"/>
+              <a:t>np.pi</a:t>
+            </a:r>
+            <a:r>
+              <a:rPr lang="en-US" dirty="0"/>
+              <a:t>/8 &lt;= ang[</a:t>
             </a:r>
             <a:r>
               <a:rPr lang="en-US" dirty="0" err="1"/>
@@ -10332,7 +9634,23 @@
             </a:r>
             <a:r>
               <a:rPr lang="en-US" dirty="0"/>
-              <a:t>] &gt; mag[i,j-1] and mag[</a:t>
+              <a:t>] &lt; -5*</a:t>
+            </a:r>
+            <a:r>
+              <a:rPr lang="en-US" dirty="0" err="1"/>
+              <a:t>np.pi</a:t>
+            </a:r>
+            <a:r>
+              <a:rPr lang="en-US" dirty="0"/>
+              <a:t>/8) or (</a:t>
+            </a:r>
+            <a:r>
+              <a:rPr lang="en-US" dirty="0" err="1"/>
+              <a:t>np.pi</a:t>
+            </a:r>
+            <a:r>
+              <a:rPr lang="en-US" dirty="0"/>
+              <a:t>/8 &lt;= ang[</a:t>
             </a:r>
             <a:r>
               <a:rPr lang="en-US" dirty="0" err="1"/>
@@ -10340,16 +9658,24 @@
             </a:r>
             <a:r>
               <a:rPr lang="en-US" dirty="0"/>
-              <a:t>] &gt; mag[i,j+1]:</a:t>
-            </a:r>
-          </a:p>
-          <a:p>
-            <a:pPr marL="0" indent="0" algn="l" rtl="0">
-              <a:buNone/>
-            </a:pPr>
-            <a:r>
-              <a:rPr lang="en-US" dirty="0"/>
-              <a:t>                        res[</a:t>
+              <a:t>] &lt; 3*</a:t>
+            </a:r>
+            <a:r>
+              <a:rPr lang="en-US" dirty="0" err="1"/>
+              <a:t>np.pi</a:t>
+            </a:r>
+            <a:r>
+              <a:rPr lang="en-US" dirty="0"/>
+              <a:t>/8):</a:t>
+            </a:r>
+          </a:p>
+          <a:p>
+            <a:pPr marL="0" indent="0" algn="l" rtl="0">
+              <a:buNone/>
+            </a:pPr>
+            <a:r>
+              <a:rPr lang="en-US" dirty="0"/>
+              <a:t>                    quant[</a:t>
             </a:r>
             <a:r>
               <a:rPr lang="en-US" dirty="0" err="1"/>
@@ -10357,7 +9683,49 @@
             </a:r>
             <a:r>
               <a:rPr lang="en-US" dirty="0"/>
-              <a:t>] = mag[</a:t>
+              <a:t>] = </a:t>
+            </a:r>
+            <a:r>
+              <a:rPr lang="en-US" dirty="0" err="1"/>
+              <a:t>np.array</a:t>
+            </a:r>
+            <a:r>
+              <a:rPr lang="en-US" dirty="0"/>
+              <a:t>([0,1,0])</a:t>
+            </a:r>
+          </a:p>
+          <a:p>
+            <a:pPr marL="0" indent="0" algn="l" rtl="0">
+              <a:buNone/>
+            </a:pPr>
+            <a:r>
+              <a:rPr lang="en-US" dirty="0"/>
+              <a:t>                # Vertical gradient</a:t>
+            </a:r>
+          </a:p>
+          <a:p>
+            <a:pPr marL="0" indent="0" algn="l" rtl="0">
+              <a:buNone/>
+            </a:pPr>
+            <a:r>
+              <a:rPr lang="en-US" dirty="0"/>
+              <a:t>                </a:t>
+            </a:r>
+            <a:r>
+              <a:rPr lang="en-US" dirty="0" err="1"/>
+              <a:t>elif</a:t>
+            </a:r>
+            <a:r>
+              <a:rPr lang="en-US" dirty="0"/>
+              <a:t>  (-5*</a:t>
+            </a:r>
+            <a:r>
+              <a:rPr lang="en-US" dirty="0" err="1"/>
+              <a:t>np.pi</a:t>
+            </a:r>
+            <a:r>
+              <a:rPr lang="en-US" dirty="0"/>
+              <a:t>/8 &lt;= ang[</a:t>
             </a:r>
             <a:r>
               <a:rPr lang="en-US" dirty="0" err="1"/>
@@ -10365,16 +9733,73 @@
             </a:r>
             <a:r>
               <a:rPr lang="en-US" dirty="0"/>
-              <a:t>]</a:t>
-            </a:r>
-          </a:p>
-          <a:p>
-            <a:pPr marL="0" indent="0" algn="l" rtl="0">
-              <a:buNone/>
-            </a:pPr>
-            <a:r>
-              <a:rPr lang="en-US" dirty="0"/>
-              <a:t>                # Main diagonal gradient</a:t>
+              <a:t>] &lt; -3*</a:t>
+            </a:r>
+            <a:r>
+              <a:rPr lang="en-US" dirty="0" err="1"/>
+              <a:t>np.pi</a:t>
+            </a:r>
+            <a:r>
+              <a:rPr lang="en-US" dirty="0"/>
+              <a:t>/8) or (3*</a:t>
+            </a:r>
+            <a:r>
+              <a:rPr lang="en-US" dirty="0" err="1"/>
+              <a:t>np.pi</a:t>
+            </a:r>
+            <a:r>
+              <a:rPr lang="en-US" dirty="0"/>
+              <a:t>/8 &lt;= ang[</a:t>
+            </a:r>
+            <a:r>
+              <a:rPr lang="en-US" dirty="0" err="1"/>
+              <a:t>i,j</a:t>
+            </a:r>
+            <a:r>
+              <a:rPr lang="en-US" dirty="0"/>
+              <a:t>] &lt; 5*</a:t>
+            </a:r>
+            <a:r>
+              <a:rPr lang="en-US" dirty="0" err="1"/>
+              <a:t>np.pi</a:t>
+            </a:r>
+            <a:r>
+              <a:rPr lang="en-US" dirty="0"/>
+              <a:t>/8):</a:t>
+            </a:r>
+          </a:p>
+          <a:p>
+            <a:pPr marL="0" indent="0" algn="l" rtl="0">
+              <a:buNone/>
+            </a:pPr>
+            <a:r>
+              <a:rPr lang="en-US" dirty="0"/>
+              <a:t>                    quant[</a:t>
+            </a:r>
+            <a:r>
+              <a:rPr lang="en-US" dirty="0" err="1"/>
+              <a:t>i,j</a:t>
+            </a:r>
+            <a:r>
+              <a:rPr lang="en-US" dirty="0"/>
+              <a:t>] = </a:t>
+            </a:r>
+            <a:r>
+              <a:rPr lang="en-US" dirty="0" err="1"/>
+              <a:t>np.array</a:t>
+            </a:r>
+            <a:r>
+              <a:rPr lang="en-US" dirty="0"/>
+              <a:t>([0,0,1])</a:t>
+            </a:r>
+          </a:p>
+          <a:p>
+            <a:pPr marL="0" indent="0" algn="l" rtl="0">
+              <a:buNone/>
+            </a:pPr>
+            <a:r>
+              <a:rPr lang="en-US" dirty="0"/>
+              <a:t>                # Secondary diagonal gradient</a:t>
             </a:r>
           </a:p>
           <a:p>
@@ -10391,23 +9816,15 @@
             </a:r>
             <a:r>
               <a:rPr lang="en-US" dirty="0"/>
-              <a:t> </a:t>
-            </a:r>
-            <a:r>
-              <a:rPr lang="en-US" dirty="0" err="1"/>
-              <a:t>np.array_equal</a:t>
-            </a:r>
-            <a:r>
-              <a:rPr lang="en-US" dirty="0"/>
-              <a:t>(</a:t>
-            </a:r>
-            <a:r>
-              <a:rPr lang="en-US" dirty="0" err="1"/>
-              <a:t>quant_ang</a:t>
-            </a:r>
-            <a:r>
-              <a:rPr lang="en-US" dirty="0"/>
-              <a:t>[</a:t>
+              <a:t>  (-3*</a:t>
+            </a:r>
+            <a:r>
+              <a:rPr lang="en-US" dirty="0" err="1"/>
+              <a:t>np.pi</a:t>
+            </a:r>
+            <a:r>
+              <a:rPr lang="en-US" dirty="0"/>
+              <a:t>/8 &lt;= ang[</a:t>
             </a:r>
             <a:r>
               <a:rPr lang="en-US" dirty="0" err="1"/>
@@ -10415,7 +9832,56 @@
             </a:r>
             <a:r>
               <a:rPr lang="en-US" dirty="0"/>
-              <a:t>],</a:t>
+              <a:t>] &lt; -</a:t>
+            </a:r>
+            <a:r>
+              <a:rPr lang="en-US" dirty="0" err="1"/>
+              <a:t>np.pi</a:t>
+            </a:r>
+            <a:r>
+              <a:rPr lang="en-US" dirty="0"/>
+              <a:t>/8) or (5*</a:t>
+            </a:r>
+            <a:r>
+              <a:rPr lang="en-US" dirty="0" err="1"/>
+              <a:t>np.pi</a:t>
+            </a:r>
+            <a:r>
+              <a:rPr lang="en-US" dirty="0"/>
+              <a:t>/8 &lt;= ang[</a:t>
+            </a:r>
+            <a:r>
+              <a:rPr lang="en-US" dirty="0" err="1"/>
+              <a:t>i,j</a:t>
+            </a:r>
+            <a:r>
+              <a:rPr lang="en-US" dirty="0"/>
+              <a:t>] &lt; 7*</a:t>
+            </a:r>
+            <a:r>
+              <a:rPr lang="en-US" dirty="0" err="1"/>
+              <a:t>np.pi</a:t>
+            </a:r>
+            <a:r>
+              <a:rPr lang="en-US" dirty="0"/>
+              <a:t>/8):</a:t>
+            </a:r>
+          </a:p>
+          <a:p>
+            <a:pPr marL="0" indent="0" algn="l" rtl="0">
+              <a:buNone/>
+            </a:pPr>
+            <a:r>
+              <a:rPr lang="en-US" dirty="0"/>
+              <a:t>                    quant[</a:t>
+            </a:r>
+            <a:r>
+              <a:rPr lang="en-US" dirty="0" err="1"/>
+              <a:t>i,j</a:t>
+            </a:r>
+            <a:r>
+              <a:rPr lang="en-US" dirty="0"/>
+              <a:t>] = </a:t>
             </a:r>
             <a:r>
               <a:rPr lang="en-US" dirty="0" err="1"/>
@@ -10423,16 +9889,25 @@
             </a:r>
             <a:r>
               <a:rPr lang="en-US" dirty="0"/>
-              <a:t>([0,1,0])):</a:t>
-            </a:r>
-          </a:p>
-          <a:p>
-            <a:pPr marL="0" indent="0" algn="l" rtl="0">
-              <a:buNone/>
-            </a:pPr>
-            <a:r>
-              <a:rPr lang="en-US" dirty="0"/>
-              <a:t>                    if mag[</a:t>
+              <a:t>([1,1,0])</a:t>
+            </a:r>
+          </a:p>
+          <a:p>
+            <a:pPr marL="0" indent="0" algn="l" rtl="0">
+              <a:buNone/>
+            </a:pPr>
+            <a:r>
+              <a:rPr lang="en-US" dirty="0"/>
+              <a:t>            else:</a:t>
+            </a:r>
+          </a:p>
+          <a:p>
+            <a:pPr marL="0" indent="0" algn="l" rtl="0">
+              <a:buNone/>
+            </a:pPr>
+            <a:r>
+              <a:rPr lang="en-US" dirty="0"/>
+              <a:t>                quant[</a:t>
             </a:r>
             <a:r>
               <a:rPr lang="en-US" dirty="0" err="1"/>
@@ -10440,90 +9915,7 @@
             </a:r>
             <a:r>
               <a:rPr lang="en-US" dirty="0"/>
-              <a:t>] &gt; mag[i-1,j-1] and mag[</a:t>
-            </a:r>
-            <a:r>
-              <a:rPr lang="en-US" dirty="0" err="1"/>
-              <a:t>i,j</a:t>
-            </a:r>
-            <a:r>
-              <a:rPr lang="en-US" dirty="0"/>
-              <a:t>] &gt; mag[i+1,j+1]:</a:t>
-            </a:r>
-          </a:p>
-          <a:p>
-            <a:pPr marL="0" indent="0" algn="l" rtl="0">
-              <a:buNone/>
-            </a:pPr>
-            <a:r>
-              <a:rPr lang="en-US" dirty="0"/>
-              <a:t>                        res[</a:t>
-            </a:r>
-            <a:r>
-              <a:rPr lang="en-US" dirty="0" err="1"/>
-              <a:t>i,j</a:t>
-            </a:r>
-            <a:r>
-              <a:rPr lang="en-US" dirty="0"/>
-              <a:t>] = mag[</a:t>
-            </a:r>
-            <a:r>
-              <a:rPr lang="en-US" dirty="0" err="1"/>
-              <a:t>i,j</a:t>
-            </a:r>
-            <a:r>
-              <a:rPr lang="en-US" dirty="0"/>
-              <a:t>]</a:t>
-            </a:r>
-          </a:p>
-          <a:p>
-            <a:pPr marL="0" indent="0" algn="l" rtl="0">
-              <a:buNone/>
-            </a:pPr>
-            <a:r>
-              <a:rPr lang="en-US" dirty="0"/>
-              <a:t>                # Vertical gradient</a:t>
-            </a:r>
-          </a:p>
-          <a:p>
-            <a:pPr marL="0" indent="0" algn="l" rtl="0">
-              <a:buNone/>
-            </a:pPr>
-            <a:r>
-              <a:rPr lang="en-US" dirty="0"/>
-              <a:t>                </a:t>
-            </a:r>
-            <a:r>
-              <a:rPr lang="en-US" dirty="0" err="1"/>
-              <a:t>elif</a:t>
-            </a:r>
-            <a:r>
-              <a:rPr lang="en-US" dirty="0"/>
-              <a:t> </a:t>
-            </a:r>
-            <a:r>
-              <a:rPr lang="en-US" dirty="0" err="1"/>
-              <a:t>np.array_equal</a:t>
-            </a:r>
-            <a:r>
-              <a:rPr lang="en-US" dirty="0"/>
-              <a:t>(</a:t>
-            </a:r>
-            <a:r>
-              <a:rPr lang="en-US" dirty="0" err="1"/>
-              <a:t>quant_ang</a:t>
-            </a:r>
-            <a:r>
-              <a:rPr lang="en-US" dirty="0"/>
-              <a:t>[</a:t>
-            </a:r>
-            <a:r>
-              <a:rPr lang="en-US" dirty="0" err="1"/>
-              <a:t>i,j</a:t>
-            </a:r>
-            <a:r>
-              <a:rPr lang="en-US" dirty="0"/>
-              <a:t>],</a:t>
+              <a:t>] = </a:t>
             </a:r>
             <a:r>
               <a:rPr lang="en-US" dirty="0" err="1"/>
@@ -10531,174 +9923,16 @@
             </a:r>
             <a:r>
               <a:rPr lang="en-US" dirty="0"/>
-              <a:t>([0,0,1])):</a:t>
-            </a:r>
-          </a:p>
-          <a:p>
-            <a:pPr marL="0" indent="0" algn="l" rtl="0">
-              <a:buNone/>
-            </a:pPr>
-            <a:r>
-              <a:rPr lang="en-US" dirty="0"/>
-              <a:t>                    if mag[</a:t>
-            </a:r>
-            <a:r>
-              <a:rPr lang="en-US" dirty="0" err="1"/>
-              <a:t>i,j</a:t>
-            </a:r>
-            <a:r>
-              <a:rPr lang="en-US" dirty="0"/>
-              <a:t>] &gt; mag[i-1,j] and mag[</a:t>
-            </a:r>
-            <a:r>
-              <a:rPr lang="en-US" dirty="0" err="1"/>
-              <a:t>i,j</a:t>
-            </a:r>
-            <a:r>
-              <a:rPr lang="en-US" dirty="0"/>
-              <a:t>] &gt; mag[i+1,j]:</a:t>
-            </a:r>
-          </a:p>
-          <a:p>
-            <a:pPr marL="0" indent="0" algn="l" rtl="0">
-              <a:buNone/>
-            </a:pPr>
-            <a:r>
-              <a:rPr lang="en-US" dirty="0"/>
-              <a:t>                        res[</a:t>
-            </a:r>
-            <a:r>
-              <a:rPr lang="en-US" dirty="0" err="1"/>
-              <a:t>i,j</a:t>
-            </a:r>
-            <a:r>
-              <a:rPr lang="en-US" dirty="0"/>
-              <a:t>] = mag[</a:t>
-            </a:r>
-            <a:r>
-              <a:rPr lang="en-US" dirty="0" err="1"/>
-              <a:t>i,j</a:t>
-            </a:r>
-            <a:r>
-              <a:rPr lang="en-US" dirty="0"/>
-              <a:t>]</a:t>
-            </a:r>
-          </a:p>
-          <a:p>
-            <a:pPr marL="0" indent="0" algn="l" rtl="0">
-              <a:buNone/>
-            </a:pPr>
-            <a:r>
-              <a:rPr lang="en-US" dirty="0"/>
-              <a:t>                # Secondary diagonal gradient</a:t>
-            </a:r>
-          </a:p>
-          <a:p>
-            <a:pPr marL="0" indent="0" algn="l" rtl="0">
-              <a:buNone/>
-            </a:pPr>
-            <a:r>
-              <a:rPr lang="en-US" dirty="0"/>
-              <a:t>                </a:t>
-            </a:r>
-            <a:r>
-              <a:rPr lang="en-US" dirty="0" err="1"/>
-              <a:t>elif</a:t>
-            </a:r>
-            <a:r>
-              <a:rPr lang="en-US" dirty="0"/>
-              <a:t> </a:t>
-            </a:r>
-            <a:r>
-              <a:rPr lang="en-US" dirty="0" err="1"/>
-              <a:t>np.array_equal</a:t>
-            </a:r>
-            <a:r>
-              <a:rPr lang="en-US" dirty="0"/>
-              <a:t>(</a:t>
-            </a:r>
-            <a:r>
-              <a:rPr lang="en-US" dirty="0" err="1"/>
-              <a:t>quant_ang</a:t>
-            </a:r>
-            <a:r>
-              <a:rPr lang="en-US" dirty="0"/>
-              <a:t>[</a:t>
-            </a:r>
-            <a:r>
-              <a:rPr lang="en-US" dirty="0" err="1"/>
-              <a:t>i,j</a:t>
-            </a:r>
-            <a:r>
-              <a:rPr lang="en-US" dirty="0"/>
-              <a:t>],</a:t>
-            </a:r>
-            <a:r>
-              <a:rPr lang="en-US" dirty="0" err="1"/>
-              <a:t>np.array</a:t>
-            </a:r>
-            <a:r>
-              <a:rPr lang="en-US" dirty="0"/>
-              <a:t>([1,1,0])):</a:t>
-            </a:r>
-          </a:p>
-          <a:p>
-            <a:pPr marL="0" indent="0" algn="l" rtl="0">
-              <a:buNone/>
-            </a:pPr>
-            <a:r>
-              <a:rPr lang="en-US" dirty="0"/>
-              <a:t>                    if mag[</a:t>
-            </a:r>
-            <a:r>
-              <a:rPr lang="en-US" dirty="0" err="1"/>
-              <a:t>i,j</a:t>
-            </a:r>
-            <a:r>
-              <a:rPr lang="en-US" dirty="0"/>
-              <a:t>] &gt; mag[i+1,j-1] and mag[</a:t>
-            </a:r>
-            <a:r>
-              <a:rPr lang="en-US" dirty="0" err="1"/>
-              <a:t>i,j</a:t>
-            </a:r>
-            <a:r>
-              <a:rPr lang="en-US" dirty="0"/>
-              <a:t>] &gt; mag[i-1,j+1]:</a:t>
-            </a:r>
-          </a:p>
-          <a:p>
-            <a:pPr marL="0" indent="0" algn="l" rtl="0">
-              <a:buNone/>
-            </a:pPr>
-            <a:r>
-              <a:rPr lang="en-US" dirty="0"/>
-              <a:t>                        res[</a:t>
-            </a:r>
-            <a:r>
-              <a:rPr lang="en-US" dirty="0" err="1"/>
-              <a:t>i,j</a:t>
-            </a:r>
-            <a:r>
-              <a:rPr lang="en-US" dirty="0"/>
-              <a:t>] = mag[</a:t>
-            </a:r>
-            <a:r>
-              <a:rPr lang="en-US" dirty="0" err="1"/>
-              <a:t>i,j</a:t>
-            </a:r>
-            <a:r>
-              <a:rPr lang="en-US" dirty="0"/>
-              <a:t>]</a:t>
-            </a:r>
-          </a:p>
-          <a:p>
-            <a:pPr marL="0" indent="0" algn="l" rtl="0">
-              <a:buNone/>
-            </a:pPr>
-            <a:r>
-              <a:rPr lang="en-US" dirty="0"/>
-              <a:t>    return res</a:t>
+              <a:t>([0,0,0])</a:t>
+            </a:r>
+          </a:p>
+          <a:p>
+            <a:pPr marL="0" indent="0" algn="l" rtl="0">
+              <a:buNone/>
+            </a:pPr>
+            <a:r>
+              <a:rPr lang="en-US" dirty="0"/>
+              <a:t>    return quant</a:t>
             </a:r>
             <a:endParaRPr lang="he-IL" dirty="0"/>
           </a:p>
@@ -10707,7 +9941,7 @@
     </p:spTree>
     <p:extLst>
       <p:ext uri="{BB962C8B-B14F-4D97-AF65-F5344CB8AC3E}">
-        <p14:creationId xmlns:p14="http://schemas.microsoft.com/office/powerpoint/2010/main" val="4102454005"/>
+        <p14:creationId xmlns:p14="http://schemas.microsoft.com/office/powerpoint/2010/main" val="3423445338"/>
       </p:ext>
     </p:extLst>
   </p:cSld>
@@ -10952,41 +10186,33 @@
               <a:t>    nm=</a:t>
             </a:r>
             <a:r>
-              <a:rPr lang="en-US" dirty="0" err="1"/>
-              <a:t>nonMax</a:t>
-            </a:r>
-            <a:r>
-              <a:rPr lang="en-US" dirty="0"/>
-              <a:t>(</a:t>
-            </a:r>
-            <a:r>
-              <a:rPr lang="en-US" dirty="0" err="1"/>
-              <a:t>mgnt,q</a:t>
-            </a:r>
-            <a:r>
-              <a:rPr lang="en-US" dirty="0"/>
-              <a:t>)</a:t>
-            </a:r>
-          </a:p>
-          <a:p>
-            <a:pPr marL="0" indent="0" algn="l" rtl="0">
-              <a:buNone/>
-            </a:pPr>
-            <a:r>
-              <a:rPr lang="en-US" dirty="0"/>
-              <a:t>    return </a:t>
-            </a:r>
-            <a:r>
-              <a:rPr lang="en-US" dirty="0">
+              <a:rPr lang="en-US" dirty="0" err="1">
                 <a:highlight>
                   <a:srgbClr val="FFFF00"/>
                 </a:highlight>
               </a:rPr>
-              <a:t>hysteresis</a:t>
-            </a:r>
-            <a:r>
-              <a:rPr lang="en-US" dirty="0"/>
-              <a:t>(nm)</a:t>
+              <a:t>nonMax</a:t>
+            </a:r>
+            <a:r>
+              <a:rPr lang="en-US" dirty="0"/>
+              <a:t>(</a:t>
+            </a:r>
+            <a:r>
+              <a:rPr lang="en-US" dirty="0" err="1"/>
+              <a:t>mgnt,q</a:t>
+            </a:r>
+            <a:r>
+              <a:rPr lang="en-US" dirty="0"/>
+              <a:t>)</a:t>
+            </a:r>
+          </a:p>
+          <a:p>
+            <a:pPr marL="0" indent="0" algn="l" rtl="0">
+              <a:buNone/>
+            </a:pPr>
+            <a:r>
+              <a:rPr lang="en-US" dirty="0"/>
+              <a:t>    return hysteresis(nm)</a:t>
             </a:r>
           </a:p>
           <a:p>
@@ -11000,7 +10226,7 @@
     </p:spTree>
     <p:extLst>
       <p:ext uri="{BB962C8B-B14F-4D97-AF65-F5344CB8AC3E}">
-        <p14:creationId xmlns:p14="http://schemas.microsoft.com/office/powerpoint/2010/main" val="559855370"/>
+        <p14:creationId xmlns:p14="http://schemas.microsoft.com/office/powerpoint/2010/main" val="3408360037"/>
       </p:ext>
     </p:extLst>
   </p:cSld>
@@ -11032,7 +10258,7 @@
           <p:cNvPr id="3" name="מציין מיקום תוכן 2">
             <a:extLst>
               <a:ext uri="{FF2B5EF4-FFF2-40B4-BE49-F238E27FC236}">
-                <a16:creationId xmlns:a16="http://schemas.microsoft.com/office/drawing/2014/main" id="{64313C09-97E7-4BE4-A83F-49B80C8A7C13}"/>
+                <a16:creationId xmlns:a16="http://schemas.microsoft.com/office/drawing/2014/main" id="{E8E44D66-6036-4B13-BB65-0F5040DD3046}"/>
               </a:ext>
             </a:extLst>
           </p:cNvPr>
@@ -11050,7 +10276,9 @@
           </a:xfrm>
         </p:spPr>
         <p:txBody>
-          <a:bodyPr/>
+          <a:bodyPr>
+            <a:normAutofit fontScale="55000" lnSpcReduction="20000"/>
+          </a:bodyPr>
           <a:lstStyle/>
           <a:p>
             <a:pPr marL="0" indent="0" algn="l" rtl="0">
@@ -11058,41 +10286,23 @@
             </a:pPr>
             <a:r>
               <a:rPr lang="en-US" dirty="0"/>
-              <a:t>def hysteresis(edges):</a:t>
-            </a:r>
-          </a:p>
-          <a:p>
-            <a:pPr marL="0" indent="0" algn="l" rtl="0">
-              <a:buNone/>
-            </a:pPr>
-            <a:r>
-              <a:rPr lang="en-US" dirty="0"/>
-              <a:t>    t1=</a:t>
-            </a:r>
-            <a:r>
-              <a:rPr lang="en-US" dirty="0" err="1"/>
-              <a:t>edges.max</a:t>
-            </a:r>
-            <a:r>
-              <a:rPr lang="en-US" dirty="0"/>
-              <a:t>()*0.3</a:t>
-            </a:r>
-          </a:p>
-          <a:p>
-            <a:pPr marL="0" indent="0" algn="l" rtl="0">
-              <a:buNone/>
-            </a:pPr>
-            <a:r>
-              <a:rPr lang="en-US" dirty="0"/>
-              <a:t>    t2=</a:t>
-            </a:r>
-            <a:r>
-              <a:rPr lang="en-US" dirty="0" err="1"/>
-              <a:t>edges.max</a:t>
-            </a:r>
-            <a:r>
-              <a:rPr lang="en-US" dirty="0"/>
-              <a:t>()*0.05</a:t>
+              <a:t>def </a:t>
+            </a:r>
+            <a:r>
+              <a:rPr lang="en-US" dirty="0" err="1"/>
+              <a:t>nonMax</a:t>
+            </a:r>
+            <a:r>
+              <a:rPr lang="en-US" dirty="0"/>
+              <a:t>(</a:t>
+            </a:r>
+            <a:r>
+              <a:rPr lang="en-US" dirty="0" err="1"/>
+              <a:t>mag,quant_ang</a:t>
+            </a:r>
+            <a:r>
+              <a:rPr lang="en-US" dirty="0"/>
+              <a:t>):</a:t>
             </a:r>
           </a:p>
           <a:p>
@@ -11105,7 +10315,7 @@
             </a:r>
             <a:r>
               <a:rPr lang="en-US" dirty="0" err="1"/>
-              <a:t>hyst</a:t>
+              <a:t>h,w</a:t>
             </a:r>
             <a:r>
               <a:rPr lang="en-US" dirty="0"/>
@@ -11113,6 +10323,20 @@
             </a:r>
             <a:r>
               <a:rPr lang="en-US" dirty="0" err="1"/>
+              <a:t>mag.shape</a:t>
+            </a:r>
+            <a:endParaRPr lang="en-US" dirty="0"/>
+          </a:p>
+          <a:p>
+            <a:pPr marL="0" indent="0" algn="l" rtl="0">
+              <a:buNone/>
+            </a:pPr>
+            <a:r>
+              <a:rPr lang="en-US" dirty="0"/>
+              <a:t>    res = </a:t>
+            </a:r>
+            <a:r>
+              <a:rPr lang="en-US" dirty="0" err="1"/>
               <a:t>np.zeros</a:t>
             </a:r>
             <a:r>
@@ -11121,7 +10345,7 @@
             </a:r>
             <a:r>
               <a:rPr lang="en-US" dirty="0" err="1"/>
-              <a:t>edges.shape</a:t>
+              <a:t>mag.shape</a:t>
             </a:r>
             <a:r>
               <a:rPr lang="en-US" dirty="0"/>
@@ -11142,41 +10366,25 @@
             </a:r>
             <a:r>
               <a:rPr lang="en-US" dirty="0"/>
-              <a:t> in range(</a:t>
-            </a:r>
-            <a:r>
-              <a:rPr lang="en-US" dirty="0" err="1"/>
-              <a:t>edges.shape</a:t>
-            </a:r>
-            <a:r>
-              <a:rPr lang="en-US" dirty="0"/>
-              <a:t>[0]):</a:t>
-            </a:r>
-          </a:p>
-          <a:p>
-            <a:pPr marL="0" indent="0" algn="l" rtl="0">
-              <a:buNone/>
-            </a:pPr>
-            <a:r>
-              <a:rPr lang="en-US" dirty="0"/>
-              <a:t>        for j in range(</a:t>
-            </a:r>
-            <a:r>
-              <a:rPr lang="en-US" dirty="0" err="1"/>
-              <a:t>edges.shape</a:t>
-            </a:r>
-            <a:r>
-              <a:rPr lang="en-US" dirty="0"/>
-              <a:t>[1]):</a:t>
-            </a:r>
-          </a:p>
-          <a:p>
-            <a:pPr marL="0" indent="0" algn="l" rtl="0">
-              <a:buNone/>
-            </a:pPr>
-            <a:r>
-              <a:rPr lang="en-US" dirty="0"/>
-              <a:t>            if edges[</a:t>
+              <a:t> in range(1,h-1):</a:t>
+            </a:r>
+          </a:p>
+          <a:p>
+            <a:pPr marL="0" indent="0" algn="l" rtl="0">
+              <a:buNone/>
+            </a:pPr>
+            <a:r>
+              <a:rPr lang="en-US" dirty="0"/>
+              <a:t>        for j in range(1,w-1):</a:t>
+            </a:r>
+          </a:p>
+          <a:p>
+            <a:pPr marL="0" indent="0" algn="l" rtl="0">
+              <a:buNone/>
+            </a:pPr>
+            <a:r>
+              <a:rPr lang="en-US" dirty="0"/>
+              <a:t>            if mag[</a:t>
             </a:r>
             <a:r>
               <a:rPr lang="en-US" dirty="0" err="1"/>
@@ -11184,7 +10392,116 @@
             </a:r>
             <a:r>
               <a:rPr lang="en-US" dirty="0"/>
-              <a:t>] &gt; t1:</a:t>
+              <a:t>] != 0:</a:t>
+            </a:r>
+          </a:p>
+          <a:p>
+            <a:pPr marL="0" indent="0" algn="l" rtl="0">
+              <a:buNone/>
+            </a:pPr>
+            <a:r>
+              <a:rPr lang="en-US" dirty="0"/>
+              <a:t>                # Horizontal gradient</a:t>
+            </a:r>
+          </a:p>
+          <a:p>
+            <a:pPr marL="0" indent="0" algn="l" rtl="0">
+              <a:buNone/>
+            </a:pPr>
+            <a:r>
+              <a:rPr lang="en-US" dirty="0"/>
+              <a:t>                if </a:t>
+            </a:r>
+            <a:r>
+              <a:rPr lang="en-US" dirty="0" err="1"/>
+              <a:t>np.array_equal</a:t>
+            </a:r>
+            <a:r>
+              <a:rPr lang="en-US" dirty="0"/>
+              <a:t>(</a:t>
+            </a:r>
+            <a:r>
+              <a:rPr lang="en-US" dirty="0" err="1"/>
+              <a:t>quant_ang</a:t>
+            </a:r>
+            <a:r>
+              <a:rPr lang="en-US" dirty="0"/>
+              <a:t>[</a:t>
+            </a:r>
+            <a:r>
+              <a:rPr lang="en-US" dirty="0" err="1"/>
+              <a:t>i,j</a:t>
+            </a:r>
+            <a:r>
+              <a:rPr lang="en-US" dirty="0"/>
+              <a:t>],</a:t>
+            </a:r>
+            <a:r>
+              <a:rPr lang="en-US" dirty="0" err="1"/>
+              <a:t>np.array</a:t>
+            </a:r>
+            <a:r>
+              <a:rPr lang="en-US" dirty="0"/>
+              <a:t>([1,0,0])):</a:t>
+            </a:r>
+          </a:p>
+          <a:p>
+            <a:pPr marL="0" indent="0" algn="l" rtl="0">
+              <a:buNone/>
+            </a:pPr>
+            <a:r>
+              <a:rPr lang="en-US" dirty="0"/>
+              <a:t>                    if mag[</a:t>
+            </a:r>
+            <a:r>
+              <a:rPr lang="en-US" dirty="0" err="1"/>
+              <a:t>i,j</a:t>
+            </a:r>
+            <a:r>
+              <a:rPr lang="en-US" dirty="0"/>
+              <a:t>] &gt; mag[i,j-1] and mag[</a:t>
+            </a:r>
+            <a:r>
+              <a:rPr lang="en-US" dirty="0" err="1"/>
+              <a:t>i,j</a:t>
+            </a:r>
+            <a:r>
+              <a:rPr lang="en-US" dirty="0"/>
+              <a:t>] &gt; mag[i,j+1]:</a:t>
+            </a:r>
+          </a:p>
+          <a:p>
+            <a:pPr marL="0" indent="0" algn="l" rtl="0">
+              <a:buNone/>
+            </a:pPr>
+            <a:r>
+              <a:rPr lang="en-US" dirty="0"/>
+              <a:t>                        res[</a:t>
+            </a:r>
+            <a:r>
+              <a:rPr lang="en-US" dirty="0" err="1"/>
+              <a:t>i,j</a:t>
+            </a:r>
+            <a:r>
+              <a:rPr lang="en-US" dirty="0"/>
+              <a:t>] = mag[</a:t>
+            </a:r>
+            <a:r>
+              <a:rPr lang="en-US" dirty="0" err="1"/>
+              <a:t>i,j</a:t>
+            </a:r>
+            <a:r>
+              <a:rPr lang="en-US" dirty="0"/>
+              <a:t>]</a:t>
+            </a:r>
+          </a:p>
+          <a:p>
+            <a:pPr marL="0" indent="0" algn="l" rtl="0">
+              <a:buNone/>
+            </a:pPr>
+            <a:r>
+              <a:rPr lang="en-US" dirty="0"/>
+              <a:t>                # Main diagonal gradient</a:t>
             </a:r>
           </a:p>
           <a:p>
@@ -11197,7 +10514,23 @@
             </a:r>
             <a:r>
               <a:rPr lang="en-US" dirty="0" err="1"/>
-              <a:t>hyst</a:t>
+              <a:t>elif</a:t>
+            </a:r>
+            <a:r>
+              <a:rPr lang="en-US" dirty="0"/>
+              <a:t> </a:t>
+            </a:r>
+            <a:r>
+              <a:rPr lang="en-US" dirty="0" err="1"/>
+              <a:t>np.array_equal</a:t>
+            </a:r>
+            <a:r>
+              <a:rPr lang="en-US" dirty="0"/>
+              <a:t>(</a:t>
+            </a:r>
+            <a:r>
+              <a:rPr lang="en-US" dirty="0" err="1"/>
+              <a:t>quant_ang</a:t>
             </a:r>
             <a:r>
               <a:rPr lang="en-US" dirty="0"/>
@@ -11209,42 +10542,24 @@
             </a:r>
             <a:r>
               <a:rPr lang="en-US" dirty="0"/>
-              <a:t>] = 1</a:t>
-            </a:r>
-          </a:p>
-          <a:p>
-            <a:pPr marL="0" indent="0" algn="l" rtl="0">
-              <a:buNone/>
-            </a:pPr>
-            <a:r>
-              <a:rPr lang="en-US" dirty="0"/>
-              <a:t>    for </a:t>
-            </a:r>
-            <a:r>
-              <a:rPr lang="en-US" dirty="0" err="1"/>
-              <a:t>i</a:t>
-            </a:r>
-            <a:r>
-              <a:rPr lang="en-US" dirty="0"/>
-              <a:t> in range(1,edges.shape[0]-1):</a:t>
-            </a:r>
-          </a:p>
-          <a:p>
-            <a:pPr marL="0" indent="0" algn="l" rtl="0">
-              <a:buNone/>
-            </a:pPr>
-            <a:r>
-              <a:rPr lang="en-US" dirty="0"/>
-              <a:t>        for j in range(1,edges.shape[1]-1):</a:t>
-            </a:r>
-          </a:p>
-          <a:p>
-            <a:pPr marL="0" indent="0" algn="l" rtl="0">
-              <a:buNone/>
-            </a:pPr>
-            <a:r>
-              <a:rPr lang="en-US" dirty="0"/>
-              <a:t>            if edges[</a:t>
+              <a:t>],</a:t>
+            </a:r>
+            <a:r>
+              <a:rPr lang="en-US" dirty="0" err="1"/>
+              <a:t>np.array</a:t>
+            </a:r>
+            <a:r>
+              <a:rPr lang="en-US" dirty="0"/>
+              <a:t>([0,1,0])):</a:t>
+            </a:r>
+          </a:p>
+          <a:p>
+            <a:pPr marL="0" indent="0" algn="l" rtl="0">
+              <a:buNone/>
+            </a:pPr>
+            <a:r>
+              <a:rPr lang="en-US" dirty="0"/>
+              <a:t>                    if mag[</a:t>
             </a:r>
             <a:r>
               <a:rPr lang="en-US" dirty="0" err="1"/>
@@ -11252,15 +10567,49 @@
             </a:r>
             <a:r>
               <a:rPr lang="en-US" dirty="0"/>
-              <a:t>] &gt; t2 and 1 in </a:t>
-            </a:r>
-            <a:r>
-              <a:rPr lang="en-US" dirty="0" err="1"/>
-              <a:t>hyst</a:t>
-            </a:r>
-            <a:r>
-              <a:rPr lang="en-US" dirty="0"/>
-              <a:t>[i-1:i+1,j-1:j+1]:</a:t>
+              <a:t>] &gt; mag[i-1,j-1] and mag[</a:t>
+            </a:r>
+            <a:r>
+              <a:rPr lang="en-US" dirty="0" err="1"/>
+              <a:t>i,j</a:t>
+            </a:r>
+            <a:r>
+              <a:rPr lang="en-US" dirty="0"/>
+              <a:t>] &gt; mag[i+1,j+1]:</a:t>
+            </a:r>
+          </a:p>
+          <a:p>
+            <a:pPr marL="0" indent="0" algn="l" rtl="0">
+              <a:buNone/>
+            </a:pPr>
+            <a:r>
+              <a:rPr lang="en-US" dirty="0"/>
+              <a:t>                        res[</a:t>
+            </a:r>
+            <a:r>
+              <a:rPr lang="en-US" dirty="0" err="1"/>
+              <a:t>i,j</a:t>
+            </a:r>
+            <a:r>
+              <a:rPr lang="en-US" dirty="0"/>
+              <a:t>] = mag[</a:t>
+            </a:r>
+            <a:r>
+              <a:rPr lang="en-US" dirty="0" err="1"/>
+              <a:t>i,j</a:t>
+            </a:r>
+            <a:r>
+              <a:rPr lang="en-US" dirty="0"/>
+              <a:t>]</a:t>
+            </a:r>
+          </a:p>
+          <a:p>
+            <a:pPr marL="0" indent="0" algn="l" rtl="0">
+              <a:buNone/>
+            </a:pPr>
+            <a:r>
+              <a:rPr lang="en-US" dirty="0"/>
+              <a:t>                # Vertical gradient</a:t>
             </a:r>
           </a:p>
           <a:p>
@@ -11273,7 +10622,23 @@
             </a:r>
             <a:r>
               <a:rPr lang="en-US" dirty="0" err="1"/>
-              <a:t>hyst</a:t>
+              <a:t>elif</a:t>
+            </a:r>
+            <a:r>
+              <a:rPr lang="en-US" dirty="0"/>
+              <a:t> </a:t>
+            </a:r>
+            <a:r>
+              <a:rPr lang="en-US" dirty="0" err="1"/>
+              <a:t>np.array_equal</a:t>
+            </a:r>
+            <a:r>
+              <a:rPr lang="en-US" dirty="0"/>
+              <a:t>(</a:t>
+            </a:r>
+            <a:r>
+              <a:rPr lang="en-US" dirty="0" err="1"/>
+              <a:t>quant_ang</a:t>
             </a:r>
             <a:r>
               <a:rPr lang="en-US" dirty="0"/>
@@ -11285,20 +10650,182 @@
             </a:r>
             <a:r>
               <a:rPr lang="en-US" dirty="0"/>
-              <a:t>] = 1</a:t>
-            </a:r>
-          </a:p>
-          <a:p>
-            <a:pPr marL="0" indent="0" algn="l" rtl="0">
-              <a:buNone/>
-            </a:pPr>
-            <a:r>
-              <a:rPr lang="en-US" dirty="0"/>
-              <a:t>    return </a:t>
-            </a:r>
-            <a:r>
-              <a:rPr lang="en-US" dirty="0" err="1"/>
-              <a:t>hyst</a:t>
+              <a:t>],</a:t>
+            </a:r>
+            <a:r>
+              <a:rPr lang="en-US" dirty="0" err="1"/>
+              <a:t>np.array</a:t>
+            </a:r>
+            <a:r>
+              <a:rPr lang="en-US" dirty="0"/>
+              <a:t>([0,0,1])):</a:t>
+            </a:r>
+          </a:p>
+          <a:p>
+            <a:pPr marL="0" indent="0" algn="l" rtl="0">
+              <a:buNone/>
+            </a:pPr>
+            <a:r>
+              <a:rPr lang="en-US" dirty="0"/>
+              <a:t>                    if mag[</a:t>
+            </a:r>
+            <a:r>
+              <a:rPr lang="en-US" dirty="0" err="1"/>
+              <a:t>i,j</a:t>
+            </a:r>
+            <a:r>
+              <a:rPr lang="en-US" dirty="0"/>
+              <a:t>] &gt; mag[i-1,j] and mag[</a:t>
+            </a:r>
+            <a:r>
+              <a:rPr lang="en-US" dirty="0" err="1"/>
+              <a:t>i,j</a:t>
+            </a:r>
+            <a:r>
+              <a:rPr lang="en-US" dirty="0"/>
+              <a:t>] &gt; mag[i+1,j]:</a:t>
+            </a:r>
+          </a:p>
+          <a:p>
+            <a:pPr marL="0" indent="0" algn="l" rtl="0">
+              <a:buNone/>
+            </a:pPr>
+            <a:r>
+              <a:rPr lang="en-US" dirty="0"/>
+              <a:t>                        res[</a:t>
+            </a:r>
+            <a:r>
+              <a:rPr lang="en-US" dirty="0" err="1"/>
+              <a:t>i,j</a:t>
+            </a:r>
+            <a:r>
+              <a:rPr lang="en-US" dirty="0"/>
+              <a:t>] = mag[</a:t>
+            </a:r>
+            <a:r>
+              <a:rPr lang="en-US" dirty="0" err="1"/>
+              <a:t>i,j</a:t>
+            </a:r>
+            <a:r>
+              <a:rPr lang="en-US" dirty="0"/>
+              <a:t>]</a:t>
+            </a:r>
+          </a:p>
+          <a:p>
+            <a:pPr marL="0" indent="0" algn="l" rtl="0">
+              <a:buNone/>
+            </a:pPr>
+            <a:r>
+              <a:rPr lang="en-US" dirty="0"/>
+              <a:t>                # Secondary diagonal gradient</a:t>
+            </a:r>
+          </a:p>
+          <a:p>
+            <a:pPr marL="0" indent="0" algn="l" rtl="0">
+              <a:buNone/>
+            </a:pPr>
+            <a:r>
+              <a:rPr lang="en-US" dirty="0"/>
+              <a:t>                </a:t>
+            </a:r>
+            <a:r>
+              <a:rPr lang="en-US" dirty="0" err="1"/>
+              <a:t>elif</a:t>
+            </a:r>
+            <a:r>
+              <a:rPr lang="en-US" dirty="0"/>
+              <a:t> </a:t>
+            </a:r>
+            <a:r>
+              <a:rPr lang="en-US" dirty="0" err="1"/>
+              <a:t>np.array_equal</a:t>
+            </a:r>
+            <a:r>
+              <a:rPr lang="en-US" dirty="0"/>
+              <a:t>(</a:t>
+            </a:r>
+            <a:r>
+              <a:rPr lang="en-US" dirty="0" err="1"/>
+              <a:t>quant_ang</a:t>
+            </a:r>
+            <a:r>
+              <a:rPr lang="en-US" dirty="0"/>
+              <a:t>[</a:t>
+            </a:r>
+            <a:r>
+              <a:rPr lang="en-US" dirty="0" err="1"/>
+              <a:t>i,j</a:t>
+            </a:r>
+            <a:r>
+              <a:rPr lang="en-US" dirty="0"/>
+              <a:t>],</a:t>
+            </a:r>
+            <a:r>
+              <a:rPr lang="en-US" dirty="0" err="1"/>
+              <a:t>np.array</a:t>
+            </a:r>
+            <a:r>
+              <a:rPr lang="en-US" dirty="0"/>
+              <a:t>([1,1,0])):</a:t>
+            </a:r>
+          </a:p>
+          <a:p>
+            <a:pPr marL="0" indent="0" algn="l" rtl="0">
+              <a:buNone/>
+            </a:pPr>
+            <a:r>
+              <a:rPr lang="en-US" dirty="0"/>
+              <a:t>                    if mag[</a:t>
+            </a:r>
+            <a:r>
+              <a:rPr lang="en-US" dirty="0" err="1"/>
+              <a:t>i,j</a:t>
+            </a:r>
+            <a:r>
+              <a:rPr lang="en-US" dirty="0"/>
+              <a:t>] &gt; mag[i+1,j-1] and mag[</a:t>
+            </a:r>
+            <a:r>
+              <a:rPr lang="en-US" dirty="0" err="1"/>
+              <a:t>i,j</a:t>
+            </a:r>
+            <a:r>
+              <a:rPr lang="en-US" dirty="0"/>
+              <a:t>] &gt; mag[i-1,j+1]:</a:t>
+            </a:r>
+          </a:p>
+          <a:p>
+            <a:pPr marL="0" indent="0" algn="l" rtl="0">
+              <a:buNone/>
+            </a:pPr>
+            <a:r>
+              <a:rPr lang="en-US" dirty="0"/>
+              <a:t>                        res[</a:t>
+            </a:r>
+            <a:r>
+              <a:rPr lang="en-US" dirty="0" err="1"/>
+              <a:t>i,j</a:t>
+            </a:r>
+            <a:r>
+              <a:rPr lang="en-US" dirty="0"/>
+              <a:t>] = mag[</a:t>
+            </a:r>
+            <a:r>
+              <a:rPr lang="en-US" dirty="0" err="1"/>
+              <a:t>i,j</a:t>
+            </a:r>
+            <a:r>
+              <a:rPr lang="en-US" dirty="0"/>
+              <a:t>]</a:t>
+            </a:r>
+          </a:p>
+          <a:p>
+            <a:pPr marL="0" indent="0" algn="l" rtl="0">
+              <a:buNone/>
+            </a:pPr>
+            <a:r>
+              <a:rPr lang="en-US" dirty="0"/>
+              <a:t>    return res</a:t>
             </a:r>
             <a:endParaRPr lang="he-IL" dirty="0"/>
           </a:p>
@@ -11307,7 +10834,7 @@
     </p:spTree>
     <p:extLst>
       <p:ext uri="{BB962C8B-B14F-4D97-AF65-F5344CB8AC3E}">
-        <p14:creationId xmlns:p14="http://schemas.microsoft.com/office/powerpoint/2010/main" val="641124519"/>
+        <p14:creationId xmlns:p14="http://schemas.microsoft.com/office/powerpoint/2010/main" val="4102454005"/>
       </p:ext>
     </p:extLst>
   </p:cSld>
@@ -11448,6 +10975,606 @@
 </file>
 
 <file path=ppt/slides/slide40.xml><?xml version="1.0" encoding="utf-8"?>
+<p:sld xmlns:a="http://schemas.openxmlformats.org/drawingml/2006/main" xmlns:r="http://schemas.openxmlformats.org/officeDocument/2006/relationships" xmlns:p="http://schemas.openxmlformats.org/presentationml/2006/main">
+  <p:cSld>
+    <p:spTree>
+      <p:nvGrpSpPr>
+        <p:cNvPr id="1" name=""/>
+        <p:cNvGrpSpPr/>
+        <p:nvPr/>
+      </p:nvGrpSpPr>
+      <p:grpSpPr>
+        <a:xfrm>
+          <a:off x="0" y="0"/>
+          <a:ext cx="0" cy="0"/>
+          <a:chOff x="0" y="0"/>
+          <a:chExt cx="0" cy="0"/>
+        </a:xfrm>
+      </p:grpSpPr>
+      <p:sp>
+        <p:nvSpPr>
+          <p:cNvPr id="3" name="מציין מיקום תוכן 2">
+            <a:extLst>
+              <a:ext uri="{FF2B5EF4-FFF2-40B4-BE49-F238E27FC236}">
+                <a16:creationId xmlns:a16="http://schemas.microsoft.com/office/drawing/2014/main" id="{BF9C3255-F55E-4EFB-AB8B-B257307AF053}"/>
+              </a:ext>
+            </a:extLst>
+          </p:cNvPr>
+          <p:cNvSpPr>
+            <a:spLocks noGrp="1"/>
+          </p:cNvSpPr>
+          <p:nvPr>
+            <p:ph idx="1"/>
+          </p:nvPr>
+        </p:nvSpPr>
+        <p:spPr>
+          <a:xfrm>
+            <a:off x="838200" y="1304818"/>
+            <a:ext cx="10515600" cy="5424755"/>
+          </a:xfrm>
+        </p:spPr>
+        <p:txBody>
+          <a:bodyPr/>
+          <a:lstStyle/>
+          <a:p>
+            <a:pPr marL="0" indent="0" algn="l" rtl="0">
+              <a:buNone/>
+            </a:pPr>
+            <a:r>
+              <a:rPr lang="en-US" dirty="0"/>
+              <a:t>def canny(</a:t>
+            </a:r>
+            <a:r>
+              <a:rPr lang="en-US" dirty="0" err="1"/>
+              <a:t>Img</a:t>
+            </a:r>
+            <a:r>
+              <a:rPr lang="en-US" dirty="0"/>
+              <a:t>):</a:t>
+            </a:r>
+          </a:p>
+          <a:p>
+            <a:pPr marL="0" indent="0" algn="l" rtl="0">
+              <a:buNone/>
+            </a:pPr>
+            <a:r>
+              <a:rPr lang="en-US" dirty="0"/>
+              <a:t>    kg=</a:t>
+            </a:r>
+            <a:r>
+              <a:rPr lang="en-US" dirty="0" err="1"/>
+              <a:t>np.array</a:t>
+            </a:r>
+            <a:r>
+              <a:rPr lang="en-US" dirty="0"/>
+              <a:t>([[1,2,1],[2,4,2],[1,2,1]])/16</a:t>
+            </a:r>
+          </a:p>
+          <a:p>
+            <a:pPr marL="0" indent="0" algn="l" rtl="0">
+              <a:buNone/>
+            </a:pPr>
+            <a:r>
+              <a:rPr lang="en-US" dirty="0"/>
+              <a:t>    Img2=conv2D(</a:t>
+            </a:r>
+            <a:r>
+              <a:rPr lang="en-US" dirty="0" err="1"/>
+              <a:t>Img,kg</a:t>
+            </a:r>
+            <a:r>
+              <a:rPr lang="en-US" dirty="0"/>
+              <a:t>)</a:t>
+            </a:r>
+          </a:p>
+          <a:p>
+            <a:pPr marL="0" indent="0" algn="l" rtl="0">
+              <a:buNone/>
+            </a:pPr>
+            <a:r>
+              <a:rPr lang="en-US" dirty="0"/>
+              <a:t>    x=</a:t>
+            </a:r>
+            <a:r>
+              <a:rPr lang="en-US" dirty="0" err="1"/>
+              <a:t>CDhelp</a:t>
+            </a:r>
+            <a:r>
+              <a:rPr lang="en-US" dirty="0"/>
+              <a:t>(</a:t>
+            </a:r>
+            <a:r>
+              <a:rPr lang="en-US" dirty="0" err="1"/>
+              <a:t>Img</a:t>
+            </a:r>
+            <a:r>
+              <a:rPr lang="en-US" dirty="0"/>
+              <a:t>)</a:t>
+            </a:r>
+          </a:p>
+          <a:p>
+            <a:pPr marL="0" indent="0" algn="l" rtl="0">
+              <a:buNone/>
+            </a:pPr>
+            <a:r>
+              <a:rPr lang="en-US" dirty="0"/>
+              <a:t>    y=</a:t>
+            </a:r>
+            <a:r>
+              <a:rPr lang="en-US" dirty="0" err="1"/>
+              <a:t>np.transpose</a:t>
+            </a:r>
+            <a:r>
+              <a:rPr lang="en-US" dirty="0"/>
+              <a:t>(</a:t>
+            </a:r>
+            <a:r>
+              <a:rPr lang="en-US" dirty="0" err="1"/>
+              <a:t>CDhelp</a:t>
+            </a:r>
+            <a:r>
+              <a:rPr lang="en-US" dirty="0"/>
+              <a:t>(</a:t>
+            </a:r>
+            <a:r>
+              <a:rPr lang="en-US" dirty="0" err="1"/>
+              <a:t>np.transpose</a:t>
+            </a:r>
+            <a:r>
+              <a:rPr lang="en-US" dirty="0"/>
+              <a:t>(</a:t>
+            </a:r>
+            <a:r>
+              <a:rPr lang="en-US" dirty="0" err="1"/>
+              <a:t>Img</a:t>
+            </a:r>
+            <a:r>
+              <a:rPr lang="en-US" dirty="0"/>
+              <a:t>)))</a:t>
+            </a:r>
+          </a:p>
+          <a:p>
+            <a:pPr marL="0" indent="0" algn="l" rtl="0">
+              <a:buNone/>
+            </a:pPr>
+            <a:r>
+              <a:rPr lang="en-US" dirty="0"/>
+              <a:t>    </a:t>
+            </a:r>
+            <a:r>
+              <a:rPr lang="en-US" dirty="0" err="1"/>
+              <a:t>mgnt</a:t>
+            </a:r>
+            <a:r>
+              <a:rPr lang="en-US" dirty="0"/>
+              <a:t>=</a:t>
+            </a:r>
+            <a:r>
+              <a:rPr lang="en-US" dirty="0" err="1"/>
+              <a:t>np.sqrt</a:t>
+            </a:r>
+            <a:r>
+              <a:rPr lang="en-US" dirty="0"/>
+              <a:t>(x*</a:t>
+            </a:r>
+            <a:r>
+              <a:rPr lang="en-US" dirty="0" err="1"/>
+              <a:t>x+y</a:t>
+            </a:r>
+            <a:r>
+              <a:rPr lang="en-US" dirty="0"/>
+              <a:t>*y)</a:t>
+            </a:r>
+          </a:p>
+          <a:p>
+            <a:pPr marL="0" indent="0" algn="l" rtl="0">
+              <a:buNone/>
+            </a:pPr>
+            <a:r>
+              <a:rPr lang="en-US" dirty="0"/>
+              <a:t>    angel=np.arctan2(</a:t>
+            </a:r>
+            <a:r>
+              <a:rPr lang="en-US" dirty="0" err="1"/>
+              <a:t>y,x</a:t>
+            </a:r>
+            <a:r>
+              <a:rPr lang="en-US" dirty="0"/>
+              <a:t>)</a:t>
+            </a:r>
+          </a:p>
+          <a:p>
+            <a:pPr marL="0" indent="0" algn="l" rtl="0">
+              <a:buNone/>
+            </a:pPr>
+            <a:r>
+              <a:rPr lang="en-US" dirty="0"/>
+              <a:t>    q=quantize(</a:t>
+            </a:r>
+            <a:r>
+              <a:rPr lang="en-US" dirty="0" err="1"/>
+              <a:t>mgnt,angel</a:t>
+            </a:r>
+            <a:r>
+              <a:rPr lang="en-US" dirty="0"/>
+              <a:t>)</a:t>
+            </a:r>
+          </a:p>
+          <a:p>
+            <a:pPr marL="0" indent="0" algn="l" rtl="0">
+              <a:buNone/>
+            </a:pPr>
+            <a:r>
+              <a:rPr lang="en-US" dirty="0"/>
+              <a:t>    nm=</a:t>
+            </a:r>
+            <a:r>
+              <a:rPr lang="en-US" dirty="0" err="1"/>
+              <a:t>nonMax</a:t>
+            </a:r>
+            <a:r>
+              <a:rPr lang="en-US" dirty="0"/>
+              <a:t>(</a:t>
+            </a:r>
+            <a:r>
+              <a:rPr lang="en-US" dirty="0" err="1"/>
+              <a:t>mgnt,q</a:t>
+            </a:r>
+            <a:r>
+              <a:rPr lang="en-US" dirty="0"/>
+              <a:t>)</a:t>
+            </a:r>
+          </a:p>
+          <a:p>
+            <a:pPr marL="0" indent="0" algn="l" rtl="0">
+              <a:buNone/>
+            </a:pPr>
+            <a:r>
+              <a:rPr lang="en-US" dirty="0"/>
+              <a:t>    return </a:t>
+            </a:r>
+            <a:r>
+              <a:rPr lang="en-US" dirty="0">
+                <a:highlight>
+                  <a:srgbClr val="FFFF00"/>
+                </a:highlight>
+              </a:rPr>
+              <a:t>hysteresis</a:t>
+            </a:r>
+            <a:r>
+              <a:rPr lang="en-US" dirty="0"/>
+              <a:t>(nm)</a:t>
+            </a:r>
+          </a:p>
+          <a:p>
+            <a:pPr marL="0" indent="0" algn="l" rtl="0">
+              <a:buNone/>
+            </a:pPr>
+            <a:endParaRPr lang="he-IL" dirty="0"/>
+          </a:p>
+        </p:txBody>
+      </p:sp>
+    </p:spTree>
+    <p:extLst>
+      <p:ext uri="{BB962C8B-B14F-4D97-AF65-F5344CB8AC3E}">
+        <p14:creationId xmlns:p14="http://schemas.microsoft.com/office/powerpoint/2010/main" val="559855370"/>
+      </p:ext>
+    </p:extLst>
+  </p:cSld>
+  <p:clrMapOvr>
+    <a:masterClrMapping/>
+  </p:clrMapOvr>
+</p:sld>
+</file>
+
+<file path=ppt/slides/slide41.xml><?xml version="1.0" encoding="utf-8"?>
+<p:sld xmlns:a="http://schemas.openxmlformats.org/drawingml/2006/main" xmlns:r="http://schemas.openxmlformats.org/officeDocument/2006/relationships" xmlns:p="http://schemas.openxmlformats.org/presentationml/2006/main">
+  <p:cSld>
+    <p:spTree>
+      <p:nvGrpSpPr>
+        <p:cNvPr id="1" name=""/>
+        <p:cNvGrpSpPr/>
+        <p:nvPr/>
+      </p:nvGrpSpPr>
+      <p:grpSpPr>
+        <a:xfrm>
+          <a:off x="0" y="0"/>
+          <a:ext cx="0" cy="0"/>
+          <a:chOff x="0" y="0"/>
+          <a:chExt cx="0" cy="0"/>
+        </a:xfrm>
+      </p:grpSpPr>
+      <p:sp>
+        <p:nvSpPr>
+          <p:cNvPr id="3" name="מציין מיקום תוכן 2">
+            <a:extLst>
+              <a:ext uri="{FF2B5EF4-FFF2-40B4-BE49-F238E27FC236}">
+                <a16:creationId xmlns:a16="http://schemas.microsoft.com/office/drawing/2014/main" id="{64313C09-97E7-4BE4-A83F-49B80C8A7C13}"/>
+              </a:ext>
+            </a:extLst>
+          </p:cNvPr>
+          <p:cNvSpPr>
+            <a:spLocks noGrp="1"/>
+          </p:cNvSpPr>
+          <p:nvPr>
+            <p:ph idx="1"/>
+          </p:nvPr>
+        </p:nvSpPr>
+        <p:spPr>
+          <a:xfrm>
+            <a:off x="838200" y="0"/>
+            <a:ext cx="10515600" cy="6858000"/>
+          </a:xfrm>
+        </p:spPr>
+        <p:txBody>
+          <a:bodyPr/>
+          <a:lstStyle/>
+          <a:p>
+            <a:pPr marL="0" indent="0" algn="l" rtl="0">
+              <a:buNone/>
+            </a:pPr>
+            <a:r>
+              <a:rPr lang="en-US" dirty="0"/>
+              <a:t>def hysteresis(edges):</a:t>
+            </a:r>
+          </a:p>
+          <a:p>
+            <a:pPr marL="0" indent="0" algn="l" rtl="0">
+              <a:buNone/>
+            </a:pPr>
+            <a:r>
+              <a:rPr lang="en-US" dirty="0"/>
+              <a:t>    t1=</a:t>
+            </a:r>
+            <a:r>
+              <a:rPr lang="en-US" dirty="0" err="1"/>
+              <a:t>edges.max</a:t>
+            </a:r>
+            <a:r>
+              <a:rPr lang="en-US" dirty="0"/>
+              <a:t>()*0.3</a:t>
+            </a:r>
+          </a:p>
+          <a:p>
+            <a:pPr marL="0" indent="0" algn="l" rtl="0">
+              <a:buNone/>
+            </a:pPr>
+            <a:r>
+              <a:rPr lang="en-US" dirty="0"/>
+              <a:t>    t2=</a:t>
+            </a:r>
+            <a:r>
+              <a:rPr lang="en-US" dirty="0" err="1"/>
+              <a:t>edges.max</a:t>
+            </a:r>
+            <a:r>
+              <a:rPr lang="en-US" dirty="0"/>
+              <a:t>()*0.05</a:t>
+            </a:r>
+          </a:p>
+          <a:p>
+            <a:pPr marL="0" indent="0" algn="l" rtl="0">
+              <a:buNone/>
+            </a:pPr>
+            <a:r>
+              <a:rPr lang="en-US" dirty="0"/>
+              <a:t>    </a:t>
+            </a:r>
+            <a:r>
+              <a:rPr lang="en-US" dirty="0" err="1"/>
+              <a:t>hyst</a:t>
+            </a:r>
+            <a:r>
+              <a:rPr lang="en-US" dirty="0"/>
+              <a:t> = </a:t>
+            </a:r>
+            <a:r>
+              <a:rPr lang="en-US" dirty="0" err="1"/>
+              <a:t>np.zeros</a:t>
+            </a:r>
+            <a:r>
+              <a:rPr lang="en-US" dirty="0"/>
+              <a:t>(</a:t>
+            </a:r>
+            <a:r>
+              <a:rPr lang="en-US" dirty="0" err="1"/>
+              <a:t>edges.shape</a:t>
+            </a:r>
+            <a:r>
+              <a:rPr lang="en-US" dirty="0"/>
+              <a:t>)</a:t>
+            </a:r>
+          </a:p>
+          <a:p>
+            <a:pPr marL="0" indent="0" algn="l" rtl="0">
+              <a:buNone/>
+            </a:pPr>
+            <a:r>
+              <a:rPr lang="en-US" dirty="0"/>
+              <a:t>    for </a:t>
+            </a:r>
+            <a:r>
+              <a:rPr lang="en-US" dirty="0" err="1"/>
+              <a:t>i</a:t>
+            </a:r>
+            <a:r>
+              <a:rPr lang="en-US" dirty="0"/>
+              <a:t> in range(</a:t>
+            </a:r>
+            <a:r>
+              <a:rPr lang="en-US" dirty="0" err="1"/>
+              <a:t>edges.shape</a:t>
+            </a:r>
+            <a:r>
+              <a:rPr lang="en-US" dirty="0"/>
+              <a:t>[0]):</a:t>
+            </a:r>
+          </a:p>
+          <a:p>
+            <a:pPr marL="0" indent="0" algn="l" rtl="0">
+              <a:buNone/>
+            </a:pPr>
+            <a:r>
+              <a:rPr lang="en-US" dirty="0"/>
+              <a:t>        for j in range(</a:t>
+            </a:r>
+            <a:r>
+              <a:rPr lang="en-US" dirty="0" err="1"/>
+              <a:t>edges.shape</a:t>
+            </a:r>
+            <a:r>
+              <a:rPr lang="en-US" dirty="0"/>
+              <a:t>[1]):</a:t>
+            </a:r>
+          </a:p>
+          <a:p>
+            <a:pPr marL="0" indent="0" algn="l" rtl="0">
+              <a:buNone/>
+            </a:pPr>
+            <a:r>
+              <a:rPr lang="en-US" dirty="0"/>
+              <a:t>            if edges[</a:t>
+            </a:r>
+            <a:r>
+              <a:rPr lang="en-US" dirty="0" err="1"/>
+              <a:t>i,j</a:t>
+            </a:r>
+            <a:r>
+              <a:rPr lang="en-US" dirty="0"/>
+              <a:t>] &gt; t1:</a:t>
+            </a:r>
+          </a:p>
+          <a:p>
+            <a:pPr marL="0" indent="0" algn="l" rtl="0">
+              <a:buNone/>
+            </a:pPr>
+            <a:r>
+              <a:rPr lang="en-US" dirty="0"/>
+              <a:t>                </a:t>
+            </a:r>
+            <a:r>
+              <a:rPr lang="en-US" dirty="0" err="1"/>
+              <a:t>hyst</a:t>
+            </a:r>
+            <a:r>
+              <a:rPr lang="en-US" dirty="0"/>
+              <a:t>[</a:t>
+            </a:r>
+            <a:r>
+              <a:rPr lang="en-US" dirty="0" err="1"/>
+              <a:t>i,j</a:t>
+            </a:r>
+            <a:r>
+              <a:rPr lang="en-US" dirty="0"/>
+              <a:t>] = 1</a:t>
+            </a:r>
+          </a:p>
+          <a:p>
+            <a:pPr marL="0" indent="0" algn="l" rtl="0">
+              <a:buNone/>
+            </a:pPr>
+            <a:r>
+              <a:rPr lang="en-US" dirty="0"/>
+              <a:t>    for </a:t>
+            </a:r>
+            <a:r>
+              <a:rPr lang="en-US" dirty="0" err="1"/>
+              <a:t>i</a:t>
+            </a:r>
+            <a:r>
+              <a:rPr lang="en-US" dirty="0"/>
+              <a:t> in range(1,edges.shape[0]-1):</a:t>
+            </a:r>
+          </a:p>
+          <a:p>
+            <a:pPr marL="0" indent="0" algn="l" rtl="0">
+              <a:buNone/>
+            </a:pPr>
+            <a:r>
+              <a:rPr lang="en-US" dirty="0"/>
+              <a:t>        for j in range(1,edges.shape[1]-1):</a:t>
+            </a:r>
+          </a:p>
+          <a:p>
+            <a:pPr marL="0" indent="0" algn="l" rtl="0">
+              <a:buNone/>
+            </a:pPr>
+            <a:r>
+              <a:rPr lang="en-US" dirty="0"/>
+              <a:t>            if edges[</a:t>
+            </a:r>
+            <a:r>
+              <a:rPr lang="en-US" dirty="0" err="1"/>
+              <a:t>i,j</a:t>
+            </a:r>
+            <a:r>
+              <a:rPr lang="en-US" dirty="0"/>
+              <a:t>] &gt; t2 and 1 in </a:t>
+            </a:r>
+            <a:r>
+              <a:rPr lang="en-US" dirty="0" err="1"/>
+              <a:t>hyst</a:t>
+            </a:r>
+            <a:r>
+              <a:rPr lang="en-US" dirty="0"/>
+              <a:t>[i-1:i+1,j-1:j+1]:</a:t>
+            </a:r>
+          </a:p>
+          <a:p>
+            <a:pPr marL="0" indent="0" algn="l" rtl="0">
+              <a:buNone/>
+            </a:pPr>
+            <a:r>
+              <a:rPr lang="en-US" dirty="0"/>
+              <a:t>                </a:t>
+            </a:r>
+            <a:r>
+              <a:rPr lang="en-US" dirty="0" err="1"/>
+              <a:t>hyst</a:t>
+            </a:r>
+            <a:r>
+              <a:rPr lang="en-US" dirty="0"/>
+              <a:t>[</a:t>
+            </a:r>
+            <a:r>
+              <a:rPr lang="en-US" dirty="0" err="1"/>
+              <a:t>i,j</a:t>
+            </a:r>
+            <a:r>
+              <a:rPr lang="en-US" dirty="0"/>
+              <a:t>] = 1</a:t>
+            </a:r>
+          </a:p>
+          <a:p>
+            <a:pPr marL="0" indent="0" algn="l" rtl="0">
+              <a:buNone/>
+            </a:pPr>
+            <a:r>
+              <a:rPr lang="en-US" dirty="0"/>
+              <a:t>    return </a:t>
+            </a:r>
+            <a:r>
+              <a:rPr lang="en-US" dirty="0" err="1"/>
+              <a:t>hyst</a:t>
+            </a:r>
+            <a:endParaRPr lang="he-IL" dirty="0"/>
+          </a:p>
+        </p:txBody>
+      </p:sp>
+    </p:spTree>
+    <p:extLst>
+      <p:ext uri="{BB962C8B-B14F-4D97-AF65-F5344CB8AC3E}">
+        <p14:creationId xmlns:p14="http://schemas.microsoft.com/office/powerpoint/2010/main" val="641124519"/>
+      </p:ext>
+    </p:extLst>
+  </p:cSld>
+  <p:clrMapOvr>
+    <a:masterClrMapping/>
+  </p:clrMapOvr>
+</p:sld>
+</file>
+
+<file path=ppt/slides/slide42.xml><?xml version="1.0" encoding="utf-8"?>
 <p:sld xmlns:a="http://schemas.openxmlformats.org/drawingml/2006/main" xmlns:r="http://schemas.openxmlformats.org/officeDocument/2006/relationships" xmlns:p="http://schemas.openxmlformats.org/presentationml/2006/main">
   <p:cSld>
     <p:spTree>
@@ -12793,21 +12920,33 @@
             </a:r>
             <a:r>
               <a:rPr lang="he-IL" sz="2000" dirty="0"/>
-              <a:t> קצה (שפות) מוגדרים כגבול בין רמות בהירות שונות. זיהוי קצוות הוא כלי בסיסי בעיבוד תמונה וראייה ממוחשבת, המשמש בסיס לאלגוריתמים רבים לזיהוי עצמים וצורות בתמונות.</a:t>
-            </a:r>
-          </a:p>
-          <a:p>
+              <a:t> קצה (שפות) מוגדרים כגבול בין </a:t>
+            </a:r>
+            <a:r>
+              <a:rPr lang="he-IL" sz="2000" u="sng" dirty="0"/>
+              <a:t>רמות בהירות חדות</a:t>
+            </a:r>
             <a:r>
               <a:rPr lang="he-IL" sz="2000" dirty="0"/>
-              <a:t>כדאי לשים לב שקצוות לא בהכרח מהווים</a:t>
+              <a:t>. זיהוי קצוות הוא כלי בסיסי בעיבוד תמונה וראייה ממוחשבת, המשמש בסיס לאלגוריתמים רבים לזיהוי עצמים וצורות בתמונות.</a:t>
             </a:r>
           </a:p>
           <a:p>
             <a:r>
               <a:rPr lang="he-IL" sz="2000" dirty="0"/>
+              <a:t>כדאי לשים לב </a:t>
+            </a:r>
+            <a:r>
+              <a:rPr lang="he-IL" sz="2000" u="sng" dirty="0"/>
+              <a:t>שקצוות לא בהכרח מהווים</a:t>
+            </a:r>
+          </a:p>
+          <a:p>
+            <a:r>
+              <a:rPr lang="he-IL" sz="2000" u="sng" dirty="0"/>
               <a:t> אובייקטים בתמונה.</a:t>
             </a:r>
-            <a:endParaRPr lang="en-US" sz="2000" dirty="0"/>
+            <a:endParaRPr lang="en-US" sz="2000" u="sng" dirty="0"/>
           </a:p>
           <a:p>
             <a:endParaRPr lang="he-IL" sz="2000" dirty="0"/>
